--- a/documents/prezentacja/Bartlomiej_Janczak_22_06_2013.pptx
+++ b/documents/prezentacja/Bartlomiej_Janczak_22_06_2013.pptx
@@ -5,7 +5,7 @@
     <p:sldMasterId id="2147483648" r:id="rId1"/>
   </p:sldMasterIdLst>
   <p:notesMasterIdLst>
-    <p:notesMasterId r:id="rId20"/>
+    <p:notesMasterId r:id="rId21"/>
   </p:notesMasterIdLst>
   <p:sldIdLst>
     <p:sldId id="256" r:id="rId2"/>
@@ -25,7 +25,8 @@
     <p:sldId id="275" r:id="rId16"/>
     <p:sldId id="276" r:id="rId17"/>
     <p:sldId id="277" r:id="rId18"/>
-    <p:sldId id="257" r:id="rId19"/>
+    <p:sldId id="279" r:id="rId19"/>
+    <p:sldId id="257" r:id="rId20"/>
   </p:sldIdLst>
   <p:sldSz cx="9144000" cy="6858000" type="screen4x3"/>
   <p:notesSz cx="6858000" cy="9144000"/>
@@ -185,11 +186,11 @@
           <c:showPercent val="0"/>
           <c:showBubbleSize val="0"/>
         </c:dLbls>
-        <c:axId val="107557248"/>
-        <c:axId val="122751616"/>
+        <c:axId val="86489344"/>
+        <c:axId val="86855680"/>
       </c:scatterChart>
       <c:valAx>
-        <c:axId val="107557248"/>
+        <c:axId val="86489344"/>
         <c:scaling>
           <c:orientation val="minMax"/>
         </c:scaling>
@@ -198,12 +199,12 @@
         <c:majorTickMark val="none"/>
         <c:minorTickMark val="none"/>
         <c:tickLblPos val="nextTo"/>
-        <c:crossAx val="122751616"/>
+        <c:crossAx val="86855680"/>
         <c:crosses val="autoZero"/>
         <c:crossBetween val="midCat"/>
       </c:valAx>
       <c:valAx>
-        <c:axId val="122751616"/>
+        <c:axId val="86855680"/>
         <c:scaling>
           <c:orientation val="minMax"/>
         </c:scaling>
@@ -212,7 +213,7 @@
         <c:majorTickMark val="none"/>
         <c:minorTickMark val="none"/>
         <c:tickLblPos val="nextTo"/>
-        <c:crossAx val="107557248"/>
+        <c:crossAx val="86489344"/>
         <c:crosses val="autoZero"/>
         <c:crossBetween val="midCat"/>
       </c:valAx>
@@ -505,11 +506,11 @@
           <c:showPercent val="0"/>
           <c:showBubbleSize val="0"/>
         </c:dLbls>
-        <c:axId val="175952256"/>
-        <c:axId val="175954176"/>
+        <c:axId val="113073536"/>
+        <c:axId val="113079808"/>
       </c:scatterChart>
       <c:valAx>
-        <c:axId val="175952256"/>
+        <c:axId val="113073536"/>
         <c:scaling>
           <c:orientation val="minMax"/>
           <c:max val="600000"/>
@@ -540,13 +541,13 @@
         <c:majorTickMark val="none"/>
         <c:minorTickMark val="none"/>
         <c:tickLblPos val="nextTo"/>
-        <c:crossAx val="175954176"/>
+        <c:crossAx val="113079808"/>
         <c:crosses val="autoZero"/>
         <c:crossBetween val="midCat"/>
         <c:majorUnit val="150000"/>
       </c:valAx>
       <c:valAx>
-        <c:axId val="175954176"/>
+        <c:axId val="113079808"/>
         <c:scaling>
           <c:logBase val="10"/>
           <c:orientation val="minMax"/>
@@ -577,7 +578,7 @@
         <c:majorTickMark val="none"/>
         <c:minorTickMark val="none"/>
         <c:tickLblPos val="nextTo"/>
-        <c:crossAx val="175952256"/>
+        <c:crossAx val="113073536"/>
         <c:crosses val="autoZero"/>
         <c:crossBetween val="midCat"/>
       </c:valAx>
@@ -625,11 +626,11 @@
           <c:showPercent val="0"/>
           <c:showBubbleSize val="0"/>
         </c:dLbls>
-        <c:axId val="189218176"/>
-        <c:axId val="190046976"/>
+        <c:axId val="113141248"/>
+        <c:axId val="113142784"/>
       </c:scatterChart>
       <c:valAx>
-        <c:axId val="189218176"/>
+        <c:axId val="113141248"/>
         <c:scaling>
           <c:orientation val="minMax"/>
         </c:scaling>
@@ -638,12 +639,12 @@
         <c:majorTickMark val="none"/>
         <c:minorTickMark val="none"/>
         <c:tickLblPos val="nextTo"/>
-        <c:crossAx val="190046976"/>
+        <c:crossAx val="113142784"/>
         <c:crosses val="autoZero"/>
         <c:crossBetween val="midCat"/>
       </c:valAx>
       <c:valAx>
-        <c:axId val="190046976"/>
+        <c:axId val="113142784"/>
         <c:scaling>
           <c:orientation val="minMax"/>
         </c:scaling>
@@ -652,7 +653,7 @@
         <c:majorTickMark val="none"/>
         <c:minorTickMark val="none"/>
         <c:tickLblPos val="nextTo"/>
-        <c:crossAx val="189218176"/>
+        <c:crossAx val="113141248"/>
         <c:crosses val="autoZero"/>
         <c:crossBetween val="midCat"/>
       </c:valAx>
@@ -901,11 +902,11 @@
           <c:showPercent val="0"/>
           <c:showBubbleSize val="0"/>
         </c:dLbls>
-        <c:axId val="212826752"/>
-        <c:axId val="212918656"/>
+        <c:axId val="113164672"/>
+        <c:axId val="113166592"/>
       </c:scatterChart>
       <c:valAx>
-        <c:axId val="212826752"/>
+        <c:axId val="113164672"/>
         <c:scaling>
           <c:orientation val="minMax"/>
           <c:max val="5000"/>
@@ -936,13 +937,13 @@
         <c:majorTickMark val="none"/>
         <c:minorTickMark val="none"/>
         <c:tickLblPos val="nextTo"/>
-        <c:crossAx val="212918656"/>
+        <c:crossAx val="113166592"/>
         <c:crosses val="autoZero"/>
         <c:crossBetween val="midCat"/>
         <c:majorUnit val="1000"/>
       </c:valAx>
       <c:valAx>
-        <c:axId val="212918656"/>
+        <c:axId val="113166592"/>
         <c:scaling>
           <c:orientation val="minMax"/>
           <c:max val="6"/>
@@ -973,7 +974,7 @@
         <c:majorTickMark val="none"/>
         <c:minorTickMark val="none"/>
         <c:tickLblPos val="nextTo"/>
-        <c:crossAx val="212826752"/>
+        <c:crossAx val="113164672"/>
         <c:crosses val="autoZero"/>
         <c:crossBetween val="midCat"/>
         <c:majorUnit val="1.2"/>
@@ -1219,11 +1220,11 @@
           <c:showPercent val="0"/>
           <c:showBubbleSize val="0"/>
         </c:dLbls>
-        <c:axId val="234583936"/>
-        <c:axId val="268050432"/>
+        <c:axId val="112816128"/>
+        <c:axId val="112818048"/>
       </c:scatterChart>
       <c:valAx>
-        <c:axId val="234583936"/>
+        <c:axId val="112816128"/>
         <c:scaling>
           <c:orientation val="minMax"/>
           <c:max val="10000"/>
@@ -1254,13 +1255,13 @@
         <c:majorTickMark val="none"/>
         <c:minorTickMark val="none"/>
         <c:tickLblPos val="nextTo"/>
-        <c:crossAx val="268050432"/>
+        <c:crossAx val="112818048"/>
         <c:crosses val="autoZero"/>
         <c:crossBetween val="midCat"/>
         <c:majorUnit val="2000"/>
       </c:valAx>
       <c:valAx>
-        <c:axId val="268050432"/>
+        <c:axId val="112818048"/>
         <c:scaling>
           <c:orientation val="minMax"/>
           <c:max val="15"/>
@@ -1298,7 +1299,7 @@
         <c:majorTickMark val="none"/>
         <c:minorTickMark val="none"/>
         <c:tickLblPos val="nextTo"/>
-        <c:crossAx val="234583936"/>
+        <c:crossAx val="112816128"/>
         <c:crosses val="autoZero"/>
         <c:crossBetween val="midCat"/>
         <c:majorUnit val="3"/>
@@ -1544,11 +1545,11 @@
           <c:showPercent val="0"/>
           <c:showBubbleSize val="0"/>
         </c:dLbls>
-        <c:axId val="192094208"/>
-        <c:axId val="192096128"/>
+        <c:axId val="112864640"/>
+        <c:axId val="112870912"/>
       </c:scatterChart>
       <c:valAx>
-        <c:axId val="192094208"/>
+        <c:axId val="112864640"/>
         <c:scaling>
           <c:orientation val="minMax"/>
           <c:max val="100000"/>
@@ -1579,13 +1580,13 @@
         <c:majorTickMark val="none"/>
         <c:minorTickMark val="none"/>
         <c:tickLblPos val="nextTo"/>
-        <c:crossAx val="192096128"/>
+        <c:crossAx val="112870912"/>
         <c:crosses val="autoZero"/>
         <c:crossBetween val="midCat"/>
         <c:majorUnit val="25000"/>
       </c:valAx>
       <c:valAx>
-        <c:axId val="192096128"/>
+        <c:axId val="112870912"/>
         <c:scaling>
           <c:orientation val="minMax"/>
           <c:max val="25"/>
@@ -1616,7 +1617,7 @@
         <c:majorTickMark val="none"/>
         <c:minorTickMark val="none"/>
         <c:tickLblPos val="nextTo"/>
-        <c:crossAx val="192094208"/>
+        <c:crossAx val="112864640"/>
         <c:crosses val="autoZero"/>
         <c:crossBetween val="midCat"/>
         <c:majorUnit val="5"/>
@@ -1862,11 +1863,11 @@
           <c:showPercent val="0"/>
           <c:showBubbleSize val="0"/>
         </c:dLbls>
-        <c:axId val="200777088"/>
-        <c:axId val="204371456"/>
+        <c:axId val="112888832"/>
+        <c:axId val="112907392"/>
       </c:scatterChart>
       <c:valAx>
-        <c:axId val="200777088"/>
+        <c:axId val="112888832"/>
         <c:scaling>
           <c:orientation val="minMax"/>
           <c:max val="600000"/>
@@ -1897,13 +1898,13 @@
         <c:majorTickMark val="none"/>
         <c:minorTickMark val="none"/>
         <c:tickLblPos val="nextTo"/>
-        <c:crossAx val="204371456"/>
+        <c:crossAx val="112907392"/>
         <c:crosses val="autoZero"/>
         <c:crossBetween val="midCat"/>
         <c:majorUnit val="150000"/>
       </c:valAx>
       <c:valAx>
-        <c:axId val="204371456"/>
+        <c:axId val="112907392"/>
         <c:scaling>
           <c:orientation val="minMax"/>
           <c:max val="300"/>
@@ -1934,7 +1935,7 @@
         <c:majorTickMark val="none"/>
         <c:minorTickMark val="none"/>
         <c:tickLblPos val="nextTo"/>
-        <c:crossAx val="200777088"/>
+        <c:crossAx val="112888832"/>
         <c:crosses val="autoZero"/>
         <c:crossBetween val="midCat"/>
         <c:majorUnit val="60"/>
@@ -1983,11 +1984,11 @@
           <c:showPercent val="0"/>
           <c:showBubbleSize val="0"/>
         </c:dLbls>
-        <c:axId val="189215104"/>
-        <c:axId val="190064512"/>
+        <c:axId val="87897216"/>
+        <c:axId val="87898752"/>
       </c:scatterChart>
       <c:valAx>
-        <c:axId val="189215104"/>
+        <c:axId val="87897216"/>
         <c:scaling>
           <c:orientation val="minMax"/>
         </c:scaling>
@@ -1996,12 +1997,12 @@
         <c:majorTickMark val="none"/>
         <c:minorTickMark val="none"/>
         <c:tickLblPos val="nextTo"/>
-        <c:crossAx val="190064512"/>
+        <c:crossAx val="87898752"/>
         <c:crosses val="autoZero"/>
         <c:crossBetween val="midCat"/>
       </c:valAx>
       <c:valAx>
-        <c:axId val="190064512"/>
+        <c:axId val="87898752"/>
         <c:scaling>
           <c:orientation val="minMax"/>
         </c:scaling>
@@ -2010,7 +2011,7 @@
         <c:majorTickMark val="none"/>
         <c:minorTickMark val="none"/>
         <c:tickLblPos val="nextTo"/>
-        <c:crossAx val="189215104"/>
+        <c:crossAx val="87897216"/>
         <c:crosses val="autoZero"/>
         <c:crossBetween val="midCat"/>
       </c:valAx>
@@ -2203,11 +2204,11 @@
           <c:showPercent val="0"/>
           <c:showBubbleSize val="0"/>
         </c:dLbls>
-        <c:axId val="192236928"/>
-        <c:axId val="194539904"/>
+        <c:axId val="87964672"/>
+        <c:axId val="87966848"/>
       </c:scatterChart>
       <c:valAx>
-        <c:axId val="192236928"/>
+        <c:axId val="87964672"/>
         <c:scaling>
           <c:orientation val="minMax"/>
           <c:max val="5000"/>
@@ -2238,13 +2239,13 @@
         <c:majorTickMark val="none"/>
         <c:minorTickMark val="none"/>
         <c:tickLblPos val="nextTo"/>
-        <c:crossAx val="194539904"/>
+        <c:crossAx val="87966848"/>
         <c:crosses val="autoZero"/>
         <c:crossBetween val="midCat"/>
         <c:majorUnit val="1000"/>
       </c:valAx>
       <c:valAx>
-        <c:axId val="194539904"/>
+        <c:axId val="87966848"/>
         <c:scaling>
           <c:orientation val="minMax"/>
           <c:max val="7"/>
@@ -2275,7 +2276,7 @@
         <c:majorTickMark val="none"/>
         <c:minorTickMark val="none"/>
         <c:tickLblPos val="nextTo"/>
-        <c:crossAx val="192236928"/>
+        <c:crossAx val="87964672"/>
         <c:crosses val="autoZero"/>
         <c:crossBetween val="midCat"/>
         <c:majorUnit val="1.4"/>
@@ -2465,11 +2466,11 @@
           <c:showPercent val="0"/>
           <c:showBubbleSize val="0"/>
         </c:dLbls>
-        <c:axId val="212951424"/>
-        <c:axId val="212953344"/>
+        <c:axId val="87992192"/>
+        <c:axId val="87998464"/>
       </c:scatterChart>
       <c:valAx>
-        <c:axId val="212951424"/>
+        <c:axId val="87992192"/>
         <c:scaling>
           <c:orientation val="minMax"/>
           <c:max val="10000"/>
@@ -2500,13 +2501,13 @@
         <c:majorTickMark val="none"/>
         <c:minorTickMark val="none"/>
         <c:tickLblPos val="nextTo"/>
-        <c:crossAx val="212953344"/>
+        <c:crossAx val="87998464"/>
         <c:crosses val="autoZero"/>
         <c:crossBetween val="midCat"/>
         <c:majorUnit val="2000"/>
       </c:valAx>
       <c:valAx>
-        <c:axId val="212953344"/>
+        <c:axId val="87998464"/>
         <c:scaling>
           <c:orientation val="minMax"/>
           <c:max val="20"/>
@@ -2537,7 +2538,7 @@
         <c:majorTickMark val="none"/>
         <c:minorTickMark val="none"/>
         <c:tickLblPos val="nextTo"/>
-        <c:crossAx val="212951424"/>
+        <c:crossAx val="87992192"/>
         <c:crosses val="autoZero"/>
         <c:crossBetween val="midCat"/>
         <c:majorUnit val="4"/>
@@ -2727,11 +2728,11 @@
           <c:showPercent val="0"/>
           <c:showBubbleSize val="0"/>
         </c:dLbls>
-        <c:axId val="233509632"/>
-        <c:axId val="233511552"/>
+        <c:axId val="88015616"/>
+        <c:axId val="88017536"/>
       </c:scatterChart>
       <c:valAx>
-        <c:axId val="233509632"/>
+        <c:axId val="88015616"/>
         <c:scaling>
           <c:orientation val="minMax"/>
           <c:max val="100000"/>
@@ -2762,13 +2763,13 @@
         <c:majorTickMark val="none"/>
         <c:minorTickMark val="none"/>
         <c:tickLblPos val="nextTo"/>
-        <c:crossAx val="233511552"/>
+        <c:crossAx val="88017536"/>
         <c:crosses val="autoZero"/>
         <c:crossBetween val="midCat"/>
         <c:majorUnit val="25000"/>
       </c:valAx>
       <c:valAx>
-        <c:axId val="233511552"/>
+        <c:axId val="88017536"/>
         <c:scaling>
           <c:orientation val="minMax"/>
           <c:max val="50"/>
@@ -2799,7 +2800,7 @@
         <c:majorTickMark val="none"/>
         <c:minorTickMark val="none"/>
         <c:tickLblPos val="nextTo"/>
-        <c:crossAx val="233509632"/>
+        <c:crossAx val="88015616"/>
         <c:crosses val="autoZero"/>
         <c:crossBetween val="midCat"/>
         <c:majorUnit val="10"/>
@@ -2989,11 +2990,11 @@
           <c:showPercent val="0"/>
           <c:showBubbleSize val="0"/>
         </c:dLbls>
-        <c:axId val="351444992"/>
-        <c:axId val="351448064"/>
+        <c:axId val="87228800"/>
+        <c:axId val="87230720"/>
       </c:scatterChart>
       <c:valAx>
-        <c:axId val="351444992"/>
+        <c:axId val="87228800"/>
         <c:scaling>
           <c:orientation val="minMax"/>
           <c:max val="5000"/>
@@ -3024,13 +3025,13 @@
         <c:majorTickMark val="none"/>
         <c:minorTickMark val="none"/>
         <c:tickLblPos val="nextTo"/>
-        <c:crossAx val="351448064"/>
+        <c:crossAx val="87230720"/>
         <c:crosses val="autoZero"/>
         <c:crossBetween val="midCat"/>
         <c:majorUnit val="1000"/>
       </c:valAx>
       <c:valAx>
-        <c:axId val="351448064"/>
+        <c:axId val="87230720"/>
         <c:scaling>
           <c:orientation val="minMax"/>
           <c:max val="8"/>
@@ -3061,7 +3062,7 @@
         <c:majorTickMark val="none"/>
         <c:minorTickMark val="none"/>
         <c:tickLblPos val="nextTo"/>
-        <c:crossAx val="351444992"/>
+        <c:crossAx val="87228800"/>
         <c:crosses val="autoZero"/>
         <c:crossBetween val="midCat"/>
         <c:majorUnit val="1.6"/>
@@ -3251,11 +3252,11 @@
           <c:showPercent val="0"/>
           <c:showBubbleSize val="0"/>
         </c:dLbls>
-        <c:axId val="171274240"/>
-        <c:axId val="171276160"/>
+        <c:axId val="88059264"/>
+        <c:axId val="88065536"/>
       </c:scatterChart>
       <c:valAx>
-        <c:axId val="171274240"/>
+        <c:axId val="88059264"/>
         <c:scaling>
           <c:orientation val="minMax"/>
           <c:max val="600000"/>
@@ -3286,13 +3287,13 @@
         <c:majorTickMark val="none"/>
         <c:minorTickMark val="none"/>
         <c:tickLblPos val="nextTo"/>
-        <c:crossAx val="171276160"/>
+        <c:crossAx val="88065536"/>
         <c:crosses val="autoZero"/>
         <c:crossBetween val="midCat"/>
         <c:majorUnit val="150000"/>
       </c:valAx>
       <c:valAx>
-        <c:axId val="171276160"/>
+        <c:axId val="88065536"/>
         <c:scaling>
           <c:orientation val="minMax"/>
           <c:max val="300"/>
@@ -3323,7 +3324,7 @@
         <c:majorTickMark val="none"/>
         <c:minorTickMark val="none"/>
         <c:tickLblPos val="nextTo"/>
-        <c:crossAx val="171274240"/>
+        <c:crossAx val="88059264"/>
         <c:crosses val="autoZero"/>
         <c:crossBetween val="midCat"/>
         <c:majorUnit val="60"/>
@@ -3513,11 +3514,11 @@
           <c:showPercent val="0"/>
           <c:showBubbleSize val="0"/>
         </c:dLbls>
-        <c:axId val="175910912"/>
-        <c:axId val="175912832"/>
+        <c:axId val="87251968"/>
+        <c:axId val="87278720"/>
       </c:scatterChart>
       <c:valAx>
-        <c:axId val="175910912"/>
+        <c:axId val="87251968"/>
         <c:scaling>
           <c:orientation val="minMax"/>
           <c:max val="10000"/>
@@ -3548,13 +3549,13 @@
         <c:majorTickMark val="none"/>
         <c:minorTickMark val="none"/>
         <c:tickLblPos val="nextTo"/>
-        <c:crossAx val="175912832"/>
+        <c:crossAx val="87278720"/>
         <c:crosses val="autoZero"/>
         <c:crossBetween val="midCat"/>
         <c:majorUnit val="2000"/>
       </c:valAx>
       <c:valAx>
-        <c:axId val="175912832"/>
+        <c:axId val="87278720"/>
         <c:scaling>
           <c:orientation val="minMax"/>
           <c:max val="20"/>
@@ -3585,7 +3586,7 @@
         <c:majorTickMark val="none"/>
         <c:minorTickMark val="none"/>
         <c:tickLblPos val="nextTo"/>
-        <c:crossAx val="175910912"/>
+        <c:crossAx val="87251968"/>
         <c:crosses val="autoZero"/>
         <c:crossBetween val="midCat"/>
         <c:majorUnit val="4"/>
@@ -3775,11 +3776,11 @@
           <c:showPercent val="0"/>
           <c:showBubbleSize val="0"/>
         </c:dLbls>
-        <c:axId val="175921792"/>
-        <c:axId val="175923968"/>
+        <c:axId val="93722496"/>
+        <c:axId val="93724672"/>
       </c:scatterChart>
       <c:valAx>
-        <c:axId val="175921792"/>
+        <c:axId val="93722496"/>
         <c:scaling>
           <c:orientation val="minMax"/>
           <c:max val="100000"/>
@@ -3810,13 +3811,13 @@
         <c:majorTickMark val="none"/>
         <c:minorTickMark val="none"/>
         <c:tickLblPos val="nextTo"/>
-        <c:crossAx val="175923968"/>
+        <c:crossAx val="93724672"/>
         <c:crosses val="autoZero"/>
         <c:crossBetween val="midCat"/>
         <c:majorUnit val="25000"/>
       </c:valAx>
       <c:valAx>
-        <c:axId val="175923968"/>
+        <c:axId val="93724672"/>
         <c:scaling>
           <c:orientation val="minMax"/>
           <c:max val="50"/>
@@ -3847,7 +3848,7 @@
         <c:majorTickMark val="none"/>
         <c:minorTickMark val="none"/>
         <c:tickLblPos val="nextTo"/>
-        <c:crossAx val="175921792"/>
+        <c:crossAx val="93722496"/>
         <c:crosses val="autoZero"/>
         <c:crossBetween val="midCat"/>
         <c:majorUnit val="10"/>
@@ -4037,11 +4038,11 @@
           <c:showPercent val="0"/>
           <c:showBubbleSize val="0"/>
         </c:dLbls>
-        <c:axId val="175937024"/>
-        <c:axId val="175938944"/>
+        <c:axId val="93766400"/>
+        <c:axId val="93768320"/>
       </c:scatterChart>
       <c:valAx>
-        <c:axId val="175937024"/>
+        <c:axId val="93766400"/>
         <c:scaling>
           <c:orientation val="minMax"/>
           <c:max val="600000"/>
@@ -4072,13 +4073,13 @@
         <c:majorTickMark val="none"/>
         <c:minorTickMark val="none"/>
         <c:tickLblPos val="nextTo"/>
-        <c:crossAx val="175938944"/>
+        <c:crossAx val="93768320"/>
         <c:crosses val="autoZero"/>
         <c:crossBetween val="midCat"/>
         <c:majorUnit val="150000"/>
       </c:valAx>
       <c:valAx>
-        <c:axId val="175938944"/>
+        <c:axId val="93768320"/>
         <c:scaling>
           <c:orientation val="minMax"/>
           <c:max val="400"/>
@@ -4109,7 +4110,7 @@
         <c:majorTickMark val="none"/>
         <c:minorTickMark val="none"/>
         <c:tickLblPos val="nextTo"/>
-        <c:crossAx val="175937024"/>
+        <c:crossAx val="93766400"/>
         <c:crosses val="autoZero"/>
         <c:crossBetween val="midCat"/>
         <c:majorUnit val="100"/>
@@ -4158,11 +4159,11 @@
           <c:showPercent val="0"/>
           <c:showBubbleSize val="0"/>
         </c:dLbls>
-        <c:axId val="190062976"/>
-        <c:axId val="191900288"/>
+        <c:axId val="95402624"/>
+        <c:axId val="95408512"/>
       </c:scatterChart>
       <c:valAx>
-        <c:axId val="190062976"/>
+        <c:axId val="95402624"/>
         <c:scaling>
           <c:orientation val="minMax"/>
         </c:scaling>
@@ -4171,12 +4172,12 @@
         <c:majorTickMark val="none"/>
         <c:minorTickMark val="none"/>
         <c:tickLblPos val="nextTo"/>
-        <c:crossAx val="191900288"/>
+        <c:crossAx val="95408512"/>
         <c:crosses val="autoZero"/>
         <c:crossBetween val="midCat"/>
       </c:valAx>
       <c:valAx>
-        <c:axId val="191900288"/>
+        <c:axId val="95408512"/>
         <c:scaling>
           <c:orientation val="minMax"/>
         </c:scaling>
@@ -4185,7 +4186,7 @@
         <c:majorTickMark val="none"/>
         <c:minorTickMark val="none"/>
         <c:tickLblPos val="nextTo"/>
-        <c:crossAx val="190062976"/>
+        <c:crossAx val="95402624"/>
         <c:crosses val="autoZero"/>
         <c:crossBetween val="midCat"/>
       </c:valAx>
@@ -4490,11 +4491,11 @@
           <c:showPercent val="0"/>
           <c:showBubbleSize val="0"/>
         </c:dLbls>
-        <c:axId val="193973248"/>
-        <c:axId val="194020480"/>
+        <c:axId val="96844032"/>
+        <c:axId val="96858496"/>
       </c:scatterChart>
       <c:valAx>
-        <c:axId val="193973248"/>
+        <c:axId val="96844032"/>
         <c:scaling>
           <c:orientation val="minMax"/>
           <c:max val="5000"/>
@@ -4525,13 +4526,13 @@
         <c:majorTickMark val="none"/>
         <c:minorTickMark val="none"/>
         <c:tickLblPos val="nextTo"/>
-        <c:crossAx val="194020480"/>
+        <c:crossAx val="96858496"/>
         <c:crosses val="autoZero"/>
         <c:crossBetween val="midCat"/>
         <c:majorUnit val="1000"/>
       </c:valAx>
       <c:valAx>
-        <c:axId val="194020480"/>
+        <c:axId val="96858496"/>
         <c:scaling>
           <c:orientation val="minMax"/>
           <c:max val="12"/>
@@ -4562,7 +4563,7 @@
         <c:majorTickMark val="none"/>
         <c:minorTickMark val="none"/>
         <c:tickLblPos val="nextTo"/>
-        <c:crossAx val="193973248"/>
+        <c:crossAx val="96844032"/>
         <c:crosses val="autoZero"/>
         <c:crossBetween val="midCat"/>
         <c:majorUnit val="2.4"/>
@@ -4864,11 +4865,11 @@
           <c:showPercent val="0"/>
           <c:showBubbleSize val="0"/>
         </c:dLbls>
-        <c:axId val="205116160"/>
-        <c:axId val="211808256"/>
+        <c:axId val="107231872"/>
+        <c:axId val="107234048"/>
       </c:scatterChart>
       <c:valAx>
-        <c:axId val="205116160"/>
+        <c:axId val="107231872"/>
         <c:scaling>
           <c:orientation val="minMax"/>
           <c:max val="10000"/>
@@ -4899,13 +4900,13 @@
         <c:majorTickMark val="none"/>
         <c:minorTickMark val="none"/>
         <c:tickLblPos val="nextTo"/>
-        <c:crossAx val="211808256"/>
+        <c:crossAx val="107234048"/>
         <c:crosses val="autoZero"/>
         <c:crossBetween val="midCat"/>
         <c:majorUnit val="2000"/>
       </c:valAx>
       <c:valAx>
-        <c:axId val="211808256"/>
+        <c:axId val="107234048"/>
         <c:scaling>
           <c:logBase val="10"/>
           <c:orientation val="minMax"/>
@@ -4943,7 +4944,7 @@
         <c:majorTickMark val="none"/>
         <c:minorTickMark val="none"/>
         <c:tickLblPos val="nextTo"/>
-        <c:crossAx val="205116160"/>
+        <c:crossAx val="107231872"/>
         <c:crosses val="autoZero"/>
         <c:crossBetween val="midCat"/>
       </c:valAx>
@@ -5244,11 +5245,11 @@
           <c:showPercent val="0"/>
           <c:showBubbleSize val="0"/>
         </c:dLbls>
-        <c:axId val="212891136"/>
-        <c:axId val="212894848"/>
+        <c:axId val="107269120"/>
+        <c:axId val="107275392"/>
       </c:scatterChart>
       <c:valAx>
-        <c:axId val="212891136"/>
+        <c:axId val="107269120"/>
         <c:scaling>
           <c:orientation val="minMax"/>
           <c:max val="100000"/>
@@ -5279,13 +5280,13 @@
         <c:majorTickMark val="none"/>
         <c:minorTickMark val="none"/>
         <c:tickLblPos val="nextTo"/>
-        <c:crossAx val="212894848"/>
+        <c:crossAx val="107275392"/>
         <c:crosses val="autoZero"/>
         <c:crossBetween val="midCat"/>
         <c:majorUnit val="25000"/>
       </c:valAx>
       <c:valAx>
-        <c:axId val="212894848"/>
+        <c:axId val="107275392"/>
         <c:scaling>
           <c:logBase val="10"/>
           <c:orientation val="minMax"/>
@@ -5316,7 +5317,7 @@
         <c:majorTickMark val="none"/>
         <c:minorTickMark val="none"/>
         <c:tickLblPos val="nextTo"/>
-        <c:crossAx val="212891136"/>
+        <c:crossAx val="107269120"/>
         <c:crosses val="autoZero"/>
         <c:crossBetween val="midCat"/>
       </c:valAx>
@@ -5997,7 +5998,7 @@
               <a:pPr>
                 <a:defRPr/>
               </a:pPr>
-              <a:t>2013-06-23</a:t>
+              <a:t>2013-06-25</a:t>
             </a:fld>
             <a:endParaRPr lang="pl-PL"/>
           </a:p>
@@ -6417,7 +6418,7 @@
               </a:spcBef>
             </a:pPr>
             <a:r>
-              <a:rPr lang="pl-PL" smtClean="0"/>
+              <a:rPr lang="pl-PL" dirty="0" smtClean="0"/>
               <a:t>Witam Państwa. Nazywam się Bartłomiej Jańczak. Temat mojej pracy dyplomowej to „Gęstościowe grupowanie danych i wyznaczanie najbliższego sąsiedztwa z użyciem nierówności trójkąta”. </a:t>
             </a:r>
           </a:p>
@@ -7001,19 +7002,7 @@
                 <a:ea typeface="+mn-ea"/>
                 <a:cs typeface="+mn-cs"/>
               </a:rPr>
-              <a:t> – Zbiór danych tekstowych dotyczących recenzji </a:t>
-            </a:r>
-            <a:r>
-              <a:rPr lang="pl-PL" sz="1200" kern="1200" baseline="0" dirty="0" smtClean="0">
-                <a:solidFill>
-                  <a:schemeClr val="tx1"/>
-                </a:solidFill>
-                <a:effectLst/>
-                <a:latin typeface="+mn-lt"/>
-                <a:ea typeface="+mn-ea"/>
-                <a:cs typeface="+mn-cs"/>
-              </a:rPr>
-              <a:t>zawiera ponad 4000 rekordów ponad 126 </a:t>
+              <a:t> – Zbiór danych tekstowych dotyczących recenzji zawiera ponad 4000 rekordów ponad 126 </a:t>
             </a:r>
             <a:r>
               <a:rPr lang="pl-PL" sz="1200" kern="1200" baseline="0" dirty="0" err="1" smtClean="0">
@@ -7865,8 +7854,48 @@
           <a:lstStyle/>
           <a:p>
             <a:r>
-              <a:rPr lang="pl-PL" smtClean="0"/>
-              <a:t>Sztandarowym algorytmem gęstościowego grupowania danych będącym punktem odniesienia w wielu pracach naukowych dotyczących tematyki grupowania jest DBSCAN. Pojęciami, które należy wprowadzić w kontekście tego algorytmu jest: otoczenie epsilonowe – otoczenie epsilonowe punktu p definiowane jest jako zbiór punktów nie dalszych od p niż promień otoczenia Eps; kolejnym pojęciem jest punkt rdzeniowy – punkt rdzeniowy to taki punkt, którego liczność otoczenia epsilonowego jest nie mniejsza niż ustalona wartość minimalnej liczby punktów MinPts. Punkty rdzeniowy stanowi ziarno, w oparciu o które budowane są grupy.</a:t>
+              <a:rPr lang="pl-PL" dirty="0" smtClean="0"/>
+              <a:t>Sztandarowym algorytmem gęstościowego grupowania danych będącym punktem odniesienia w wielu pracach naukowych dotyczących tematyki grupowania jest DBSCAN. Pojęciami, które należy wprowadzić w kontekście tego algorytmu jest: otoczenie </a:t>
+            </a:r>
+            <a:r>
+              <a:rPr lang="pl-PL" dirty="0" err="1" smtClean="0"/>
+              <a:t>epsilonowe</a:t>
+            </a:r>
+            <a:r>
+              <a:rPr lang="pl-PL" dirty="0" smtClean="0"/>
+              <a:t> – otoczenie </a:t>
+            </a:r>
+            <a:r>
+              <a:rPr lang="pl-PL" dirty="0" err="1" smtClean="0"/>
+              <a:t>epsilonowe</a:t>
+            </a:r>
+            <a:r>
+              <a:rPr lang="pl-PL" dirty="0" smtClean="0"/>
+              <a:t> punktu p definiowane jest jako zbiór punktów nie dalszych od p niż promień otoczenia </a:t>
+            </a:r>
+            <a:r>
+              <a:rPr lang="pl-PL" dirty="0" err="1" smtClean="0"/>
+              <a:t>Eps</a:t>
+            </a:r>
+            <a:r>
+              <a:rPr lang="pl-PL" dirty="0" smtClean="0"/>
+              <a:t>; kolejnym pojęciem jest punkt rdzeniowy – punkt rdzeniowy to taki punkt, którego liczność otoczenia </a:t>
+            </a:r>
+            <a:r>
+              <a:rPr lang="pl-PL" dirty="0" err="1" smtClean="0"/>
+              <a:t>epsilonowego</a:t>
+            </a:r>
+            <a:r>
+              <a:rPr lang="pl-PL" dirty="0" smtClean="0"/>
+              <a:t> jest nie mniejsza niż ustalona wartość minimalnej liczby punktów </a:t>
+            </a:r>
+            <a:r>
+              <a:rPr lang="pl-PL" dirty="0" err="1" smtClean="0"/>
+              <a:t>MinPts</a:t>
+            </a:r>
+            <a:r>
+              <a:rPr lang="pl-PL" dirty="0" smtClean="0"/>
+              <a:t>. Punkty rdzeniowy stanowi ziarno, w oparciu o które budowane są grupy.</a:t>
             </a:r>
           </a:p>
         </p:txBody>
@@ -7997,45 +8026,109 @@
           <a:lstStyle/>
           <a:p>
             <a:r>
-              <a:rPr lang="pl-PL" smtClean="0"/>
-              <a:t>Jak DBSCAN działa w akcji? Zarys działania przedstawię na przykładowym dwuwymiarowym zbiorze danych buźki dla pewnego Eps i MinPts. Na lewym rysunku algorytm rozpoczyna grupowanie od rozpatrzenia pewnego punktu leżącego w lewym konciku ust. Jeżeli punkt ten jest punktem rdzeniowym nie należącym do żadnej z dotychczas utworzonych grup, to tworzona jest nowa grupa, w której skład początkowo wejdzie rozpatrywany punkt rdzeniowy oraz wszystkie punkty należące do jego otoczenia epsilonowego. Następnie badany jest każdy z punktów otoczenia epsilonowego p pod kątem własności punktu rdzeniowego, jeśli któryś z punktów okaże się punktem rdzeniowym, to jego otoczenie dodawane jest do tworzonej grupy oraz do zbioru badanych punktów. W ten sposób budowana jest grupa. Wszystkie punkty, które nie należą do żadnej z grup stanowią szum.</a:t>
+              <a:rPr lang="pl-PL" dirty="0" smtClean="0"/>
+              <a:t>Jak DBSCAN działa w akcji? Zarys działania przedstawię na przykładowym dwuwymiarowym zbiorze danych buźki dla pewnego </a:t>
+            </a:r>
+            <a:r>
+              <a:rPr lang="pl-PL" dirty="0" err="1" smtClean="0"/>
+              <a:t>Eps</a:t>
+            </a:r>
+            <a:r>
+              <a:rPr lang="pl-PL" dirty="0" smtClean="0"/>
+              <a:t> i </a:t>
+            </a:r>
+            <a:r>
+              <a:rPr lang="pl-PL" dirty="0" err="1" smtClean="0"/>
+              <a:t>MinPts</a:t>
+            </a:r>
+            <a:r>
+              <a:rPr lang="pl-PL" dirty="0" smtClean="0"/>
+              <a:t>. Na lewym rysunku algorytm rozpoczyna grupowanie od rozpatrzenia pewnego punktu leżącego w lewym </a:t>
+            </a:r>
+            <a:r>
+              <a:rPr lang="pl-PL" dirty="0" err="1" smtClean="0"/>
+              <a:t>konciku</a:t>
+            </a:r>
+            <a:r>
+              <a:rPr lang="pl-PL" dirty="0" smtClean="0"/>
+              <a:t> ust. Jeżeli punkt ten jest punktem rdzeniowym nie należącym do żadnej z dotychczas utworzonych grup, to tworzona jest nowa grupa, w której skład początkowo wejdzie rozpatrywany punkt rdzeniowy oraz wszystkie punkty należące do jego otoczenia </a:t>
+            </a:r>
+            <a:r>
+              <a:rPr lang="pl-PL" dirty="0" err="1" smtClean="0"/>
+              <a:t>epsilonowego</a:t>
+            </a:r>
+            <a:r>
+              <a:rPr lang="pl-PL" dirty="0" smtClean="0"/>
+              <a:t>. Następnie badany jest każdy z punktów otoczenia </a:t>
+            </a:r>
+            <a:r>
+              <a:rPr lang="pl-PL" dirty="0" err="1" smtClean="0"/>
+              <a:t>epsilonowego</a:t>
+            </a:r>
+            <a:r>
+              <a:rPr lang="pl-PL" dirty="0" smtClean="0"/>
+              <a:t> p pod kątem własności punktu rdzeniowego, jeśli któryś z punktów okaże się punktem rdzeniowym, to jego otoczenie dodawane jest do tworzonej grupy oraz do zbioru badanych punktów. W ten sposób budowana jest grupa. Wszystkie punkty, które nie należą do żadnej z grup stanowią szum.</a:t>
             </a:r>
           </a:p>
           <a:p>
-            <a:endParaRPr lang="pl-PL" smtClean="0"/>
+            <a:endParaRPr lang="pl-PL" dirty="0" smtClean="0"/>
           </a:p>
           <a:p>
             <a:r>
-              <a:rPr lang="pl-PL" smtClean="0"/>
-              <a:t>Najkosztowniejszą operacją algorytmu DBSCAN jest obliczanie odległości, dlatego jego głównym wyzwaniem jest sprawne wyznaczanie sąsiedztwa epsilonowego. W tym celu autorzy algorytmu zaproponowali użycia indeksu R*-drzewa. Niestety rozwiązanie to sprawdza się jedynie dla zbiorów posiadających mniej niż 10 wymiarów. </a:t>
+              <a:rPr lang="pl-PL" dirty="0" smtClean="0"/>
+              <a:t>Najkosztowniejszą operacją algorytmu DBSCAN jest obliczanie odległości, dlatego jego głównym wyzwaniem jest sprawne wyznaczanie sąsiedztwa </a:t>
+            </a:r>
+            <a:r>
+              <a:rPr lang="pl-PL" dirty="0" err="1" smtClean="0"/>
+              <a:t>epsilonowego</a:t>
+            </a:r>
+            <a:r>
+              <a:rPr lang="pl-PL" dirty="0" smtClean="0"/>
+              <a:t>. W tym celu autorzy algorytmu zaproponowali użycia indeksu R*-drzewa. Niestety rozwiązanie to sprawdza się jedynie dla zbiorów posiadających mniej niż 10 wymiarów. </a:t>
             </a:r>
           </a:p>
           <a:p>
-            <a:endParaRPr lang="pl-PL" smtClean="0"/>
+            <a:endParaRPr lang="pl-PL" dirty="0" smtClean="0"/>
           </a:p>
           <a:p>
             <a:r>
-              <a:rPr lang="pl-PL" smtClean="0"/>
+              <a:rPr lang="pl-PL" dirty="0" smtClean="0"/>
               <a:t>Ciekawym algorytmem podobnym do DBSCAN jest NBC oparty na k sąsiedztwie, który inaczej niż DBSCAN wykorzystuje warunek gęstości oparty na gęstości lokalnej, a nie globalnej. Podobnie jak w DBSCAN, w NBC wyznaczanie k sąsiedztwa o dużej liczbie wymiarów stanowi wyzwanie.</a:t>
             </a:r>
           </a:p>
           <a:p>
-            <a:endParaRPr lang="pl-PL" smtClean="0"/>
+            <a:endParaRPr lang="pl-PL" dirty="0" smtClean="0"/>
           </a:p>
           <a:p>
             <a:r>
-              <a:rPr lang="pl-PL" smtClean="0"/>
-              <a:t>Dlatego, w swojej pracy skupiłem się na poprawie wydajności wyznaczania sąsiedztwa epsilonowego oraz k sąsiedztwa, w tym celu badałem zastosowanie nierówności trójkąta oraz wykorzystania indeksu VP-Tree.</a:t>
+              <a:rPr lang="pl-PL" dirty="0" smtClean="0"/>
+              <a:t>Dlatego, w swojej pracy skupiłem się na poprawie wydajności wyznaczania sąsiedztwa </a:t>
+            </a:r>
+            <a:r>
+              <a:rPr lang="pl-PL" dirty="0" err="1" smtClean="0"/>
+              <a:t>epsilonowego</a:t>
+            </a:r>
+            <a:r>
+              <a:rPr lang="pl-PL" dirty="0" smtClean="0"/>
+              <a:t> oraz k sąsiedztwa, w tym celu badałem zastosowanie nierówności trójkąta oraz wykorzystania indeksu VP-</a:t>
+            </a:r>
+            <a:r>
+              <a:rPr lang="pl-PL" dirty="0" err="1" smtClean="0"/>
+              <a:t>Tree</a:t>
+            </a:r>
+            <a:r>
+              <a:rPr lang="pl-PL" dirty="0" smtClean="0"/>
+              <a:t>.</a:t>
             </a:r>
           </a:p>
           <a:p>
-            <a:endParaRPr lang="pl-PL" smtClean="0"/>
+            <a:endParaRPr lang="pl-PL" dirty="0" smtClean="0"/>
           </a:p>
           <a:p>
-            <a:endParaRPr lang="pl-PL" smtClean="0"/>
+            <a:endParaRPr lang="pl-PL" dirty="0" smtClean="0"/>
           </a:p>
           <a:p>
-            <a:endParaRPr lang="pl-PL" smtClean="0"/>
+            <a:endParaRPr lang="pl-PL" dirty="0" smtClean="0"/>
           </a:p>
         </p:txBody>
       </p:sp>
@@ -8165,12 +8258,12 @@
           <a:lstStyle/>
           <a:p>
             <a:r>
-              <a:rPr lang="pl-PL" smtClean="0"/>
+              <a:rPr lang="pl-PL" dirty="0" smtClean="0"/>
               <a:t>Jak wykorzystać nierówność trójkąta do oszacowania odległości? Na początek przypomnę nierówność trójkąta. Dla dowolnych punktów p, q i r nierówność trójkąta przedstawia się następująco. Przenosząc składniki dotyczące tego samego punktu na jedną ze stron nierówności uzyskujemy nierówność, której prawą stronę nazwiemy pesymistycznym oszacowaniem. Jeżeli szukane są punkty q nie dalsze od danego punktu p niż 𝐸𝑝𝑠, to gdy pesymistyczne oszacowanie jest większe niż 𝐸𝑝𝑠, wtedy odległość punktu q od p jest również większa niż 𝐸𝑝𝑠. W takim przypadku nie jest konieczne obliczanie odległości między punktami p i q, aby upewnić się, że jest większa od 𝐸𝑝𝑠.</a:t>
             </a:r>
           </a:p>
           <a:p>
-            <a:endParaRPr lang="pl-PL" smtClean="0"/>
+            <a:endParaRPr lang="pl-PL" dirty="0" smtClean="0"/>
           </a:p>
         </p:txBody>
       </p:sp>
@@ -8300,14 +8393,62 @@
           <a:lstStyle/>
           <a:p>
             <a:r>
-              <a:rPr lang="pl-PL" smtClean="0"/>
+              <a:rPr lang="pl-PL" dirty="0" smtClean="0"/>
               <a:t>Jak zastosować pesymistyczne oszacowanie w praktyce?</a:t>
             </a:r>
           </a:p>
           <a:p>
             <a:r>
-              <a:rPr lang="pl-PL" smtClean="0"/>
-              <a:t>Rozpatrzmy przykładowy zbiór D przestrzeni dwuwymiarowej przedstawiony na wykresie; promień sąsiedztwa epsilonowego równy 0,2 oraz punkt referencyjny R leżący w początku układu współrzędnych. W tabeli znajdują się punkty zbioru D posortowane względem odległości do punktu referencyjnego r. Załóżmy, że szukamy punktów należących do otoczenia epsilonowego punktu F bliższych punktowi referencyjnemu niż F. Punkty należące do tego otoczenia epsilonowego to wszystkie te, które znajdują się między F a pierwszym punktem , którego różnica między jego odległości do punktu referencyjnego r a odległością do punktu  F do punktu referencyjnego r jest większa od promienia sąsiedztwa epsilonowego Eps. Takim punktem jest punkt G, dla tego punktu różnica wynosi 0,8. Tym sposobem zamiast wykonania  4-rech porównań wykonano dwa. Analogiczną procedurę należy wykonać dla punktów poniżej F w tabeli aby wyznaczyć sąsiedztwo epsilonowe F.</a:t>
+              <a:rPr lang="pl-PL" dirty="0" smtClean="0"/>
+              <a:t>Rozpatrzmy przykładowy zbiór D przestrzeni dwuwymiarowej przedstawiony na wykresie; promień sąsiedztwa </a:t>
+            </a:r>
+            <a:r>
+              <a:rPr lang="pl-PL" dirty="0" err="1" smtClean="0"/>
+              <a:t>epsilonowego</a:t>
+            </a:r>
+            <a:r>
+              <a:rPr lang="pl-PL" dirty="0" smtClean="0"/>
+              <a:t> równy 0,2 oraz punkt referencyjny R leżący w początku układu współrzędnych. W tabeli znajdują się punkty zbioru D posortowane względem odległości do punktu referencyjnego r. Załóżmy, że szukamy punktów należących do otoczenia </a:t>
+            </a:r>
+            <a:r>
+              <a:rPr lang="pl-PL" dirty="0" err="1" smtClean="0"/>
+              <a:t>epsilonowego</a:t>
+            </a:r>
+            <a:r>
+              <a:rPr lang="pl-PL" dirty="0" smtClean="0"/>
+              <a:t> punktu F bliższych punktowi referencyjnemu niż F. Punkty należące do tego otoczenia </a:t>
+            </a:r>
+            <a:r>
+              <a:rPr lang="pl-PL" dirty="0" err="1" smtClean="0"/>
+              <a:t>epsilonowego</a:t>
+            </a:r>
+            <a:r>
+              <a:rPr lang="pl-PL" dirty="0" smtClean="0"/>
+              <a:t> to wszystkie te, które znajdują się między F a pierwszym punktem , którego różnica między jego odległości do punktu referencyjnego r a odległością do punktu  F do punktu referencyjnego r jest większa od promienia sąsiedztwa </a:t>
+            </a:r>
+            <a:r>
+              <a:rPr lang="pl-PL" dirty="0" err="1" smtClean="0"/>
+              <a:t>epsilonowego</a:t>
+            </a:r>
+            <a:r>
+              <a:rPr lang="pl-PL" dirty="0" smtClean="0"/>
+              <a:t> </a:t>
+            </a:r>
+            <a:r>
+              <a:rPr lang="pl-PL" dirty="0" err="1" smtClean="0"/>
+              <a:t>Eps</a:t>
+            </a:r>
+            <a:r>
+              <a:rPr lang="pl-PL" dirty="0" smtClean="0"/>
+              <a:t>. Takim punktem jest punkt G, dla tego punktu różnica wynosi 0,8. Tym sposobem zamiast wykonania  4-rech porównań wykonano dwa. Analogiczną procedurę należy wykonać dla punktów poniżej F w tabeli aby wyznaczyć sąsiedztwo </a:t>
+            </a:r>
+            <a:r>
+              <a:rPr lang="pl-PL" dirty="0" err="1" smtClean="0"/>
+              <a:t>epsilonowe</a:t>
+            </a:r>
+            <a:r>
+              <a:rPr lang="pl-PL" dirty="0" smtClean="0"/>
+              <a:t> F.</a:t>
             </a:r>
           </a:p>
         </p:txBody>
@@ -8438,12 +8579,20 @@
           <a:lstStyle/>
           <a:p>
             <a:r>
-              <a:rPr lang="pl-PL" smtClean="0"/>
-              <a:t>Alternatywnym sposobem usprawnienia algorytmów gęstościowego grupowania jest zastosowanie rzutowania na wymiar. Jeśli weźmiemy pod uwagę, że dla każdego wymiaru (…) i punktów p i q odległość między tymi punktami po rzutowaniu na wymiar l jest nie większa niż odległość euklidesowa między nimi to dla rzutowania nierówność trójkąta możemy wykorzystać w analogiczny sposób jak dla odległości kosinusowej. Dlatego w swojej pracy badałem również wykorzystanie rzutowania w celu usprawnienia wyszukiwania k sąsiedztwa i sąsiedztwa epsilonowego.</a:t>
+              <a:rPr lang="pl-PL" dirty="0" smtClean="0"/>
+              <a:t>Alternatywnym sposobem usprawnienia algorytmów gęstościowego grupowania jest zastosowanie rzutowania na wymiar. Jeśli weźmiemy pod uwagę, że dla każdego wymiaru (…) i punktów p i q odległość między tymi punktami po rzutowaniu na wymiar l jest nie większa niż odległość euklidesowa między nimi to dla rzutowania nierówność trójkąta możemy wykorzystać w analogiczny sposób jak dla odległości euklidesowej. Dlatego w swojej pracy badałem również wykorzystanie rzutowania w celu usprawnienia wyszukiwania k sąsiedztwa i sąsiedztwa </a:t>
+            </a:r>
+            <a:r>
+              <a:rPr lang="pl-PL" dirty="0" err="1" smtClean="0"/>
+              <a:t>epsilonowego</a:t>
+            </a:r>
+            <a:r>
+              <a:rPr lang="pl-PL" dirty="0" smtClean="0"/>
+              <a:t>.</a:t>
             </a:r>
           </a:p>
           <a:p>
-            <a:endParaRPr lang="pl-PL" smtClean="0"/>
+            <a:endParaRPr lang="pl-PL" dirty="0" smtClean="0"/>
           </a:p>
         </p:txBody>
       </p:sp>
@@ -8573,9 +8722,154 @@
           <a:lstStyle/>
           <a:p>
             <a:r>
-              <a:rPr lang="pl-PL" smtClean="0"/>
-              <a:t>Kolejną metodą badaną prze ze mnie w pracy w celu usprawnienia wyszukiwania sąsiedztwa epsilonowego i k sąsiedztwa jest zastosowanie indeksu metrycznego VP-Tree. …</a:t>
-            </a:r>
+              <a:rPr lang="pl-PL" dirty="0" smtClean="0"/>
+              <a:t>Kolejną metodą badaną prze ze mnie w pracy w celu usprawnienia wyszukiwania sąsiedztwa </a:t>
+            </a:r>
+            <a:r>
+              <a:rPr lang="pl-PL" dirty="0" err="1" smtClean="0"/>
+              <a:t>epsilonowego</a:t>
+            </a:r>
+            <a:r>
+              <a:rPr lang="pl-PL" dirty="0" smtClean="0"/>
+              <a:t> i k sąsiedztwa jest zastosowanie indeksu metrycznego VP-</a:t>
+            </a:r>
+            <a:r>
+              <a:rPr lang="pl-PL" dirty="0" err="1" smtClean="0"/>
+              <a:t>Tree</a:t>
+            </a:r>
+            <a:r>
+              <a:rPr lang="pl-PL" dirty="0" smtClean="0"/>
+              <a:t>.  Indeks ten oryginalnie został zaproponowany jako narzędzie</a:t>
+            </a:r>
+            <a:r>
+              <a:rPr lang="pl-PL" baseline="0" dirty="0" smtClean="0"/>
+              <a:t> wykorzystujące nierówność trójkąta służące do wyznaczania najbliższego sąsiedztwa pewnego punktu p w zbiorze D pod warunkiem, że promień tego sąsiedztwa nie przekracza pewnej ustalonej wartości progowej.  </a:t>
+            </a:r>
+            <a:r>
+              <a:rPr lang="pl-PL" baseline="0" dirty="0" err="1" smtClean="0"/>
+              <a:t>Vp-Tree</a:t>
+            </a:r>
+            <a:r>
+              <a:rPr lang="pl-PL" baseline="0" dirty="0" smtClean="0"/>
+              <a:t> jest drzewem binarnym, każdy jego węzeł przechowuje punkt VP zbioru D, medianę odległości od punktu v wszystkich punktów poddrzewa S(v), dla którego v jest korzeniem; wskazanie na lewego potomka będącego korzeniem poddrzewa </a:t>
+            </a:r>
+            <a:r>
+              <a:rPr lang="pl-PL" baseline="0" dirty="0" err="1" smtClean="0"/>
+              <a:t>skłądającego</a:t>
+            </a:r>
+            <a:r>
+              <a:rPr lang="pl-PL" baseline="0" dirty="0" smtClean="0"/>
+              <a:t> się z punktów S(v), których odległość do v jest mniejsza niż mediana; wskazanie na </a:t>
+            </a:r>
+            <a:r>
+              <a:rPr lang="pl-PL" baseline="0" dirty="0" err="1" smtClean="0"/>
+              <a:t>prawegopotomka</a:t>
+            </a:r>
+            <a:r>
+              <a:rPr lang="pl-PL" baseline="0" dirty="0" smtClean="0"/>
+              <a:t> będącego korzeniem poddrzewa </a:t>
+            </a:r>
+            <a:r>
+              <a:rPr lang="pl-PL" baseline="0" dirty="0" err="1" smtClean="0"/>
+              <a:t>skłądającego</a:t>
+            </a:r>
+            <a:r>
+              <a:rPr lang="pl-PL" baseline="0" dirty="0" smtClean="0"/>
+              <a:t> się z punktów S(v), których odległość do v jest nie mniejsza niż mediana.</a:t>
+            </a:r>
+          </a:p>
+          <a:p>
+            <a:r>
+              <a:rPr lang="pl-PL" baseline="0" dirty="0" smtClean="0"/>
+              <a:t>A jak wyszukiwane jest sąsiedztwo w VP-</a:t>
+            </a:r>
+            <a:r>
+              <a:rPr lang="pl-PL" baseline="0" dirty="0" err="1" smtClean="0"/>
+              <a:t>Tree</a:t>
+            </a:r>
+            <a:r>
+              <a:rPr lang="pl-PL" baseline="0" dirty="0" smtClean="0"/>
+              <a:t>? Rozpatrzmy wyszukiwanie sąsiedztwa punktu u o </a:t>
+            </a:r>
+            <a:r>
+              <a:rPr lang="pl-PL" baseline="0" dirty="0" err="1" smtClean="0"/>
+              <a:t>pormieniu</a:t>
+            </a:r>
+            <a:r>
+              <a:rPr lang="pl-PL" baseline="0" dirty="0" smtClean="0"/>
+              <a:t> </a:t>
+            </a:r>
+            <a:r>
+              <a:rPr lang="pl-PL" baseline="0" dirty="0" err="1" smtClean="0"/>
+              <a:t>epsilonw</a:t>
+            </a:r>
+            <a:r>
+              <a:rPr lang="pl-PL" baseline="0" dirty="0" smtClean="0"/>
+              <a:t> węźle v VP-</a:t>
+            </a:r>
+            <a:r>
+              <a:rPr lang="pl-PL" baseline="0" dirty="0" err="1" smtClean="0"/>
+              <a:t>Tree</a:t>
+            </a:r>
+            <a:r>
+              <a:rPr lang="pl-PL" baseline="0" dirty="0" smtClean="0"/>
+              <a:t>. W pierwszej kolejności liczona jest odległość między u i v. Niech mi będzie wartością mediany przechowywaną w węźle v. Wartość mediany jest niezbędna do zdecydowania a priori czy któreś z poddrzew SR(v) SL(v) nie posiada poszukiwanego sąsiada u. Decyzja ta oparta jest na wzajemnie wykluczających się warunkach W1 i W2. Procedura ta jest rekursywnie powtarzana od korzenia aż do </a:t>
+            </a:r>
+            <a:r>
+              <a:rPr lang="pl-PL" baseline="0" dirty="0" err="1" smtClean="0"/>
+              <a:t>podrzew</a:t>
+            </a:r>
+            <a:r>
+              <a:rPr lang="pl-PL" baseline="0" dirty="0" smtClean="0"/>
+              <a:t>, które nie zostały wyeliminowane przez warunki W1 i W2.</a:t>
+            </a:r>
+          </a:p>
+          <a:p>
+            <a:r>
+              <a:rPr lang="pl-PL" baseline="0" dirty="0" smtClean="0"/>
+              <a:t>W swojej pracy badałem również ulepszenie metody wyszukiwania sąsiedztwa w drzewie VP-</a:t>
+            </a:r>
+            <a:r>
+              <a:rPr lang="pl-PL" baseline="0" dirty="0" err="1" smtClean="0"/>
+              <a:t>Tree</a:t>
+            </a:r>
+            <a:r>
+              <a:rPr lang="pl-PL" baseline="0" dirty="0" smtClean="0"/>
+              <a:t> oparte o wartości ograniczeń </a:t>
+            </a:r>
+            <a:r>
+              <a:rPr lang="pl-PL" baseline="0" dirty="0" err="1" smtClean="0"/>
+              <a:t>left_boundary</a:t>
+            </a:r>
+            <a:r>
+              <a:rPr lang="pl-PL" baseline="0" dirty="0" smtClean="0"/>
+              <a:t> tj. maksymalną odległość punktu z LS do v i </a:t>
+            </a:r>
+            <a:r>
+              <a:rPr lang="pl-PL" baseline="0" dirty="0" err="1" smtClean="0"/>
+              <a:t>right</a:t>
+            </a:r>
+            <a:r>
+              <a:rPr lang="pl-PL" baseline="0" dirty="0" smtClean="0"/>
+              <a:t> </a:t>
+            </a:r>
+            <a:r>
+              <a:rPr lang="pl-PL" baseline="0" dirty="0" err="1" smtClean="0"/>
+              <a:t>boundary</a:t>
+            </a:r>
+            <a:r>
+              <a:rPr lang="pl-PL" baseline="0" dirty="0" smtClean="0"/>
+              <a:t> tj. </a:t>
+            </a:r>
+            <a:r>
+              <a:rPr lang="pl-PL" baseline="0" dirty="0" err="1" smtClean="0"/>
+              <a:t>minimalnan</a:t>
+            </a:r>
+            <a:r>
+              <a:rPr lang="pl-PL" baseline="0" dirty="0" smtClean="0"/>
+              <a:t> odległość do v z RS.</a:t>
+            </a:r>
+            <a:endParaRPr lang="pl-PL" dirty="0" smtClean="0"/>
           </a:p>
         </p:txBody>
       </p:sp>
@@ -8913,7 +9207,7 @@
               <a:pPr>
                 <a:defRPr/>
               </a:pPr>
-              <a:t>2013-06-23</a:t>
+              <a:t>2013-06-25</a:t>
             </a:fld>
             <a:endParaRPr lang="pl-PL"/>
           </a:p>
@@ -9110,7 +9404,7 @@
               <a:pPr>
                 <a:defRPr/>
               </a:pPr>
-              <a:t>2013-06-23</a:t>
+              <a:t>2013-06-25</a:t>
             </a:fld>
             <a:endParaRPr lang="pl-PL"/>
           </a:p>
@@ -9317,7 +9611,7 @@
               <a:pPr>
                 <a:defRPr/>
               </a:pPr>
-              <a:t>2013-06-23</a:t>
+              <a:t>2013-06-25</a:t>
             </a:fld>
             <a:endParaRPr lang="pl-PL"/>
           </a:p>
@@ -9514,7 +9808,7 @@
               <a:pPr>
                 <a:defRPr/>
               </a:pPr>
-              <a:t>2013-06-23</a:t>
+              <a:t>2013-06-25</a:t>
             </a:fld>
             <a:endParaRPr lang="pl-PL"/>
           </a:p>
@@ -9787,7 +10081,7 @@
               <a:pPr>
                 <a:defRPr/>
               </a:pPr>
-              <a:t>2013-06-23</a:t>
+              <a:t>2013-06-25</a:t>
             </a:fld>
             <a:endParaRPr lang="pl-PL"/>
           </a:p>
@@ -10102,7 +10396,7 @@
               <a:pPr>
                 <a:defRPr/>
               </a:pPr>
-              <a:t>2013-06-23</a:t>
+              <a:t>2013-06-25</a:t>
             </a:fld>
             <a:endParaRPr lang="pl-PL"/>
           </a:p>
@@ -10551,7 +10845,7 @@
               <a:pPr>
                 <a:defRPr/>
               </a:pPr>
-              <a:t>2013-06-23</a:t>
+              <a:t>2013-06-25</a:t>
             </a:fld>
             <a:endParaRPr lang="pl-PL"/>
           </a:p>
@@ -10696,7 +10990,7 @@
               <a:pPr>
                 <a:defRPr/>
               </a:pPr>
-              <a:t>2013-06-23</a:t>
+              <a:t>2013-06-25</a:t>
             </a:fld>
             <a:endParaRPr lang="pl-PL"/>
           </a:p>
@@ -10818,7 +11112,7 @@
               <a:pPr>
                 <a:defRPr/>
               </a:pPr>
-              <a:t>2013-06-23</a:t>
+              <a:t>2013-06-25</a:t>
             </a:fld>
             <a:endParaRPr lang="pl-PL"/>
           </a:p>
@@ -11122,7 +11416,7 @@
               <a:pPr>
                 <a:defRPr/>
               </a:pPr>
-              <a:t>2013-06-23</a:t>
+              <a:t>2013-06-25</a:t>
             </a:fld>
             <a:endParaRPr lang="pl-PL"/>
           </a:p>
@@ -11405,7 +11699,7 @@
               <a:pPr>
                 <a:defRPr/>
               </a:pPr>
-              <a:t>2013-06-23</a:t>
+              <a:t>2013-06-25</a:t>
             </a:fld>
             <a:endParaRPr lang="pl-PL"/>
           </a:p>
@@ -11698,7 +11992,7 @@
               <a:pPr>
                 <a:defRPr/>
               </a:pPr>
-              <a:t>2013-06-23</a:t>
+              <a:t>2013-06-25</a:t>
             </a:fld>
             <a:endParaRPr lang="pl-PL"/>
           </a:p>
@@ -12286,8 +12580,8 @@
         </p:nvSpPr>
         <p:spPr bwMode="auto">
           <a:xfrm>
-            <a:off x="755650" y="1196975"/>
-            <a:ext cx="7632700" cy="1584325"/>
+            <a:off x="323528" y="1196975"/>
+            <a:ext cx="8496944" cy="1584325"/>
           </a:xfrm>
           <a:prstGeom prst="rect">
             <a:avLst/>
@@ -12434,7 +12728,7 @@
               <a:buNone/>
             </a:pPr>
             <a:r>
-              <a:rPr lang="pl-PL" sz="2800"/>
+              <a:rPr lang="pl-PL" sz="2800" dirty="0"/>
               <a:t>Gęstościowe grupowanie danych i wyznaczanie najbliższego sąsiedztwa z użyciem nierówności trójkąta</a:t>
             </a:r>
           </a:p>
@@ -13669,8 +13963,8 @@
           </a:p>
         </p:txBody>
       </p:sp>
-      <mc:AlternateContent xmlns:mc="http://schemas.openxmlformats.org/markup-compatibility/2006">
-        <mc:Choice xmlns:a14="http://schemas.microsoft.com/office/drawing/2010/main" Requires="a14">
+      <mc:AlternateContent xmlns:mc="http://schemas.openxmlformats.org/markup-compatibility/2006" xmlns:a14="http://schemas.microsoft.com/office/drawing/2010/main">
+        <mc:Choice Requires="a14">
           <p:sp>
             <p:nvSpPr>
               <p:cNvPr id="8" name="Symbol zastępczy zawartości 2"/>
@@ -13705,39 +13999,53 @@
                 <a14:m>
                   <m:oMath xmlns:m="http://schemas.openxmlformats.org/officeDocument/2006/math">
                     <m:r>
-                      <a:rPr lang="pl-PL" sz="2800" i="1"/>
+                      <a:rPr lang="pl-PL" sz="2800" i="1">
+                        <a:latin typeface="Cambria Math"/>
+                      </a:rPr>
                       <m:t>𝐸𝑢𝑐𝑙𝑖𝑑𝑒𝑎𝑛</m:t>
                     </m:r>
                     <m:d>
                       <m:dPr>
                         <m:ctrlPr>
-                          <a:rPr lang="pl-PL" sz="2800" i="1"/>
+                          <a:rPr lang="pl-PL" sz="2800" i="1">
+                            <a:latin typeface="Cambria Math"/>
+                          </a:rPr>
                         </m:ctrlPr>
                       </m:dPr>
                       <m:e>
                         <m:r>
-                          <a:rPr lang="pl-PL" sz="2800" i="1"/>
+                          <a:rPr lang="pl-PL" sz="2800" i="1">
+                            <a:latin typeface="Cambria Math"/>
+                          </a:rPr>
                           <m:t>𝑝</m:t>
                         </m:r>
                         <m:r>
-                          <a:rPr lang="pl-PL" sz="2800" i="1"/>
+                          <a:rPr lang="pl-PL" sz="2800" i="1">
+                            <a:latin typeface="Cambria Math"/>
+                          </a:rPr>
                           <m:t>,</m:t>
                         </m:r>
                         <m:r>
-                          <a:rPr lang="pl-PL" sz="2800" i="1"/>
+                          <a:rPr lang="pl-PL" sz="2800" i="1">
+                            <a:latin typeface="Cambria Math"/>
+                          </a:rPr>
                           <m:t>𝑞</m:t>
                         </m:r>
                       </m:e>
                     </m:d>
                     <m:r>
-                      <a:rPr lang="pl-PL" sz="2800" i="1"/>
+                      <a:rPr lang="pl-PL" sz="2800" i="1">
+                        <a:latin typeface="Cambria Math"/>
+                      </a:rPr>
                       <m:t>=</m:t>
                     </m:r>
                     <m:rad>
                       <m:radPr>
                         <m:degHide m:val="on"/>
                         <m:ctrlPr>
-                          <a:rPr lang="pl-PL" sz="2800" i="1"/>
+                          <a:rPr lang="pl-PL" sz="2800" i="1">
+                            <a:latin typeface="Cambria Math"/>
+                          </a:rPr>
                         </m:ctrlPr>
                       </m:radPr>
                       <m:deg/>
@@ -13747,22 +14055,30 @@
                             <m:chr m:val="∑"/>
                             <m:limLoc m:val="undOvr"/>
                             <m:ctrlPr>
-                              <a:rPr lang="pl-PL" sz="2800" i="1"/>
+                              <a:rPr lang="pl-PL" sz="2800" i="1">
+                                <a:latin typeface="Cambria Math"/>
+                              </a:rPr>
                             </m:ctrlPr>
                           </m:naryPr>
                           <m:sub>
                             <m:r>
-                              <a:rPr lang="pl-PL" sz="2800" i="1"/>
+                              <a:rPr lang="pl-PL" sz="2800" i="1">
+                                <a:latin typeface="Cambria Math"/>
+                              </a:rPr>
                               <m:t>𝑖</m:t>
                             </m:r>
                             <m:r>
-                              <a:rPr lang="pl-PL" sz="2800" i="1"/>
+                              <a:rPr lang="pl-PL" sz="2800" i="1">
+                                <a:latin typeface="Cambria Math"/>
+                              </a:rPr>
                               <m:t>=1</m:t>
                             </m:r>
                           </m:sub>
                           <m:sup>
                             <m:r>
-                              <a:rPr lang="pl-PL" sz="2800" i="1"/>
+                              <a:rPr lang="pl-PL" sz="2800" i="1">
+                                <a:latin typeface="Cambria Math"/>
+                              </a:rPr>
                               <m:t>𝑛</m:t>
                             </m:r>
                           </m:sup>
@@ -13770,55 +14086,73 @@
                             <m:sSup>
                               <m:sSupPr>
                                 <m:ctrlPr>
-                                  <a:rPr lang="pl-PL" sz="2800" i="1"/>
+                                  <a:rPr lang="pl-PL" sz="2800" i="1">
+                                    <a:latin typeface="Cambria Math"/>
+                                  </a:rPr>
                                 </m:ctrlPr>
                               </m:sSupPr>
                               <m:e>
                                 <m:d>
                                   <m:dPr>
                                     <m:ctrlPr>
-                                      <a:rPr lang="pl-PL" sz="2800" i="1"/>
+                                      <a:rPr lang="pl-PL" sz="2800" i="1">
+                                        <a:latin typeface="Cambria Math"/>
+                                      </a:rPr>
                                     </m:ctrlPr>
                                   </m:dPr>
                                   <m:e>
                                     <m:sSub>
                                       <m:sSubPr>
                                         <m:ctrlPr>
-                                          <a:rPr lang="pl-PL" sz="2800" i="1"/>
+                                          <a:rPr lang="pl-PL" sz="2800" i="1">
+                                            <a:latin typeface="Cambria Math"/>
+                                          </a:rPr>
                                         </m:ctrlPr>
                                       </m:sSubPr>
                                       <m:e>
                                         <m:r>
-                                          <a:rPr lang="pl-PL" sz="2800" i="1"/>
+                                          <a:rPr lang="pl-PL" sz="2800" i="1">
+                                            <a:latin typeface="Cambria Math"/>
+                                          </a:rPr>
                                           <m:t>𝑝</m:t>
                                         </m:r>
                                       </m:e>
                                       <m:sub>
                                         <m:r>
-                                          <a:rPr lang="pl-PL" sz="2800" i="1"/>
+                                          <a:rPr lang="pl-PL" sz="2800" i="1">
+                                            <a:latin typeface="Cambria Math"/>
+                                          </a:rPr>
                                           <m:t>𝑖</m:t>
                                         </m:r>
                                       </m:sub>
                                     </m:sSub>
                                     <m:r>
-                                      <a:rPr lang="pl-PL" sz="2800" i="1"/>
+                                      <a:rPr lang="pl-PL" sz="2800" i="1">
+                                        <a:latin typeface="Cambria Math"/>
+                                      </a:rPr>
                                       <m:t>−</m:t>
                                     </m:r>
                                     <m:sSub>
                                       <m:sSubPr>
                                         <m:ctrlPr>
-                                          <a:rPr lang="pl-PL" sz="2800" i="1"/>
+                                          <a:rPr lang="pl-PL" sz="2800" i="1">
+                                            <a:latin typeface="Cambria Math"/>
+                                          </a:rPr>
                                         </m:ctrlPr>
                                       </m:sSubPr>
                                       <m:e>
                                         <m:r>
-                                          <a:rPr lang="pl-PL" sz="2800" i="1"/>
+                                          <a:rPr lang="pl-PL" sz="2800" i="1">
+                                            <a:latin typeface="Cambria Math"/>
+                                          </a:rPr>
                                           <m:t>𝑞</m:t>
                                         </m:r>
                                       </m:e>
                                       <m:sub>
                                         <m:r>
-                                          <a:rPr lang="pl-PL" sz="2800" i="1"/>
+                                          <a:rPr lang="pl-PL" sz="2800" i="1">
+                                            <a:latin typeface="Cambria Math"/>
+                                          </a:rPr>
                                           <m:t>𝑖</m:t>
                                         </m:r>
                                       </m:sub>
@@ -13828,7 +14162,9 @@
                               </m:e>
                               <m:sup>
                                 <m:r>
-                                  <a:rPr lang="pl-PL" sz="2800" i="1"/>
+                                  <a:rPr lang="pl-PL" sz="2800" i="1">
+                                    <a:latin typeface="Cambria Math"/>
+                                  </a:rPr>
                                   <m:t>2</m:t>
                                 </m:r>
                               </m:sup>
@@ -13856,13 +14192,17 @@
                 <a14:m>
                   <m:oMath xmlns:m="http://schemas.openxmlformats.org/officeDocument/2006/math">
                     <m:r>
-                      <a:rPr lang="pl-PL" sz="2800" i="1"/>
+                      <a:rPr lang="pl-PL" sz="2800" i="1">
+                        <a:latin typeface="Cambria Math"/>
+                      </a:rPr>
                       <m:t>𝑐𝑜𝑠𝑆𝑖𝑚</m:t>
                     </m:r>
                     <m:d>
                       <m:dPr>
                         <m:ctrlPr>
-                          <a:rPr lang="pl-PL" sz="2800" i="1"/>
+                          <a:rPr lang="pl-PL" sz="2800" i="1">
+                            <a:latin typeface="Cambria Math"/>
+                          </a:rPr>
                         </m:ctrlPr>
                       </m:dPr>
                       <m:e>
@@ -13873,7 +14213,9 @@
                           <m:t>𝑝</m:t>
                         </m:r>
                         <m:r>
-                          <a:rPr lang="pl-PL" sz="2800" i="1"/>
+                          <a:rPr lang="pl-PL" sz="2800" i="1">
+                            <a:latin typeface="Cambria Math"/>
+                          </a:rPr>
                           <m:t>,</m:t>
                         </m:r>
                         <m:r>
@@ -13885,13 +14227,17 @@
                       </m:e>
                     </m:d>
                     <m:r>
-                      <a:rPr lang="pl-PL" sz="2800" i="1"/>
+                      <a:rPr lang="pl-PL" sz="2800" i="1">
+                        <a:latin typeface="Cambria Math"/>
+                      </a:rPr>
                       <m:t>=</m:t>
                     </m:r>
                     <m:f>
                       <m:fPr>
                         <m:ctrlPr>
-                          <a:rPr lang="pl-PL" sz="2800" i="1"/>
+                          <a:rPr lang="pl-PL" sz="2800" i="1">
+                            <a:latin typeface="Cambria Math"/>
+                          </a:rPr>
                         </m:ctrlPr>
                       </m:fPr>
                       <m:num>
@@ -13902,7 +14248,9 @@
                           <m:t>𝑝</m:t>
                         </m:r>
                         <m:r>
-                          <a:rPr lang="pl-PL" sz="2800" i="1"/>
+                          <a:rPr lang="pl-PL" sz="2800" i="1">
+                            <a:latin typeface="Cambria Math"/>
+                          </a:rPr>
                           <m:t>∙</m:t>
                         </m:r>
                         <m:r>
@@ -13918,7 +14266,9 @@
                             <m:begChr m:val="|"/>
                             <m:endChr m:val="|"/>
                             <m:ctrlPr>
-                              <a:rPr lang="pl-PL" sz="2800" i="1"/>
+                              <a:rPr lang="pl-PL" sz="2800" i="1">
+                                <a:latin typeface="Cambria Math"/>
+                              </a:rPr>
                             </m:ctrlPr>
                           </m:dPr>
                           <m:e>
@@ -13931,7 +14281,9 @@
                           </m:e>
                         </m:d>
                         <m:r>
-                          <a:rPr lang="pl-PL" sz="2800" i="1"/>
+                          <a:rPr lang="pl-PL" sz="2800" i="1">
+                            <a:latin typeface="Cambria Math"/>
+                          </a:rPr>
                           <m:t>∙</m:t>
                         </m:r>
                         <m:d>
@@ -13939,7 +14291,9 @@
                             <m:begChr m:val="|"/>
                             <m:endChr m:val="|"/>
                             <m:ctrlPr>
-                              <a:rPr lang="pl-PL" sz="2800" i="1"/>
+                              <a:rPr lang="pl-PL" sz="2800" i="1">
+                                <a:latin typeface="Cambria Math"/>
+                              </a:rPr>
                             </m:ctrlPr>
                           </m:dPr>
                           <m:e>
@@ -13967,7 +14321,7 @@
             </p:txBody>
           </p:sp>
         </mc:Choice>
-        <mc:Fallback>
+        <mc:Fallback xmlns="">
           <p:sp>
             <p:nvSpPr>
               <p:cNvPr id="8" name="Symbol zastępczy zawartości 2"/>
@@ -14637,8 +14991,8 @@
           </a:p>
         </p:txBody>
       </p:sp>
-      <mc:AlternateContent xmlns:mc="http://schemas.openxmlformats.org/markup-compatibility/2006">
-        <mc:Choice xmlns:a14="http://schemas.microsoft.com/office/drawing/2010/main" Requires="a14">
+      <mc:AlternateContent xmlns:mc="http://schemas.openxmlformats.org/markup-compatibility/2006" xmlns:a14="http://schemas.microsoft.com/office/drawing/2010/main">
+        <mc:Choice Requires="a14">
           <p:sp>
             <p:nvSpPr>
               <p:cNvPr id="10" name="Symbol zastępczy zawartości 2"/>
@@ -15132,7 +15486,7 @@
             </p:txBody>
           </p:sp>
         </mc:Choice>
-        <mc:Fallback>
+        <mc:Fallback xmlns="">
           <p:sp>
             <p:nvSpPr>
               <p:cNvPr id="10" name="Symbol zastępczy zawartości 2"/>
@@ -15296,8 +15650,8 @@
           </a:fontRef>
         </p:style>
       </p:cxnSp>
-      <mc:AlternateContent xmlns:mc="http://schemas.openxmlformats.org/markup-compatibility/2006">
-        <mc:Choice xmlns:a14="http://schemas.microsoft.com/office/drawing/2010/main" Requires="a14">
+      <mc:AlternateContent xmlns:mc="http://schemas.openxmlformats.org/markup-compatibility/2006" xmlns:a14="http://schemas.microsoft.com/office/drawing/2010/main">
+        <mc:Choice Requires="a14">
           <p:sp>
             <p:nvSpPr>
               <p:cNvPr id="22" name="pole tekstowe 21"/>
@@ -15320,6 +15674,7 @@
               </a:bodyPr>
               <a:lstStyle/>
               <a:p>
+                <a:pPr/>
                 <a14:m>
                   <m:oMathPara xmlns:m="http://schemas.openxmlformats.org/officeDocument/2006/math">
                     <m:oMathParaPr>
@@ -15348,7 +15703,7 @@
             </p:txBody>
           </p:sp>
         </mc:Choice>
-        <mc:Fallback>
+        <mc:Fallback xmlns="">
           <p:sp>
             <p:nvSpPr>
               <p:cNvPr id="22" name="pole tekstowe 21"/>
@@ -15387,8 +15742,8 @@
           </p:sp>
         </mc:Fallback>
       </mc:AlternateContent>
-      <mc:AlternateContent xmlns:mc="http://schemas.openxmlformats.org/markup-compatibility/2006">
-        <mc:Choice xmlns:a14="http://schemas.microsoft.com/office/drawing/2010/main" Requires="a14">
+      <mc:AlternateContent xmlns:mc="http://schemas.openxmlformats.org/markup-compatibility/2006" xmlns:a14="http://schemas.microsoft.com/office/drawing/2010/main">
+        <mc:Choice Requires="a14">
           <p:sp>
             <p:nvSpPr>
               <p:cNvPr id="23" name="pole tekstowe 22"/>
@@ -15411,6 +15766,7 @@
               </a:bodyPr>
               <a:lstStyle/>
               <a:p>
+                <a:pPr/>
                 <a14:m>
                   <m:oMathPara xmlns:m="http://schemas.openxmlformats.org/officeDocument/2006/math">
                     <m:oMathParaPr>
@@ -15495,7 +15851,7 @@
             </p:txBody>
           </p:sp>
         </mc:Choice>
-        <mc:Fallback>
+        <mc:Fallback xmlns="">
           <p:sp>
             <p:nvSpPr>
               <p:cNvPr id="23" name="pole tekstowe 22"/>
@@ -16124,7 +16480,6 @@
               <a:rPr lang="pl-PL" sz="2400" b="1" dirty="0" smtClean="0"/>
               <a:t>Dane testowe</a:t>
             </a:r>
-            <a:endParaRPr lang="pl-PL" sz="2400" b="1" dirty="0" smtClean="0"/>
           </a:p>
         </p:txBody>
       </p:sp>
@@ -16156,11 +16511,7 @@
           <a:p>
             <a:r>
               <a:rPr lang="pl-PL" sz="1800" b="1" dirty="0" smtClean="0"/>
-              <a:t>Repozytorium danych tekstowych projektu CLUTO: </a:t>
-            </a:r>
-            <a:r>
-              <a:rPr lang="pl-PL" sz="1800" b="1" dirty="0" smtClean="0"/>
-              <a:t>http://glaros.dtc.umn.edu/gkhome/fetch/sw/cluto/datasets.tar.gz</a:t>
+              <a:t>Repozytorium danych tekstowych projektu CLUTO: http://glaros.dtc.umn.edu/gkhome/fetch/sw/cluto/datasets.tar.gz</a:t>
             </a:r>
           </a:p>
           <a:p>
@@ -16401,7 +16752,7 @@
             </a:br>
             <a:r>
               <a:rPr lang="pl-PL" sz="1800" dirty="0" smtClean="0"/>
-              <a:t>- 44 atrybuty zmiennymi  binarnymi</a:t>
+              <a:t>- 44 atrybuty binarne,</a:t>
             </a:r>
             <a:br>
               <a:rPr lang="pl-PL" sz="1800" dirty="0" smtClean="0"/>
@@ -16650,13 +17001,6 @@
             </a:br>
             <a:r>
               <a:rPr lang="pl-PL" sz="1800" dirty="0" smtClean="0"/>
-              <a:t>- atrybuty liczbami naturalnymi</a:t>
-            </a:r>
-            <a:br>
-              <a:rPr lang="pl-PL" sz="1800" dirty="0" smtClean="0"/>
-            </a:br>
-            <a:r>
-              <a:rPr lang="pl-PL" sz="1800" dirty="0" smtClean="0"/>
               <a:t>- gęsty.</a:t>
             </a:r>
           </a:p>
@@ -16899,7 +17243,7 @@
             </a:br>
             <a:r>
               <a:rPr lang="pl-PL" sz="1800" dirty="0" smtClean="0"/>
-              <a:t>- średnio 129 atrybutów niezerowych</a:t>
+              <a:t>- średnio 129 atrybutów niezerowych,</a:t>
             </a:r>
             <a:br>
               <a:rPr lang="pl-PL" sz="1800" dirty="0" smtClean="0"/>
@@ -17148,7 +17492,7 @@
             </a:br>
             <a:r>
               <a:rPr lang="pl-PL" sz="1800" dirty="0" smtClean="0"/>
-              <a:t>- średnio 191atrybutów niezerowych</a:t>
+              <a:t>- średnio 191 atrybutów niezerowych,</a:t>
             </a:r>
             <a:br>
               <a:rPr lang="pl-PL" sz="1800" dirty="0" smtClean="0"/>
@@ -18369,7 +18713,6 @@
               <a:rPr lang="pl-PL" sz="2400" b="1" dirty="0" smtClean="0"/>
               <a:t>Porównanie metod przyspieszania wyznaczania sąsiedztwa</a:t>
             </a:r>
-            <a:endParaRPr lang="pl-PL" sz="2400" b="1" dirty="0" smtClean="0"/>
           </a:p>
         </p:txBody>
       </p:sp>
@@ -19028,7 +19371,6 @@
               <a:rPr lang="pl-PL" sz="2400" b="1" dirty="0" smtClean="0"/>
               <a:t>Porównanie metod przyspieszania wyznaczania sąsiedztwa</a:t>
             </a:r>
-            <a:endParaRPr lang="pl-PL" sz="2400" b="1" dirty="0" smtClean="0"/>
           </a:p>
         </p:txBody>
       </p:sp>
@@ -19679,7 +20021,6 @@
               <a:rPr lang="pl-PL" sz="2400" b="1" dirty="0" smtClean="0"/>
               <a:t>Porównanie metod przyspieszania wyznaczania sąsiedztwa</a:t>
             </a:r>
-            <a:endParaRPr lang="pl-PL" sz="2400" b="1" dirty="0" smtClean="0"/>
           </a:p>
         </p:txBody>
       </p:sp>
@@ -20334,6 +20675,74 @@
 </file>
 
 <file path=ppt/slides/slide18.xml><?xml version="1.0" encoding="utf-8"?>
+<p:sld xmlns:a="http://schemas.openxmlformats.org/drawingml/2006/main" xmlns:r="http://schemas.openxmlformats.org/officeDocument/2006/relationships" xmlns:p="http://schemas.openxmlformats.org/presentationml/2006/main">
+  <p:cSld>
+    <p:spTree>
+      <p:nvGrpSpPr>
+        <p:cNvPr id="1" name=""/>
+        <p:cNvGrpSpPr/>
+        <p:nvPr/>
+      </p:nvGrpSpPr>
+      <p:grpSpPr>
+        <a:xfrm>
+          <a:off x="0" y="0"/>
+          <a:ext cx="0" cy="0"/>
+          <a:chOff x="0" y="0"/>
+          <a:chExt cx="0" cy="0"/>
+        </a:xfrm>
+      </p:grpSpPr>
+      <p:sp>
+        <p:nvSpPr>
+          <p:cNvPr id="2" name="Tytuł 1"/>
+          <p:cNvSpPr>
+            <a:spLocks noGrp="1"/>
+          </p:cNvSpPr>
+          <p:nvPr>
+            <p:ph type="title"/>
+          </p:nvPr>
+        </p:nvSpPr>
+        <p:spPr/>
+        <p:txBody>
+          <a:bodyPr/>
+          <a:lstStyle/>
+          <a:p>
+            <a:endParaRPr lang="pl-PL"/>
+          </a:p>
+        </p:txBody>
+      </p:sp>
+      <p:sp>
+        <p:nvSpPr>
+          <p:cNvPr id="3" name="Symbol zastępczy zawartości 2"/>
+          <p:cNvSpPr>
+            <a:spLocks noGrp="1"/>
+          </p:cNvSpPr>
+          <p:nvPr>
+            <p:ph idx="1"/>
+          </p:nvPr>
+        </p:nvSpPr>
+        <p:spPr/>
+        <p:txBody>
+          <a:bodyPr/>
+          <a:lstStyle/>
+          <a:p>
+            <a:endParaRPr lang="pl-PL"/>
+          </a:p>
+        </p:txBody>
+      </p:sp>
+    </p:spTree>
+    <p:extLst>
+      <p:ext uri="{BB962C8B-B14F-4D97-AF65-F5344CB8AC3E}">
+        <p14:creationId xmlns:p14="http://schemas.microsoft.com/office/powerpoint/2010/main" val="1165533256"/>
+      </p:ext>
+    </p:extLst>
+  </p:cSld>
+  <p:clrMapOvr>
+    <a:masterClrMapping/>
+  </p:clrMapOvr>
+</p:sld>
+</file>
+
+<file path=ppt/slides/slide19.xml><?xml version="1.0" encoding="utf-8"?>
 <p:sld xmlns:a="http://schemas.openxmlformats.org/drawingml/2006/main" xmlns:r="http://schemas.openxmlformats.org/officeDocument/2006/relationships" xmlns:p="http://schemas.openxmlformats.org/presentationml/2006/main">
   <p:cSld>
     <p:spTree>
@@ -21308,11 +21717,7 @@
             </a:pPr>
             <a:r>
               <a:rPr lang="pl-PL" sz="2800" dirty="0" smtClean="0"/>
-              <a:t>Wybrane wyniki </a:t>
-            </a:r>
-            <a:r>
-              <a:rPr lang="pl-PL" sz="2800" dirty="0" smtClean="0"/>
-              <a:t>eksperymentalne</a:t>
+              <a:t>Wybrane wyniki eksperymentalne</a:t>
             </a:r>
           </a:p>
           <a:p>
@@ -22472,12 +22877,12 @@
           <a:graphicData uri="http://schemas.openxmlformats.org/presentationml/2006/ole">
             <mc:AlternateContent xmlns:mc="http://schemas.openxmlformats.org/markup-compatibility/2006">
               <mc:Choice xmlns:v="urn:schemas-microsoft-com:vml" Requires="v">
-                <p:oleObj spid="_x0000_s4131" r:id="rId4" imgW="6096528" imgH="2133785" progId="Excel.Chart.8">
+                <p:oleObj spid="_x0000_s4143" r:id="rId5" imgW="6096528" imgH="2133785" progId="Excel.Chart.8">
                   <p:embed/>
                 </p:oleObj>
               </mc:Choice>
               <mc:Fallback>
-                <p:oleObj r:id="rId4" imgW="6096528" imgH="2133785" progId="Excel.Chart.8">
+                <p:oleObj r:id="rId5" imgW="6096528" imgH="2133785" progId="Excel.Chart.8">
                   <p:embed/>
                   <p:pic>
                     <p:nvPicPr>
@@ -22488,7 +22893,7 @@
                       <p:nvPr/>
                     </p:nvPicPr>
                     <p:blipFill>
-                      <a:blip r:embed="rId5">
+                      <a:blip r:embed="rId6">
                         <a:extLst>
                           <a:ext uri="{28A0092B-C50C-407E-A947-70E740481C1C}">
                             <a14:useLocalDpi xmlns:a14="http://schemas.microsoft.com/office/drawing/2010/main" val="0"/>
@@ -22539,42 +22944,6 @@
           </a:graphicData>
         </a:graphic>
       </p:graphicFrame>
-      <p:sp>
-        <p:nvSpPr>
-          <p:cNvPr id="4105" name="Symbol zastępczy zawartości 21"/>
-          <p:cNvSpPr>
-            <a:spLocks noGrp="1" noRot="1" noChangeAspect="1" noMove="1" noResize="1" noEditPoints="1" noAdjustHandles="1" noChangeArrowheads="1" noChangeShapeType="1" noTextEdit="1"/>
-          </p:cNvSpPr>
-          <p:nvPr>
-            <p:ph idx="1"/>
-          </p:nvPr>
-        </p:nvSpPr>
-        <p:spPr>
-          <a:xfrm>
-            <a:off x="457200" y="1700213"/>
-            <a:ext cx="8229600" cy="4425950"/>
-          </a:xfrm>
-          <a:blipFill rotWithShape="1">
-            <a:blip r:embed="rId6"/>
-            <a:stretch>
-              <a:fillRect l="-1259" t="-1240"/>
-            </a:stretch>
-          </a:blipFill>
-          <a:extLst/>
-        </p:spPr>
-        <p:txBody>
-          <a:bodyPr/>
-          <a:lstStyle/>
-          <a:p>
-            <a:r>
-              <a:rPr lang="pl-PL">
-                <a:noFill/>
-              </a:rPr>
-              <a:t> </a:t>
-            </a:r>
-          </a:p>
-        </p:txBody>
-      </p:sp>
       <p:grpSp>
         <p:nvGrpSpPr>
           <p:cNvPr id="4106" name="Grupa 64"/>
@@ -23404,6 +23773,304 @@
           </p:style>
         </p:cxnSp>
       </p:grpSp>
+      <mc:AlternateContent xmlns:mc="http://schemas.openxmlformats.org/markup-compatibility/2006" xmlns:a14="http://schemas.microsoft.com/office/drawing/2010/main">
+        <mc:Choice Requires="a14">
+          <p:sp>
+            <p:nvSpPr>
+              <p:cNvPr id="24" name="Symbol zastępczy zawartości 2"/>
+              <p:cNvSpPr>
+                <a:spLocks noGrp="1"/>
+              </p:cNvSpPr>
+              <p:nvPr>
+                <p:ph idx="1"/>
+              </p:nvPr>
+            </p:nvSpPr>
+            <p:spPr>
+              <a:xfrm>
+                <a:off x="457200" y="1600200"/>
+                <a:ext cx="8229600" cy="4525963"/>
+              </a:xfrm>
+            </p:spPr>
+            <p:txBody>
+              <a:bodyPr/>
+              <a:lstStyle/>
+              <a:p>
+                <a:r>
+                  <a:rPr lang="pl-PL" sz="2800" dirty="0" smtClean="0"/>
+                  <a:t>otoczenie </a:t>
+                </a:r>
+                <a:r>
+                  <a:rPr lang="pl-PL" sz="2800" dirty="0" err="1" smtClean="0"/>
+                  <a:t>epsilonowe</a:t>
+                </a:r>
+                <a:r>
+                  <a:rPr lang="pl-PL" sz="2800" dirty="0" smtClean="0"/>
+                  <a:t>:</a:t>
+                </a:r>
+                <a:br>
+                  <a:rPr lang="pl-PL" sz="2800" dirty="0" smtClean="0"/>
+                </a:br>
+                <a14:m>
+                  <m:oMath xmlns:m="http://schemas.openxmlformats.org/officeDocument/2006/math">
+                    <m:sSub>
+                      <m:sSubPr>
+                        <m:ctrlPr>
+                          <a:rPr lang="pl-PL" sz="2800" i="1" smtClean="0">
+                            <a:latin typeface="Cambria Math"/>
+                          </a:rPr>
+                        </m:ctrlPr>
+                      </m:sSubPr>
+                      <m:e>
+                        <m:r>
+                          <a:rPr lang="pl-PL" sz="2800" b="0" i="1" smtClean="0">
+                            <a:latin typeface="Cambria Math"/>
+                          </a:rPr>
+                          <m:t>𝑁</m:t>
+                        </m:r>
+                      </m:e>
+                      <m:sub>
+                        <m:r>
+                          <a:rPr lang="pl-PL" sz="2800" b="0" i="1" smtClean="0">
+                            <a:latin typeface="Cambria Math"/>
+                          </a:rPr>
+                          <m:t>𝐸𝑝𝑠</m:t>
+                        </m:r>
+                      </m:sub>
+                    </m:sSub>
+                    <m:d>
+                      <m:dPr>
+                        <m:ctrlPr>
+                          <a:rPr lang="pl-PL" sz="2800" b="0" i="1" smtClean="0">
+                            <a:latin typeface="Cambria Math"/>
+                          </a:rPr>
+                        </m:ctrlPr>
+                      </m:dPr>
+                      <m:e>
+                        <m:r>
+                          <a:rPr lang="pl-PL" sz="2800" b="0" i="1" smtClean="0">
+                            <a:latin typeface="Cambria Math"/>
+                          </a:rPr>
+                          <m:t>𝑝</m:t>
+                        </m:r>
+                      </m:e>
+                    </m:d>
+                    <m:r>
+                      <a:rPr lang="pl-PL" sz="2800" b="0" i="1" smtClean="0">
+                        <a:latin typeface="Cambria Math"/>
+                      </a:rPr>
+                      <m:t>={</m:t>
+                    </m:r>
+                    <m:r>
+                      <a:rPr lang="pl-PL" sz="2800" b="0" i="1" smtClean="0">
+                        <a:latin typeface="Cambria Math"/>
+                      </a:rPr>
+                      <m:t>𝑞</m:t>
+                    </m:r>
+                    <m:r>
+                      <a:rPr lang="pl-PL" sz="2800" b="0" i="1" smtClean="0">
+                        <a:latin typeface="Cambria Math"/>
+                        <a:ea typeface="Cambria Math"/>
+                      </a:rPr>
+                      <m:t>∈</m:t>
+                    </m:r>
+                    <m:r>
+                      <a:rPr lang="pl-PL" sz="2800" b="0" i="1" smtClean="0">
+                        <a:latin typeface="Cambria Math"/>
+                        <a:ea typeface="Cambria Math"/>
+                      </a:rPr>
+                      <m:t>𝐷</m:t>
+                    </m:r>
+                    <m:r>
+                      <a:rPr lang="pl-PL" sz="2800" b="0" i="1" smtClean="0">
+                        <a:latin typeface="Cambria Math"/>
+                        <a:ea typeface="Cambria Math"/>
+                      </a:rPr>
+                      <m:t>|</m:t>
+                    </m:r>
+                    <m:r>
+                      <a:rPr lang="pl-PL" sz="2800" b="0" i="1" smtClean="0">
+                        <a:latin typeface="Cambria Math"/>
+                        <a:ea typeface="Cambria Math"/>
+                      </a:rPr>
+                      <m:t>𝑑𝑖𝑠𝑡𝑎𝑛𝑐𝑒</m:t>
+                    </m:r>
+                    <m:r>
+                      <a:rPr lang="pl-PL" sz="2800" b="0" i="1" smtClean="0">
+                        <a:latin typeface="Cambria Math"/>
+                        <a:ea typeface="Cambria Math"/>
+                      </a:rPr>
+                      <m:t>(</m:t>
+                    </m:r>
+                    <m:r>
+                      <a:rPr lang="pl-PL" sz="2800" b="0" i="1" smtClean="0">
+                        <a:latin typeface="Cambria Math"/>
+                        <a:ea typeface="Cambria Math"/>
+                      </a:rPr>
+                      <m:t>𝑝</m:t>
+                    </m:r>
+                    <m:r>
+                      <a:rPr lang="pl-PL" sz="2800" b="0" i="1" smtClean="0">
+                        <a:latin typeface="Cambria Math"/>
+                        <a:ea typeface="Cambria Math"/>
+                      </a:rPr>
+                      <m:t>,</m:t>
+                    </m:r>
+                    <m:r>
+                      <a:rPr lang="pl-PL" sz="2800" b="0" i="1" smtClean="0">
+                        <a:latin typeface="Cambria Math"/>
+                        <a:ea typeface="Cambria Math"/>
+                      </a:rPr>
+                      <m:t>𝑞</m:t>
+                    </m:r>
+                    <m:r>
+                      <a:rPr lang="pl-PL" sz="2800" b="0" i="1" smtClean="0">
+                        <a:latin typeface="Cambria Math"/>
+                        <a:ea typeface="Cambria Math"/>
+                      </a:rPr>
+                      <m:t>)≤</m:t>
+                    </m:r>
+                    <m:r>
+                      <a:rPr lang="pl-PL" sz="2800" b="0" i="1" smtClean="0">
+                        <a:latin typeface="Cambria Math"/>
+                        <a:ea typeface="Cambria Math"/>
+                      </a:rPr>
+                      <m:t>𝐸𝑝𝑠</m:t>
+                    </m:r>
+                    <m:r>
+                      <a:rPr lang="pl-PL" sz="2800" b="0" i="1" smtClean="0">
+                        <a:latin typeface="Cambria Math"/>
+                      </a:rPr>
+                      <m:t>}</m:t>
+                    </m:r>
+                  </m:oMath>
+                </a14:m>
+                <a:endParaRPr lang="pl-PL" sz="2800" dirty="0" smtClean="0"/>
+              </a:p>
+              <a:p>
+                <a:r>
+                  <a:rPr lang="pl-PL" sz="2800" dirty="0" smtClean="0"/>
+                  <a:t>punkt rdzeniowy:</a:t>
+                </a:r>
+                <a:br>
+                  <a:rPr lang="pl-PL" sz="2800" dirty="0" smtClean="0"/>
+                </a:br>
+                <a14:m>
+                  <m:oMath xmlns:m="http://schemas.openxmlformats.org/officeDocument/2006/math">
+                    <m:d>
+                      <m:dPr>
+                        <m:begChr m:val="|"/>
+                        <m:endChr m:val="|"/>
+                        <m:ctrlPr>
+                          <a:rPr lang="pl-PL" sz="2800" i="1" smtClean="0">
+                            <a:latin typeface="Cambria Math"/>
+                          </a:rPr>
+                        </m:ctrlPr>
+                      </m:dPr>
+                      <m:e>
+                        <m:sSub>
+                          <m:sSubPr>
+                            <m:ctrlPr>
+                              <a:rPr lang="pl-PL" sz="2800" i="1" smtClean="0">
+                                <a:latin typeface="Cambria Math"/>
+                              </a:rPr>
+                            </m:ctrlPr>
+                          </m:sSubPr>
+                          <m:e>
+                            <m:r>
+                              <a:rPr lang="pl-PL" sz="2800" b="0" i="1" smtClean="0">
+                                <a:latin typeface="Cambria Math"/>
+                              </a:rPr>
+                              <m:t>𝑁</m:t>
+                            </m:r>
+                          </m:e>
+                          <m:sub>
+                            <m:r>
+                              <a:rPr lang="pl-PL" sz="2800" b="0" i="1" smtClean="0">
+                                <a:latin typeface="Cambria Math"/>
+                              </a:rPr>
+                              <m:t>𝐸𝑝𝑠</m:t>
+                            </m:r>
+                          </m:sub>
+                        </m:sSub>
+                        <m:r>
+                          <a:rPr lang="pl-PL" sz="2800" b="0" i="1" smtClean="0">
+                            <a:latin typeface="Cambria Math"/>
+                          </a:rPr>
+                          <m:t>(</m:t>
+                        </m:r>
+                        <m:r>
+                          <a:rPr lang="pl-PL" sz="2800" b="0" i="1" smtClean="0">
+                            <a:latin typeface="Cambria Math"/>
+                          </a:rPr>
+                          <m:t>𝑝</m:t>
+                        </m:r>
+                        <m:r>
+                          <a:rPr lang="pl-PL" sz="2800" b="0" i="1" smtClean="0">
+                            <a:latin typeface="Cambria Math"/>
+                          </a:rPr>
+                          <m:t>)</m:t>
+                        </m:r>
+                      </m:e>
+                    </m:d>
+                    <m:r>
+                      <a:rPr lang="pl-PL" sz="2800" i="1" smtClean="0">
+                        <a:latin typeface="Cambria Math"/>
+                        <a:ea typeface="Cambria Math"/>
+                      </a:rPr>
+                      <m:t>≥</m:t>
+                    </m:r>
+                    <m:r>
+                      <a:rPr lang="pl-PL" sz="2800" b="0" i="1" smtClean="0">
+                        <a:latin typeface="Cambria Math"/>
+                        <a:ea typeface="Cambria Math"/>
+                      </a:rPr>
+                      <m:t>𝑀𝑖𝑛𝑃𝑡𝑠</m:t>
+                    </m:r>
+                  </m:oMath>
+                </a14:m>
+                <a:endParaRPr lang="pl-PL" sz="2800" dirty="0"/>
+              </a:p>
+            </p:txBody>
+          </p:sp>
+        </mc:Choice>
+        <mc:Fallback xmlns="">
+          <p:sp>
+            <p:nvSpPr>
+              <p:cNvPr id="24" name="Symbol zastępczy zawartości 2"/>
+              <p:cNvSpPr>
+                <a:spLocks noGrp="1" noRot="1" noChangeAspect="1" noMove="1" noResize="1" noEditPoints="1" noAdjustHandles="1" noChangeArrowheads="1" noChangeShapeType="1" noTextEdit="1"/>
+              </p:cNvSpPr>
+              <p:nvPr>
+                <p:ph idx="1"/>
+              </p:nvPr>
+            </p:nvSpPr>
+            <p:spPr>
+              <a:xfrm>
+                <a:off x="457200" y="1600200"/>
+                <a:ext cx="8229600" cy="4525963"/>
+              </a:xfrm>
+              <a:blipFill rotWithShape="1">
+                <a:blip r:embed="rId7"/>
+                <a:stretch>
+                  <a:fillRect l="-1259" t="-1213"/>
+                </a:stretch>
+              </a:blipFill>
+            </p:spPr>
+            <p:txBody>
+              <a:bodyPr/>
+              <a:lstStyle/>
+              <a:p>
+                <a:r>
+                  <a:rPr lang="pl-PL">
+                    <a:noFill/>
+                  </a:rPr>
+                  <a:t> </a:t>
+                </a:r>
+              </a:p>
+            </p:txBody>
+          </p:sp>
+        </mc:Fallback>
+      </mc:AlternateContent>
     </p:spTree>
   </p:cSld>
   <p:clrMapOvr>
@@ -24542,6 +25209,661 @@
           <a:chExt cx="0" cy="0"/>
         </a:xfrm>
       </p:grpSpPr>
+      <mc:AlternateContent xmlns:mc="http://schemas.openxmlformats.org/markup-compatibility/2006" xmlns:a14="http://schemas.microsoft.com/office/drawing/2010/main">
+        <mc:Choice Requires="a14">
+          <p:sp>
+            <p:nvSpPr>
+              <p:cNvPr id="19" name="Symbol zastępczy zawartości 2"/>
+              <p:cNvSpPr>
+                <a:spLocks noGrp="1"/>
+              </p:cNvSpPr>
+              <p:nvPr>
+                <p:ph idx="1"/>
+              </p:nvPr>
+            </p:nvSpPr>
+            <p:spPr>
+              <a:xfrm>
+                <a:off x="446856" y="1268760"/>
+                <a:ext cx="8229600" cy="4525963"/>
+              </a:xfrm>
+            </p:spPr>
+            <p:txBody>
+              <a:bodyPr/>
+              <a:lstStyle/>
+              <a:p>
+                <a:pPr marL="0" indent="0">
+                  <a:buNone/>
+                </a:pPr>
+                <a:r>
+                  <a:rPr lang="pl-PL" sz="2800" dirty="0" smtClean="0"/>
+                  <a:t>Dla dowolnych punktów </a:t>
+                </a:r>
+                <a14:m>
+                  <m:oMath xmlns:m="http://schemas.openxmlformats.org/officeDocument/2006/math">
+                    <m:r>
+                      <a:rPr lang="pl-PL" sz="2800" i="1" dirty="0" smtClean="0">
+                        <a:latin typeface="Cambria Math"/>
+                      </a:rPr>
+                      <m:t>𝑝</m:t>
+                    </m:r>
+                  </m:oMath>
+                </a14:m>
+                <a:r>
+                  <a:rPr lang="pl-PL" sz="2800" dirty="0" smtClean="0"/>
+                  <a:t>, </a:t>
+                </a:r>
+                <a14:m>
+                  <m:oMath xmlns:m="http://schemas.openxmlformats.org/officeDocument/2006/math">
+                    <m:r>
+                      <a:rPr lang="pl-PL" sz="2800" i="1" dirty="0" smtClean="0">
+                        <a:latin typeface="Cambria Math"/>
+                      </a:rPr>
+                      <m:t>𝑞</m:t>
+                    </m:r>
+                  </m:oMath>
+                </a14:m>
+                <a:r>
+                  <a:rPr lang="pl-PL" sz="2800" dirty="0" smtClean="0"/>
+                  <a:t> i </a:t>
+                </a:r>
+                <a14:m>
+                  <m:oMath xmlns:m="http://schemas.openxmlformats.org/officeDocument/2006/math">
+                    <m:r>
+                      <a:rPr lang="pl-PL" sz="2800" i="1" dirty="0" smtClean="0">
+                        <a:latin typeface="Cambria Math"/>
+                      </a:rPr>
+                      <m:t>𝑟</m:t>
+                    </m:r>
+                  </m:oMath>
+                </a14:m>
+                <a:r>
+                  <a:rPr lang="pl-PL" sz="2800" dirty="0" smtClean="0"/>
+                  <a:t>:</a:t>
+                </a:r>
+                <a:r>
+                  <a:rPr lang="pl-PL" sz="1200" dirty="0" smtClean="0"/>
+                  <a:t/>
+                </a:r>
+                <a:br>
+                  <a:rPr lang="pl-PL" sz="1200" dirty="0" smtClean="0"/>
+                </a:br>
+                <a:endParaRPr lang="pl-PL" sz="1200" dirty="0" smtClean="0"/>
+              </a:p>
+              <a:p>
+                <a:pPr marL="0" indent="0">
+                  <a:buNone/>
+                </a:pPr>
+                <a14:m>
+                  <m:oMathPara xmlns:m="http://schemas.openxmlformats.org/officeDocument/2006/math">
+                    <m:oMathParaPr>
+                      <m:jc m:val="centerGroup"/>
+                    </m:oMathParaPr>
+                    <m:oMath xmlns:m="http://schemas.openxmlformats.org/officeDocument/2006/math">
+                      <m:r>
+                        <a:rPr lang="pl-PL" sz="2000" i="1" dirty="0" smtClean="0">
+                          <a:latin typeface="Cambria Math"/>
+                        </a:rPr>
+                        <m:t>𝑑𝑖𝑠𝑡𝑎𝑛𝑐𝑒</m:t>
+                      </m:r>
+                      <m:d>
+                        <m:dPr>
+                          <m:ctrlPr>
+                            <a:rPr lang="pl-PL" sz="2000" i="1" dirty="0" smtClean="0">
+                              <a:latin typeface="Cambria Math"/>
+                            </a:rPr>
+                          </m:ctrlPr>
+                        </m:dPr>
+                        <m:e>
+                          <m:r>
+                            <a:rPr lang="pl-PL" sz="2000" i="1" dirty="0" err="1" smtClean="0">
+                              <a:latin typeface="Cambria Math"/>
+                            </a:rPr>
+                            <m:t>𝑝</m:t>
+                          </m:r>
+                          <m:r>
+                            <a:rPr lang="pl-PL" sz="2000" i="1" dirty="0" err="1" smtClean="0">
+                              <a:latin typeface="Cambria Math"/>
+                            </a:rPr>
+                            <m:t>,</m:t>
+                          </m:r>
+                          <m:r>
+                            <a:rPr lang="pl-PL" sz="2000" i="1" dirty="0" err="1" smtClean="0">
+                              <a:latin typeface="Cambria Math"/>
+                            </a:rPr>
+                            <m:t>𝑞</m:t>
+                          </m:r>
+                        </m:e>
+                      </m:d>
+                      <m:r>
+                        <a:rPr lang="pl-PL" sz="2000" i="1" dirty="0" smtClean="0">
+                          <a:latin typeface="Cambria Math"/>
+                        </a:rPr>
+                        <m:t>+</m:t>
+                      </m:r>
+                      <m:r>
+                        <a:rPr lang="pl-PL" sz="2000" i="1" dirty="0" err="1" smtClean="0">
+                          <a:latin typeface="Cambria Math"/>
+                        </a:rPr>
+                        <m:t>𝑑𝑖𝑠𝑡𝑎𝑛𝑐𝑒</m:t>
+                      </m:r>
+                      <m:d>
+                        <m:dPr>
+                          <m:ctrlPr>
+                            <a:rPr lang="pl-PL" sz="2000" i="1" dirty="0" smtClean="0">
+                              <a:latin typeface="Cambria Math"/>
+                            </a:rPr>
+                          </m:ctrlPr>
+                        </m:dPr>
+                        <m:e>
+                          <m:r>
+                            <a:rPr lang="pl-PL" sz="2000" i="1" dirty="0" err="1" smtClean="0">
+                              <a:latin typeface="Cambria Math"/>
+                            </a:rPr>
+                            <m:t>𝑞</m:t>
+                          </m:r>
+                          <m:r>
+                            <a:rPr lang="pl-PL" sz="2000" i="1" dirty="0" err="1" smtClean="0">
+                              <a:latin typeface="Cambria Math"/>
+                            </a:rPr>
+                            <m:t>,</m:t>
+                          </m:r>
+                          <m:r>
+                            <a:rPr lang="pl-PL" sz="2000" i="1" dirty="0" err="1" smtClean="0">
+                              <a:latin typeface="Cambria Math"/>
+                            </a:rPr>
+                            <m:t>𝑟</m:t>
+                          </m:r>
+                        </m:e>
+                      </m:d>
+                      <m:r>
+                        <a:rPr lang="pl-PL" sz="2000" i="1" dirty="0" smtClean="0">
+                          <a:latin typeface="Cambria Math"/>
+                          <a:ea typeface="Cambria Math"/>
+                        </a:rPr>
+                        <m:t>≥</m:t>
+                      </m:r>
+                      <m:r>
+                        <a:rPr lang="pl-PL" sz="2000" b="0" i="1" dirty="0" smtClean="0">
+                          <a:latin typeface="Cambria Math"/>
+                          <a:ea typeface="Cambria Math"/>
+                        </a:rPr>
+                        <m:t>𝑑𝑖𝑠𝑡𝑎𝑛𝑐𝑒</m:t>
+                      </m:r>
+                      <m:d>
+                        <m:dPr>
+                          <m:ctrlPr>
+                            <a:rPr lang="pl-PL" sz="2000" b="0" i="1" dirty="0" smtClean="0">
+                              <a:latin typeface="Cambria Math"/>
+                              <a:ea typeface="Cambria Math"/>
+                            </a:rPr>
+                          </m:ctrlPr>
+                        </m:dPr>
+                        <m:e>
+                          <m:r>
+                            <a:rPr lang="pl-PL" sz="2000" b="0" i="1" dirty="0" smtClean="0">
+                              <a:latin typeface="Cambria Math"/>
+                              <a:ea typeface="Cambria Math"/>
+                            </a:rPr>
+                            <m:t>𝑝</m:t>
+                          </m:r>
+                          <m:r>
+                            <a:rPr lang="pl-PL" sz="2000" b="0" i="1" dirty="0" smtClean="0">
+                              <a:latin typeface="Cambria Math"/>
+                              <a:ea typeface="Cambria Math"/>
+                            </a:rPr>
+                            <m:t>,</m:t>
+                          </m:r>
+                          <m:r>
+                            <a:rPr lang="pl-PL" sz="2000" b="0" i="1" dirty="0" smtClean="0">
+                              <a:latin typeface="Cambria Math"/>
+                              <a:ea typeface="Cambria Math"/>
+                            </a:rPr>
+                            <m:t>𝑟</m:t>
+                          </m:r>
+                        </m:e>
+                      </m:d>
+                    </m:oMath>
+                  </m:oMathPara>
+                </a14:m>
+                <a:endParaRPr lang="pl-PL" sz="1100" b="0" dirty="0" smtClean="0">
+                  <a:ea typeface="Cambria Math"/>
+                </a:endParaRPr>
+              </a:p>
+              <a:p>
+                <a:pPr marL="0" indent="0">
+                  <a:buNone/>
+                </a:pPr>
+                <a:endParaRPr lang="pl-PL" sz="1100" dirty="0">
+                  <a:ea typeface="Cambria Math"/>
+                </a:endParaRPr>
+              </a:p>
+              <a:p>
+                <a:pPr marL="0" indent="0">
+                  <a:buNone/>
+                </a:pPr>
+                <a14:m>
+                  <m:oMathPara xmlns:m="http://schemas.openxmlformats.org/officeDocument/2006/math">
+                    <m:oMathParaPr>
+                      <m:jc m:val="centerGroup"/>
+                    </m:oMathParaPr>
+                    <m:oMath xmlns:m="http://schemas.openxmlformats.org/officeDocument/2006/math">
+                      <m:r>
+                        <a:rPr lang="pl-PL" sz="2000" b="0" i="1" smtClean="0">
+                          <a:latin typeface="Cambria Math"/>
+                          <a:ea typeface="Cambria Math"/>
+                        </a:rPr>
+                        <m:t>𝑑𝑖𝑠𝑡𝑎𝑛𝑐𝑒</m:t>
+                      </m:r>
+                      <m:d>
+                        <m:dPr>
+                          <m:ctrlPr>
+                            <a:rPr lang="pl-PL" sz="2000" b="0" i="1" smtClean="0">
+                              <a:latin typeface="Cambria Math"/>
+                              <a:ea typeface="Cambria Math"/>
+                            </a:rPr>
+                          </m:ctrlPr>
+                        </m:dPr>
+                        <m:e>
+                          <m:r>
+                            <a:rPr lang="pl-PL" sz="2000" b="0" i="1" smtClean="0">
+                              <a:latin typeface="Cambria Math"/>
+                              <a:ea typeface="Cambria Math"/>
+                            </a:rPr>
+                            <m:t>𝑝</m:t>
+                          </m:r>
+                          <m:r>
+                            <a:rPr lang="pl-PL" sz="2000" b="0" i="1" smtClean="0">
+                              <a:latin typeface="Cambria Math"/>
+                              <a:ea typeface="Cambria Math"/>
+                            </a:rPr>
+                            <m:t>,</m:t>
+                          </m:r>
+                          <m:r>
+                            <a:rPr lang="pl-PL" sz="2000" b="0" i="1" smtClean="0">
+                              <a:latin typeface="Cambria Math"/>
+                              <a:ea typeface="Cambria Math"/>
+                            </a:rPr>
+                            <m:t>𝑞</m:t>
+                          </m:r>
+                        </m:e>
+                      </m:d>
+                      <m:r>
+                        <a:rPr lang="pl-PL" sz="2000" b="0" i="1" smtClean="0">
+                          <a:latin typeface="Cambria Math"/>
+                          <a:ea typeface="Cambria Math"/>
+                        </a:rPr>
+                        <m:t>≥</m:t>
+                      </m:r>
+                      <m:r>
+                        <a:rPr lang="pl-PL" sz="2000" b="0" i="1" smtClean="0">
+                          <a:latin typeface="Cambria Math"/>
+                          <a:ea typeface="Cambria Math"/>
+                        </a:rPr>
+                        <m:t>𝑑𝑖𝑠𝑡𝑎𝑛𝑐𝑒</m:t>
+                      </m:r>
+                      <m:d>
+                        <m:dPr>
+                          <m:ctrlPr>
+                            <a:rPr lang="pl-PL" sz="2000" b="0" i="1" smtClean="0">
+                              <a:latin typeface="Cambria Math"/>
+                              <a:ea typeface="Cambria Math"/>
+                            </a:rPr>
+                          </m:ctrlPr>
+                        </m:dPr>
+                        <m:e>
+                          <m:r>
+                            <a:rPr lang="pl-PL" sz="2000" b="0" i="1" smtClean="0">
+                              <a:latin typeface="Cambria Math"/>
+                              <a:ea typeface="Cambria Math"/>
+                            </a:rPr>
+                            <m:t>𝑝</m:t>
+                          </m:r>
+                          <m:r>
+                            <a:rPr lang="pl-PL" sz="2000" b="0" i="1" smtClean="0">
+                              <a:latin typeface="Cambria Math"/>
+                              <a:ea typeface="Cambria Math"/>
+                            </a:rPr>
+                            <m:t>,</m:t>
+                          </m:r>
+                          <m:r>
+                            <a:rPr lang="pl-PL" sz="2000" b="0" i="1" smtClean="0">
+                              <a:latin typeface="Cambria Math"/>
+                              <a:ea typeface="Cambria Math"/>
+                            </a:rPr>
+                            <m:t>𝑟</m:t>
+                          </m:r>
+                        </m:e>
+                      </m:d>
+                      <m:r>
+                        <a:rPr lang="pl-PL" sz="2000" b="0" i="1" smtClean="0">
+                          <a:latin typeface="Cambria Math"/>
+                          <a:ea typeface="Cambria Math"/>
+                        </a:rPr>
+                        <m:t>−</m:t>
+                      </m:r>
+                      <m:r>
+                        <a:rPr lang="pl-PL" sz="2000" b="0" i="1" smtClean="0">
+                          <a:latin typeface="Cambria Math"/>
+                          <a:ea typeface="Cambria Math"/>
+                        </a:rPr>
+                        <m:t>𝑑𝑖𝑠𝑡𝑎𝑛𝑐𝑒</m:t>
+                      </m:r>
+                      <m:d>
+                        <m:dPr>
+                          <m:ctrlPr>
+                            <a:rPr lang="pl-PL" sz="2000" b="0" i="1" smtClean="0">
+                              <a:latin typeface="Cambria Math"/>
+                              <a:ea typeface="Cambria Math"/>
+                            </a:rPr>
+                          </m:ctrlPr>
+                        </m:dPr>
+                        <m:e>
+                          <m:r>
+                            <a:rPr lang="pl-PL" sz="2000" b="0" i="1" smtClean="0">
+                              <a:latin typeface="Cambria Math"/>
+                              <a:ea typeface="Cambria Math"/>
+                            </a:rPr>
+                            <m:t>𝑞</m:t>
+                          </m:r>
+                          <m:r>
+                            <a:rPr lang="pl-PL" sz="2000" b="0" i="1" smtClean="0">
+                              <a:latin typeface="Cambria Math"/>
+                              <a:ea typeface="Cambria Math"/>
+                            </a:rPr>
+                            <m:t>,</m:t>
+                          </m:r>
+                          <m:r>
+                            <a:rPr lang="pl-PL" sz="2000" b="0" i="1" smtClean="0">
+                              <a:latin typeface="Cambria Math"/>
+                              <a:ea typeface="Cambria Math"/>
+                            </a:rPr>
+                            <m:t>𝑟</m:t>
+                          </m:r>
+                        </m:e>
+                      </m:d>
+                      <m:r>
+                        <a:rPr lang="pl-PL" sz="2000" b="0" i="1" smtClean="0">
+                          <a:latin typeface="Cambria Math"/>
+                          <a:ea typeface="Cambria Math"/>
+                        </a:rPr>
+                        <m:t>=</m:t>
+                      </m:r>
+                      <m:sSup>
+                        <m:sSupPr>
+                          <m:ctrlPr>
+                            <a:rPr lang="pl-PL" sz="2000" b="0" i="1" smtClean="0">
+                              <a:latin typeface="Cambria Math"/>
+                              <a:ea typeface="Cambria Math"/>
+                            </a:rPr>
+                          </m:ctrlPr>
+                        </m:sSupPr>
+                        <m:e>
+                          <m:r>
+                            <a:rPr lang="pl-PL" sz="2000" b="0" i="1" smtClean="0">
+                              <a:latin typeface="Cambria Math"/>
+                              <a:ea typeface="Cambria Math"/>
+                            </a:rPr>
+                            <m:t>𝑑𝑖𝑠𝑡𝑎𝑛𝑐𝑒</m:t>
+                          </m:r>
+                        </m:e>
+                        <m:sup>
+                          <m:r>
+                            <a:rPr lang="pl-PL" sz="2000" b="0" i="1" smtClean="0">
+                              <a:latin typeface="Cambria Math"/>
+                              <a:ea typeface="Cambria Math"/>
+                            </a:rPr>
+                            <m:t>𝑟</m:t>
+                          </m:r>
+                        </m:sup>
+                      </m:sSup>
+                      <m:d>
+                        <m:dPr>
+                          <m:ctrlPr>
+                            <a:rPr lang="pl-PL" sz="2000" b="0" i="1" smtClean="0">
+                              <a:latin typeface="Cambria Math"/>
+                              <a:ea typeface="Cambria Math"/>
+                            </a:rPr>
+                          </m:ctrlPr>
+                        </m:dPr>
+                        <m:e>
+                          <m:r>
+                            <a:rPr lang="pl-PL" sz="2000" b="0" i="1" smtClean="0">
+                              <a:latin typeface="Cambria Math"/>
+                              <a:ea typeface="Cambria Math"/>
+                            </a:rPr>
+                            <m:t>𝑝</m:t>
+                          </m:r>
+                          <m:r>
+                            <a:rPr lang="pl-PL" sz="2000" b="0" i="1" smtClean="0">
+                              <a:latin typeface="Cambria Math"/>
+                              <a:ea typeface="Cambria Math"/>
+                            </a:rPr>
+                            <m:t>,</m:t>
+                          </m:r>
+                          <m:r>
+                            <a:rPr lang="pl-PL" sz="2000" b="0" i="1" smtClean="0">
+                              <a:latin typeface="Cambria Math"/>
+                              <a:ea typeface="Cambria Math"/>
+                            </a:rPr>
+                            <m:t>𝑞</m:t>
+                          </m:r>
+                        </m:e>
+                      </m:d>
+                    </m:oMath>
+                  </m:oMathPara>
+                </a14:m>
+                <a:endParaRPr lang="pl-PL" sz="1100" b="0" dirty="0" smtClean="0">
+                  <a:ea typeface="Cambria Math"/>
+                </a:endParaRPr>
+              </a:p>
+              <a:p>
+                <a:pPr marL="0" indent="0">
+                  <a:buNone/>
+                </a:pPr>
+                <a:endParaRPr lang="pl-PL" sz="1100" b="0" dirty="0" smtClean="0">
+                  <a:ea typeface="Cambria Math"/>
+                </a:endParaRPr>
+              </a:p>
+              <a:p>
+                <a:pPr marL="0" indent="0">
+                  <a:buNone/>
+                </a:pPr>
+                <a14:m>
+                  <m:oMathPara xmlns:m="http://schemas.openxmlformats.org/officeDocument/2006/math">
+                    <m:oMathParaPr>
+                      <m:jc m:val="centerGroup"/>
+                    </m:oMathParaPr>
+                    <m:oMath xmlns:m="http://schemas.openxmlformats.org/officeDocument/2006/math">
+                      <m:r>
+                        <a:rPr lang="pl-PL" sz="2800" b="0" i="1" smtClean="0">
+                          <a:latin typeface="Cambria Math"/>
+                          <a:ea typeface="Cambria Math"/>
+                        </a:rPr>
+                        <m:t>𝑑𝑖𝑠𝑡𝑎𝑛𝑐𝑒</m:t>
+                      </m:r>
+                      <m:d>
+                        <m:dPr>
+                          <m:ctrlPr>
+                            <a:rPr lang="pl-PL" sz="2800" b="0" i="1" smtClean="0">
+                              <a:latin typeface="Cambria Math"/>
+                              <a:ea typeface="Cambria Math"/>
+                            </a:rPr>
+                          </m:ctrlPr>
+                        </m:dPr>
+                        <m:e>
+                          <m:r>
+                            <a:rPr lang="pl-PL" sz="2800" b="0" i="1" smtClean="0">
+                              <a:latin typeface="Cambria Math"/>
+                              <a:ea typeface="Cambria Math"/>
+                            </a:rPr>
+                            <m:t>𝑝</m:t>
+                          </m:r>
+                          <m:r>
+                            <a:rPr lang="pl-PL" sz="2800" b="0" i="1" smtClean="0">
+                              <a:latin typeface="Cambria Math"/>
+                              <a:ea typeface="Cambria Math"/>
+                            </a:rPr>
+                            <m:t>,</m:t>
+                          </m:r>
+                          <m:r>
+                            <a:rPr lang="pl-PL" sz="2800" b="0" i="1" smtClean="0">
+                              <a:latin typeface="Cambria Math"/>
+                              <a:ea typeface="Cambria Math"/>
+                            </a:rPr>
+                            <m:t>𝑞</m:t>
+                          </m:r>
+                        </m:e>
+                      </m:d>
+                      <m:r>
+                        <a:rPr lang="pl-PL" sz="2800" b="0" i="1" smtClean="0">
+                          <a:latin typeface="Cambria Math"/>
+                          <a:ea typeface="Cambria Math"/>
+                        </a:rPr>
+                        <m:t>≥</m:t>
+                      </m:r>
+                      <m:sSup>
+                        <m:sSupPr>
+                          <m:ctrlPr>
+                            <a:rPr lang="pl-PL" sz="2800" b="0" i="1" smtClean="0">
+                              <a:latin typeface="Cambria Math"/>
+                              <a:ea typeface="Cambria Math"/>
+                            </a:rPr>
+                          </m:ctrlPr>
+                        </m:sSupPr>
+                        <m:e>
+                          <m:r>
+                            <a:rPr lang="pl-PL" sz="2800" b="0" i="1" smtClean="0">
+                              <a:latin typeface="Cambria Math"/>
+                              <a:ea typeface="Cambria Math"/>
+                            </a:rPr>
+                            <m:t>𝑑𝑖𝑠𝑡𝑎𝑛𝑐𝑒</m:t>
+                          </m:r>
+                        </m:e>
+                        <m:sup>
+                          <m:r>
+                            <a:rPr lang="pl-PL" sz="2800" b="0" i="1" smtClean="0">
+                              <a:latin typeface="Cambria Math"/>
+                              <a:ea typeface="Cambria Math"/>
+                            </a:rPr>
+                            <m:t>𝑟</m:t>
+                          </m:r>
+                        </m:sup>
+                      </m:sSup>
+                      <m:d>
+                        <m:dPr>
+                          <m:ctrlPr>
+                            <a:rPr lang="pl-PL" sz="2800" b="0" i="1" smtClean="0">
+                              <a:latin typeface="Cambria Math"/>
+                              <a:ea typeface="Cambria Math"/>
+                            </a:rPr>
+                          </m:ctrlPr>
+                        </m:dPr>
+                        <m:e>
+                          <m:r>
+                            <a:rPr lang="pl-PL" sz="2800" b="0" i="1" smtClean="0">
+                              <a:latin typeface="Cambria Math"/>
+                              <a:ea typeface="Cambria Math"/>
+                            </a:rPr>
+                            <m:t>𝑝</m:t>
+                          </m:r>
+                          <m:r>
+                            <a:rPr lang="pl-PL" sz="2800" b="0" i="1" smtClean="0">
+                              <a:latin typeface="Cambria Math"/>
+                              <a:ea typeface="Cambria Math"/>
+                            </a:rPr>
+                            <m:t>,</m:t>
+                          </m:r>
+                          <m:r>
+                            <a:rPr lang="pl-PL" sz="2800" b="0" i="1" smtClean="0">
+                              <a:latin typeface="Cambria Math"/>
+                              <a:ea typeface="Cambria Math"/>
+                            </a:rPr>
+                            <m:t>𝑞</m:t>
+                          </m:r>
+                        </m:e>
+                      </m:d>
+                      <m:r>
+                        <a:rPr lang="pl-PL" sz="2800" b="0" i="1" smtClean="0">
+                          <a:latin typeface="Cambria Math"/>
+                          <a:ea typeface="Cambria Math"/>
+                        </a:rPr>
+                        <m:t>&gt;</m:t>
+                      </m:r>
+                      <m:r>
+                        <a:rPr lang="pl-PL" sz="2800" b="0" i="1" smtClean="0">
+                          <a:latin typeface="Cambria Math"/>
+                          <a:ea typeface="Cambria Math"/>
+                        </a:rPr>
+                        <m:t>𝐸𝑝𝑠</m:t>
+                      </m:r>
+                    </m:oMath>
+                  </m:oMathPara>
+                </a14:m>
+                <a:r>
+                  <a:rPr lang="pl-PL" sz="2800" b="0" dirty="0" smtClean="0">
+                    <a:ea typeface="Cambria Math"/>
+                  </a:rPr>
+                  <a:t/>
+                </a:r>
+                <a:br>
+                  <a:rPr lang="pl-PL" sz="2800" b="0" dirty="0" smtClean="0">
+                    <a:ea typeface="Cambria Math"/>
+                  </a:rPr>
+                </a:br>
+                <a:r>
+                  <a:rPr lang="pl-PL" sz="2800" b="0" dirty="0" smtClean="0">
+                    <a:ea typeface="Cambria Math"/>
+                  </a:rPr>
+                  <a:t/>
+                </a:r>
+                <a:br>
+                  <a:rPr lang="pl-PL" sz="2800" b="0" dirty="0" smtClean="0">
+                    <a:ea typeface="Cambria Math"/>
+                  </a:rPr>
+                </a:br>
+                <a:endParaRPr lang="pl-PL" sz="2800" dirty="0"/>
+              </a:p>
+            </p:txBody>
+          </p:sp>
+        </mc:Choice>
+        <mc:Fallback xmlns="">
+          <p:sp>
+            <p:nvSpPr>
+              <p:cNvPr id="19" name="Symbol zastępczy zawartości 2"/>
+              <p:cNvSpPr>
+                <a:spLocks noGrp="1" noRot="1" noChangeAspect="1" noMove="1" noResize="1" noEditPoints="1" noAdjustHandles="1" noChangeArrowheads="1" noChangeShapeType="1" noTextEdit="1"/>
+              </p:cNvSpPr>
+              <p:nvPr>
+                <p:ph idx="1"/>
+              </p:nvPr>
+            </p:nvSpPr>
+            <p:spPr>
+              <a:xfrm>
+                <a:off x="446856" y="1268760"/>
+                <a:ext cx="8229600" cy="4525963"/>
+              </a:xfrm>
+              <a:blipFill rotWithShape="1">
+                <a:blip r:embed="rId3"/>
+                <a:stretch>
+                  <a:fillRect l="-1481" t="-1211"/>
+                </a:stretch>
+              </a:blipFill>
+            </p:spPr>
+            <p:txBody>
+              <a:bodyPr/>
+              <a:lstStyle/>
+              <a:p>
+                <a:r>
+                  <a:rPr lang="pl-PL">
+                    <a:noFill/>
+                  </a:rPr>
+                  <a:t> </a:t>
+                </a:r>
+              </a:p>
+            </p:txBody>
+          </p:sp>
+        </mc:Fallback>
+      </mc:AlternateContent>
       <p:sp>
         <p:nvSpPr>
           <p:cNvPr id="4" name="Prostokąt 3"/>
@@ -25034,57 +26356,6 @@
       </p:sp>
       <p:sp>
         <p:nvSpPr>
-          <p:cNvPr id="13" name="Rectangle 3"/>
-          <p:cNvSpPr txBox="1">
-            <a:spLocks noRot="1" noChangeAspect="1" noMove="1" noResize="1" noEditPoints="1" noAdjustHandles="1" noChangeArrowheads="1" noChangeShapeType="1" noTextEdit="1"/>
-          </p:cNvSpPr>
-          <p:nvPr/>
-        </p:nvSpPr>
-        <p:spPr bwMode="auto">
-          <a:xfrm>
-            <a:off x="111125" y="1340768"/>
-            <a:ext cx="8575675" cy="4785395"/>
-          </a:xfrm>
-          <a:prstGeom prst="rect">
-            <a:avLst/>
-          </a:prstGeom>
-          <a:blipFill rotWithShape="1">
-            <a:blip r:embed="rId3"/>
-            <a:stretch>
-              <a:fillRect l="-1066" t="-1019"/>
-            </a:stretch>
-          </a:blipFill>
-          <a:ln>
-            <a:noFill/>
-          </a:ln>
-          <a:extLst>
-            <a:ext uri="{91240B29-F687-4F45-9708-019B960494DF}">
-              <a14:hiddenLine xmlns:a14="http://schemas.microsoft.com/office/drawing/2010/main" w="9525">
-                <a:solidFill>
-                  <a:srgbClr val="000000"/>
-                </a:solidFill>
-                <a:miter lim="800000"/>
-                <a:headEnd/>
-                <a:tailEnd/>
-              </a14:hiddenLine>
-            </a:ext>
-          </a:extLst>
-        </p:spPr>
-        <p:txBody>
-          <a:bodyPr/>
-          <a:lstStyle/>
-          <a:p>
-            <a:r>
-              <a:rPr lang="pl-PL">
-                <a:noFill/>
-              </a:rPr>
-              <a:t> </a:t>
-            </a:r>
-          </a:p>
-        </p:txBody>
-      </p:sp>
-      <p:sp>
-        <p:nvSpPr>
           <p:cNvPr id="6152" name="Left Brace 9"/>
           <p:cNvSpPr>
             <a:spLocks/>
@@ -25093,7 +26364,7 @@
         </p:nvSpPr>
         <p:spPr bwMode="auto">
           <a:xfrm rot="-5400000">
-            <a:off x="4002088" y="2312988"/>
+            <a:off x="5221497" y="2385442"/>
             <a:ext cx="319087" cy="2262187"/>
           </a:xfrm>
           <a:prstGeom prst="leftBrace">
@@ -25139,7 +26410,7 @@
         </p:nvSpPr>
         <p:spPr bwMode="auto">
           <a:xfrm>
-            <a:off x="2339975" y="3614738"/>
+            <a:off x="3563888" y="3615110"/>
             <a:ext cx="3643313" cy="461962"/>
           </a:xfrm>
           <a:prstGeom prst="rect">
@@ -25299,7 +26570,7 @@
         </p:nvGrpSpPr>
         <p:grpSpPr bwMode="auto">
           <a:xfrm>
-            <a:off x="2555875" y="4365625"/>
+            <a:off x="2904405" y="4365625"/>
             <a:ext cx="3179763" cy="1946275"/>
             <a:chOff x="2268538" y="3391945"/>
             <a:chExt cx="4998756" cy="3061243"/>
@@ -25961,7 +27232,7 @@
           <a:graphicData uri="http://schemas.openxmlformats.org/presentationml/2006/ole">
             <mc:AlternateContent xmlns:mc="http://schemas.openxmlformats.org/markup-compatibility/2006">
               <mc:Choice xmlns:v="urn:schemas-microsoft-com:vml" Requires="v">
-                <p:oleObj spid="_x0000_s7196" name="Bitmap Image" r:id="rId4" imgW="4172532" imgH="3038095" progId="PBrush">
+                <p:oleObj spid="_x0000_s7208" name="Bitmap Image" r:id="rId4" imgW="4172532" imgH="3038095" progId="PBrush">
                   <p:embed/>
                 </p:oleObj>
               </mc:Choice>
@@ -27786,42 +29057,859 @@
           </a:p>
         </p:txBody>
       </p:sp>
-      <p:sp>
-        <p:nvSpPr>
-          <p:cNvPr id="38" name="pole tekstowe 37"/>
-          <p:cNvSpPr txBox="1">
-            <a:spLocks noRot="1" noChangeAspect="1" noMove="1" noResize="1" noEditPoints="1" noAdjustHandles="1" noChangeArrowheads="1" noChangeShapeType="1" noTextEdit="1"/>
-          </p:cNvSpPr>
-          <p:nvPr/>
-        </p:nvSpPr>
-        <p:spPr>
-          <a:xfrm>
-            <a:off x="251520" y="1844824"/>
-            <a:ext cx="8640960" cy="2635722"/>
-          </a:xfrm>
-          <a:prstGeom prst="rect">
-            <a:avLst/>
-          </a:prstGeom>
-          <a:blipFill rotWithShape="1">
-            <a:blip r:embed="rId3"/>
-            <a:stretch>
-              <a:fillRect t="-2083" b="-694"/>
-            </a:stretch>
-          </a:blipFill>
-        </p:spPr>
-        <p:txBody>
-          <a:bodyPr/>
-          <a:lstStyle/>
-          <a:p>
-            <a:r>
-              <a:rPr lang="pl-PL">
-                <a:noFill/>
-              </a:rPr>
-              <a:t> </a:t>
-            </a:r>
-          </a:p>
-        </p:txBody>
-      </p:sp>
+      <mc:AlternateContent xmlns:mc="http://schemas.openxmlformats.org/markup-compatibility/2006" xmlns:a14="http://schemas.microsoft.com/office/drawing/2010/main">
+        <mc:Choice Requires="a14">
+          <p:sp>
+            <p:nvSpPr>
+              <p:cNvPr id="9" name="Symbol zastępczy zawartości 2"/>
+              <p:cNvSpPr>
+                <a:spLocks noGrp="1"/>
+              </p:cNvSpPr>
+              <p:nvPr>
+                <p:ph idx="1"/>
+              </p:nvPr>
+            </p:nvSpPr>
+            <p:spPr>
+              <a:xfrm>
+                <a:off x="458788" y="1700808"/>
+                <a:ext cx="8229600" cy="4525963"/>
+              </a:xfrm>
+            </p:spPr>
+            <p:txBody>
+              <a:bodyPr/>
+              <a:lstStyle/>
+              <a:p>
+                <a:pPr marL="0" indent="0">
+                  <a:buNone/>
+                </a:pPr>
+                <a:r>
+                  <a:rPr lang="pl-PL" sz="2800" dirty="0" smtClean="0"/>
+                  <a:t>Dla każdego wymiaru </a:t>
+                </a:r>
+                <a14:m>
+                  <m:oMath xmlns:m="http://schemas.openxmlformats.org/officeDocument/2006/math">
+                    <m:r>
+                      <a:rPr lang="pl-PL" sz="2800" i="1" dirty="0" smtClean="0">
+                        <a:latin typeface="Cambria Math"/>
+                      </a:rPr>
+                      <m:t>𝑙</m:t>
+                    </m:r>
+                    <m:r>
+                      <a:rPr lang="pl-PL" sz="2800" b="0" i="1" dirty="0" smtClean="0">
+                        <a:latin typeface="Cambria Math"/>
+                      </a:rPr>
+                      <m:t>,</m:t>
+                    </m:r>
+                    <m:r>
+                      <a:rPr lang="pl-PL" sz="2800" b="0" i="1" dirty="0" smtClean="0">
+                        <a:latin typeface="Cambria Math"/>
+                      </a:rPr>
+                      <m:t>𝑙</m:t>
+                    </m:r>
+                    <m:r>
+                      <a:rPr lang="pl-PL" sz="2800" b="0" i="1" dirty="0" smtClean="0">
+                        <a:latin typeface="Cambria Math"/>
+                        <a:ea typeface="Cambria Math"/>
+                      </a:rPr>
+                      <m:t>∈[1,…,</m:t>
+                    </m:r>
+                    <m:r>
+                      <a:rPr lang="pl-PL" sz="2800" b="0" i="1" dirty="0" smtClean="0">
+                        <a:latin typeface="Cambria Math"/>
+                        <a:ea typeface="Cambria Math"/>
+                      </a:rPr>
+                      <m:t>𝑛</m:t>
+                    </m:r>
+                    <m:r>
+                      <a:rPr lang="pl-PL" sz="2800" b="0" i="1" dirty="0" smtClean="0">
+                        <a:latin typeface="Cambria Math"/>
+                        <a:ea typeface="Cambria Math"/>
+                      </a:rPr>
+                      <m:t>]</m:t>
+                    </m:r>
+                  </m:oMath>
+                </a14:m>
+                <a:r>
+                  <a:rPr lang="pl-PL" sz="2800" dirty="0" smtClean="0"/>
+                  <a:t> i punktów </a:t>
+                </a:r>
+                <a14:m>
+                  <m:oMath xmlns:m="http://schemas.openxmlformats.org/officeDocument/2006/math">
+                    <m:r>
+                      <a:rPr lang="pl-PL" sz="2800" i="1" dirty="0" smtClean="0">
+                        <a:latin typeface="Cambria Math"/>
+                      </a:rPr>
+                      <m:t>𝑝</m:t>
+                    </m:r>
+                  </m:oMath>
+                </a14:m>
+                <a:r>
+                  <a:rPr lang="pl-PL" sz="2800" dirty="0" smtClean="0"/>
+                  <a:t> i </a:t>
+                </a:r>
+                <a14:m>
+                  <m:oMath xmlns:m="http://schemas.openxmlformats.org/officeDocument/2006/math">
+                    <m:r>
+                      <a:rPr lang="pl-PL" sz="2800" i="1" dirty="0" smtClean="0">
+                        <a:latin typeface="Cambria Math"/>
+                      </a:rPr>
+                      <m:t>𝑞</m:t>
+                    </m:r>
+                  </m:oMath>
+                </a14:m>
+                <a:r>
+                  <a:rPr lang="pl-PL" sz="2800" dirty="0" smtClean="0"/>
+                  <a:t>:</a:t>
+                </a:r>
+                <a:br>
+                  <a:rPr lang="pl-PL" sz="2800" dirty="0" smtClean="0"/>
+                </a:br>
+                <a:endParaRPr lang="pl-PL" sz="2800" dirty="0" smtClean="0"/>
+              </a:p>
+              <a:p>
+                <a:pPr marL="0" indent="0" algn="ctr">
+                  <a:buNone/>
+                </a:pPr>
+                <a14:m>
+                  <m:oMathPara xmlns:m="http://schemas.openxmlformats.org/officeDocument/2006/math">
+                    <m:oMathParaPr>
+                      <m:jc m:val="centerGroup"/>
+                    </m:oMathParaPr>
+                    <m:oMath xmlns:m="http://schemas.openxmlformats.org/officeDocument/2006/math">
+                      <m:d>
+                        <m:dPr>
+                          <m:begChr m:val="|"/>
+                          <m:endChr m:val="|"/>
+                          <m:ctrlPr>
+                            <a:rPr lang="pl-PL" sz="2000" i="1" smtClean="0">
+                              <a:latin typeface="Cambria Math"/>
+                            </a:rPr>
+                          </m:ctrlPr>
+                        </m:dPr>
+                        <m:e>
+                          <m:sSub>
+                            <m:sSubPr>
+                              <m:ctrlPr>
+                                <a:rPr lang="pl-PL" sz="2000" i="1" smtClean="0">
+                                  <a:latin typeface="Cambria Math"/>
+                                </a:rPr>
+                              </m:ctrlPr>
+                            </m:sSubPr>
+                            <m:e>
+                              <m:r>
+                                <a:rPr lang="pl-PL" sz="2000" b="0" i="1" smtClean="0">
+                                  <a:latin typeface="Cambria Math"/>
+                                </a:rPr>
+                                <m:t>𝑝</m:t>
+                              </m:r>
+                            </m:e>
+                            <m:sub>
+                              <m:r>
+                                <a:rPr lang="pl-PL" sz="2000" b="0" i="1" smtClean="0">
+                                  <a:latin typeface="Cambria Math"/>
+                                </a:rPr>
+                                <m:t>𝑙</m:t>
+                              </m:r>
+                            </m:sub>
+                          </m:sSub>
+                          <m:r>
+                            <a:rPr lang="pl-PL" sz="2000" b="0" i="1" smtClean="0">
+                              <a:latin typeface="Cambria Math"/>
+                            </a:rPr>
+                            <m:t>−</m:t>
+                          </m:r>
+                          <m:sSub>
+                            <m:sSubPr>
+                              <m:ctrlPr>
+                                <a:rPr lang="pl-PL" sz="2000" b="0" i="1" smtClean="0">
+                                  <a:latin typeface="Cambria Math"/>
+                                </a:rPr>
+                              </m:ctrlPr>
+                            </m:sSubPr>
+                            <m:e>
+                              <m:r>
+                                <a:rPr lang="pl-PL" sz="2000" b="0" i="1" smtClean="0">
+                                  <a:latin typeface="Cambria Math"/>
+                                </a:rPr>
+                                <m:t>𝑞</m:t>
+                              </m:r>
+                            </m:e>
+                            <m:sub>
+                              <m:r>
+                                <a:rPr lang="pl-PL" sz="2000" b="0" i="1" smtClean="0">
+                                  <a:latin typeface="Cambria Math"/>
+                                </a:rPr>
+                                <m:t>𝑙</m:t>
+                              </m:r>
+                            </m:sub>
+                          </m:sSub>
+                        </m:e>
+                      </m:d>
+                      <m:r>
+                        <a:rPr lang="pl-PL" sz="2000" b="0" i="1" smtClean="0">
+                          <a:latin typeface="Cambria Math"/>
+                        </a:rPr>
+                        <m:t>=</m:t>
+                      </m:r>
+                      <m:rad>
+                        <m:radPr>
+                          <m:degHide m:val="on"/>
+                          <m:ctrlPr>
+                            <a:rPr lang="pl-PL" sz="2000" b="0" i="1" smtClean="0">
+                              <a:latin typeface="Cambria Math"/>
+                            </a:rPr>
+                          </m:ctrlPr>
+                        </m:radPr>
+                        <m:deg/>
+                        <m:e>
+                          <m:sSup>
+                            <m:sSupPr>
+                              <m:ctrlPr>
+                                <a:rPr lang="pl-PL" sz="2000" b="0" i="1" smtClean="0">
+                                  <a:latin typeface="Cambria Math"/>
+                                </a:rPr>
+                              </m:ctrlPr>
+                            </m:sSupPr>
+                            <m:e>
+                              <m:r>
+                                <a:rPr lang="pl-PL" sz="2000" b="0" i="1" smtClean="0">
+                                  <a:latin typeface="Cambria Math"/>
+                                </a:rPr>
+                                <m:t>(</m:t>
+                              </m:r>
+                              <m:sSubSup>
+                                <m:sSubSupPr>
+                                  <m:ctrlPr>
+                                    <a:rPr lang="pl-PL" sz="2000" b="0" i="1" smtClean="0">
+                                      <a:latin typeface="Cambria Math"/>
+                                    </a:rPr>
+                                  </m:ctrlPr>
+                                </m:sSubSupPr>
+                                <m:e>
+                                  <m:r>
+                                    <a:rPr lang="pl-PL" sz="2000" b="0" i="1" smtClean="0">
+                                      <a:latin typeface="Cambria Math"/>
+                                    </a:rPr>
+                                    <m:t>𝑝</m:t>
+                                  </m:r>
+                                </m:e>
+                                <m:sub>
+                                  <m:r>
+                                    <a:rPr lang="pl-PL" sz="2000" b="0" i="1" smtClean="0">
+                                      <a:latin typeface="Cambria Math"/>
+                                    </a:rPr>
+                                    <m:t>𝑙</m:t>
+                                  </m:r>
+                                </m:sub>
+                                <m:sup/>
+                              </m:sSubSup>
+                              <m:r>
+                                <a:rPr lang="pl-PL" sz="2000" b="0" i="1" smtClean="0">
+                                  <a:latin typeface="Cambria Math"/>
+                                </a:rPr>
+                                <m:t>−</m:t>
+                              </m:r>
+                              <m:sSubSup>
+                                <m:sSubSupPr>
+                                  <m:ctrlPr>
+                                    <a:rPr lang="pl-PL" sz="2000" b="0" i="1" smtClean="0">
+                                      <a:latin typeface="Cambria Math"/>
+                                    </a:rPr>
+                                  </m:ctrlPr>
+                                </m:sSubSupPr>
+                                <m:e>
+                                  <m:r>
+                                    <a:rPr lang="pl-PL" sz="2000" b="0" i="1" smtClean="0">
+                                      <a:latin typeface="Cambria Math"/>
+                                    </a:rPr>
+                                    <m:t>𝑞</m:t>
+                                  </m:r>
+                                </m:e>
+                                <m:sub>
+                                  <m:r>
+                                    <a:rPr lang="pl-PL" sz="2000" b="0" i="1" smtClean="0">
+                                      <a:latin typeface="Cambria Math"/>
+                                    </a:rPr>
+                                    <m:t>𝑙</m:t>
+                                  </m:r>
+                                </m:sub>
+                                <m:sup/>
+                              </m:sSubSup>
+                              <m:r>
+                                <a:rPr lang="pl-PL" sz="2000" b="0" i="1" smtClean="0">
+                                  <a:latin typeface="Cambria Math"/>
+                                </a:rPr>
+                                <m:t>)</m:t>
+                              </m:r>
+                            </m:e>
+                            <m:sup>
+                              <m:r>
+                                <a:rPr lang="pl-PL" sz="2000" b="0" i="1" smtClean="0">
+                                  <a:latin typeface="Cambria Math"/>
+                                </a:rPr>
+                                <m:t>2</m:t>
+                              </m:r>
+                            </m:sup>
+                          </m:sSup>
+                        </m:e>
+                      </m:rad>
+                      <m:r>
+                        <a:rPr lang="pl-PL" sz="2000" b="0" i="1" smtClean="0">
+                          <a:latin typeface="Cambria Math"/>
+                          <a:ea typeface="Cambria Math"/>
+                        </a:rPr>
+                        <m:t>≤</m:t>
+                      </m:r>
+                      <m:rad>
+                        <m:radPr>
+                          <m:degHide m:val="on"/>
+                          <m:ctrlPr>
+                            <a:rPr lang="pl-PL" sz="2000" b="0" i="1" smtClean="0">
+                              <a:latin typeface="Cambria Math"/>
+                              <a:ea typeface="Cambria Math"/>
+                            </a:rPr>
+                          </m:ctrlPr>
+                        </m:radPr>
+                        <m:deg/>
+                        <m:e>
+                          <m:nary>
+                            <m:naryPr>
+                              <m:chr m:val="∑"/>
+                              <m:limLoc m:val="subSup"/>
+                              <m:supHide m:val="on"/>
+                              <m:ctrlPr>
+                                <a:rPr lang="pl-PL" sz="2000" b="0" i="1" smtClean="0">
+                                  <a:latin typeface="Cambria Math"/>
+                                  <a:ea typeface="Cambria Math"/>
+                                </a:rPr>
+                              </m:ctrlPr>
+                            </m:naryPr>
+                            <m:sub>
+                              <m:r>
+                                <m:rPr>
+                                  <m:brk m:alnAt="9"/>
+                                </m:rPr>
+                                <a:rPr lang="pl-PL" sz="2000" b="0" i="1" smtClean="0">
+                                  <a:latin typeface="Cambria Math"/>
+                                  <a:ea typeface="Cambria Math"/>
+                                </a:rPr>
+                                <m:t>𝑖</m:t>
+                              </m:r>
+                              <m:r>
+                                <a:rPr lang="pl-PL" sz="2000" b="0" i="1" smtClean="0">
+                                  <a:latin typeface="Cambria Math"/>
+                                  <a:ea typeface="Cambria Math"/>
+                                </a:rPr>
+                                <m:t>=1..</m:t>
+                              </m:r>
+                              <m:r>
+                                <a:rPr lang="pl-PL" sz="2000" b="0" i="1" smtClean="0">
+                                  <a:latin typeface="Cambria Math"/>
+                                  <a:ea typeface="Cambria Math"/>
+                                </a:rPr>
+                                <m:t>𝑛</m:t>
+                              </m:r>
+                            </m:sub>
+                            <m:sup/>
+                            <m:e>
+                              <m:sSup>
+                                <m:sSupPr>
+                                  <m:ctrlPr>
+                                    <a:rPr lang="pl-PL" sz="2000" b="0" i="1" smtClean="0">
+                                      <a:latin typeface="Cambria Math"/>
+                                      <a:ea typeface="Cambria Math"/>
+                                    </a:rPr>
+                                  </m:ctrlPr>
+                                </m:sSupPr>
+                                <m:e>
+                                  <m:d>
+                                    <m:dPr>
+                                      <m:ctrlPr>
+                                        <a:rPr lang="pl-PL" sz="2000" i="1">
+                                          <a:latin typeface="Cambria Math"/>
+                                          <a:ea typeface="Cambria Math"/>
+                                        </a:rPr>
+                                      </m:ctrlPr>
+                                    </m:dPr>
+                                    <m:e>
+                                      <m:sSub>
+                                        <m:sSubPr>
+                                          <m:ctrlPr>
+                                            <a:rPr lang="pl-PL" sz="2000" i="1">
+                                              <a:latin typeface="Cambria Math"/>
+                                              <a:ea typeface="Cambria Math"/>
+                                            </a:rPr>
+                                          </m:ctrlPr>
+                                        </m:sSubPr>
+                                        <m:e>
+                                          <m:r>
+                                            <a:rPr lang="pl-PL" sz="2000" i="1">
+                                              <a:latin typeface="Cambria Math"/>
+                                              <a:ea typeface="Cambria Math"/>
+                                            </a:rPr>
+                                            <m:t>𝑝</m:t>
+                                          </m:r>
+                                        </m:e>
+                                        <m:sub>
+                                          <m:r>
+                                            <a:rPr lang="pl-PL" sz="2000" i="1">
+                                              <a:latin typeface="Cambria Math"/>
+                                              <a:ea typeface="Cambria Math"/>
+                                            </a:rPr>
+                                            <m:t>𝑙</m:t>
+                                          </m:r>
+                                        </m:sub>
+                                      </m:sSub>
+                                      <m:r>
+                                        <a:rPr lang="pl-PL" sz="2000" i="1">
+                                          <a:latin typeface="Cambria Math"/>
+                                          <a:ea typeface="Cambria Math"/>
+                                        </a:rPr>
+                                        <m:t>−</m:t>
+                                      </m:r>
+                                      <m:sSub>
+                                        <m:sSubPr>
+                                          <m:ctrlPr>
+                                            <a:rPr lang="pl-PL" sz="2000" i="1">
+                                              <a:latin typeface="Cambria Math"/>
+                                              <a:ea typeface="Cambria Math"/>
+                                            </a:rPr>
+                                          </m:ctrlPr>
+                                        </m:sSubPr>
+                                        <m:e>
+                                          <m:r>
+                                            <a:rPr lang="pl-PL" sz="2000" i="1">
+                                              <a:latin typeface="Cambria Math"/>
+                                              <a:ea typeface="Cambria Math"/>
+                                            </a:rPr>
+                                            <m:t>𝑝</m:t>
+                                          </m:r>
+                                        </m:e>
+                                        <m:sub>
+                                          <m:r>
+                                            <a:rPr lang="pl-PL" sz="2000" i="1">
+                                              <a:latin typeface="Cambria Math"/>
+                                              <a:ea typeface="Cambria Math"/>
+                                            </a:rPr>
+                                            <m:t>𝑞</m:t>
+                                          </m:r>
+                                        </m:sub>
+                                      </m:sSub>
+                                    </m:e>
+                                  </m:d>
+                                </m:e>
+                                <m:sup>
+                                  <m:r>
+                                    <a:rPr lang="pl-PL" sz="2000" b="0" i="1" smtClean="0">
+                                      <a:latin typeface="Cambria Math"/>
+                                      <a:ea typeface="Cambria Math"/>
+                                    </a:rPr>
+                                    <m:t>2</m:t>
+                                  </m:r>
+                                </m:sup>
+                              </m:sSup>
+                            </m:e>
+                          </m:nary>
+                        </m:e>
+                      </m:rad>
+                      <m:r>
+                        <a:rPr lang="pl-PL" sz="2000" b="0" i="1" smtClean="0">
+                          <a:latin typeface="Cambria Math"/>
+                          <a:ea typeface="Cambria Math"/>
+                        </a:rPr>
+                        <m:t>=</m:t>
+                      </m:r>
+                      <m:r>
+                        <a:rPr lang="pl-PL" sz="2000" b="0" i="1" smtClean="0">
+                          <a:latin typeface="Cambria Math"/>
+                          <a:ea typeface="Cambria Math"/>
+                        </a:rPr>
+                        <m:t>𝐸𝑢𝑐𝑙𝑖𝑑𝑒𝑎𝑛</m:t>
+                      </m:r>
+                      <m:d>
+                        <m:dPr>
+                          <m:ctrlPr>
+                            <a:rPr lang="pl-PL" sz="2000" b="0" i="1" smtClean="0">
+                              <a:latin typeface="Cambria Math"/>
+                              <a:ea typeface="Cambria Math"/>
+                            </a:rPr>
+                          </m:ctrlPr>
+                        </m:dPr>
+                        <m:e>
+                          <m:r>
+                            <a:rPr lang="pl-PL" sz="2000" b="0" i="1" smtClean="0">
+                              <a:latin typeface="Cambria Math"/>
+                              <a:ea typeface="Cambria Math"/>
+                            </a:rPr>
+                            <m:t>𝑝</m:t>
+                          </m:r>
+                          <m:r>
+                            <a:rPr lang="pl-PL" sz="2000" b="0" i="1" smtClean="0">
+                              <a:latin typeface="Cambria Math"/>
+                              <a:ea typeface="Cambria Math"/>
+                            </a:rPr>
+                            <m:t>,</m:t>
+                          </m:r>
+                          <m:r>
+                            <a:rPr lang="pl-PL" sz="2000" b="0" i="1" smtClean="0">
+                              <a:latin typeface="Cambria Math"/>
+                              <a:ea typeface="Cambria Math"/>
+                            </a:rPr>
+                            <m:t>𝑞</m:t>
+                          </m:r>
+                        </m:e>
+                      </m:d>
+                    </m:oMath>
+                  </m:oMathPara>
+                </a14:m>
+                <a:r>
+                  <a:rPr lang="pl-PL" sz="2000" dirty="0" smtClean="0"/>
+                  <a:t/>
+                </a:r>
+                <a:br>
+                  <a:rPr lang="pl-PL" sz="2000" dirty="0" smtClean="0"/>
+                </a:br>
+                <a:r>
+                  <a:rPr lang="pl-PL" sz="2000" dirty="0" smtClean="0"/>
+                  <a:t/>
+                </a:r>
+                <a:br>
+                  <a:rPr lang="pl-PL" sz="2000" dirty="0" smtClean="0"/>
+                </a:br>
+                <a:r>
+                  <a:rPr lang="pl-PL" sz="2000" dirty="0" smtClean="0"/>
+                  <a:t/>
+                </a:r>
+                <a:br>
+                  <a:rPr lang="pl-PL" sz="2000" dirty="0" smtClean="0"/>
+                </a:br>
+                <a14:m>
+                  <m:oMathPara xmlns:m="http://schemas.openxmlformats.org/officeDocument/2006/math">
+                    <m:oMathParaPr>
+                      <m:jc m:val="centerGroup"/>
+                    </m:oMathParaPr>
+                    <m:oMath xmlns:m="http://schemas.openxmlformats.org/officeDocument/2006/math">
+                      <m:d>
+                        <m:dPr>
+                          <m:begChr m:val="|"/>
+                          <m:endChr m:val="|"/>
+                          <m:ctrlPr>
+                            <a:rPr lang="pl-PL" sz="2000" i="1">
+                              <a:latin typeface="Cambria Math"/>
+                            </a:rPr>
+                          </m:ctrlPr>
+                        </m:dPr>
+                        <m:e>
+                          <m:sSub>
+                            <m:sSubPr>
+                              <m:ctrlPr>
+                                <a:rPr lang="pl-PL" sz="2000" i="1">
+                                  <a:latin typeface="Cambria Math"/>
+                                </a:rPr>
+                              </m:ctrlPr>
+                            </m:sSubPr>
+                            <m:e>
+                              <m:r>
+                                <a:rPr lang="pl-PL" sz="2000" i="1">
+                                  <a:latin typeface="Cambria Math"/>
+                                </a:rPr>
+                                <m:t>𝑝</m:t>
+                              </m:r>
+                            </m:e>
+                            <m:sub>
+                              <m:r>
+                                <a:rPr lang="pl-PL" sz="2000" i="1">
+                                  <a:latin typeface="Cambria Math"/>
+                                </a:rPr>
+                                <m:t>𝑙</m:t>
+                              </m:r>
+                            </m:sub>
+                          </m:sSub>
+                          <m:r>
+                            <a:rPr lang="pl-PL" sz="2000" i="1">
+                              <a:latin typeface="Cambria Math"/>
+                            </a:rPr>
+                            <m:t>−</m:t>
+                          </m:r>
+                          <m:sSub>
+                            <m:sSubPr>
+                              <m:ctrlPr>
+                                <a:rPr lang="pl-PL" sz="2000" i="1">
+                                  <a:latin typeface="Cambria Math"/>
+                                </a:rPr>
+                              </m:ctrlPr>
+                            </m:sSubPr>
+                            <m:e>
+                              <m:r>
+                                <a:rPr lang="pl-PL" sz="2000" i="1">
+                                  <a:latin typeface="Cambria Math"/>
+                                </a:rPr>
+                                <m:t>𝑞</m:t>
+                              </m:r>
+                            </m:e>
+                            <m:sub>
+                              <m:r>
+                                <a:rPr lang="pl-PL" sz="2000" i="1">
+                                  <a:latin typeface="Cambria Math"/>
+                                </a:rPr>
+                                <m:t>𝑙</m:t>
+                              </m:r>
+                            </m:sub>
+                          </m:sSub>
+                        </m:e>
+                      </m:d>
+                      <m:r>
+                        <a:rPr lang="pl-PL" sz="2000" b="0" i="1" smtClean="0">
+                          <a:latin typeface="Cambria Math"/>
+                        </a:rPr>
+                        <m:t>&gt;</m:t>
+                      </m:r>
+                      <m:r>
+                        <a:rPr lang="pl-PL" sz="2000" b="0" i="1" smtClean="0">
+                          <a:latin typeface="Cambria Math"/>
+                        </a:rPr>
+                        <m:t>𝐸𝑝𝑠</m:t>
+                      </m:r>
+                      <m:r>
+                        <a:rPr lang="pl-PL" sz="2000" b="0" i="1" smtClean="0">
+                          <a:latin typeface="Cambria Math"/>
+                          <a:ea typeface="Cambria Math"/>
+                        </a:rPr>
+                        <m:t>⇒</m:t>
+                      </m:r>
+                      <m:r>
+                        <a:rPr lang="pl-PL" sz="2000" b="0" i="1" smtClean="0">
+                          <a:latin typeface="Cambria Math"/>
+                          <a:ea typeface="Cambria Math"/>
+                        </a:rPr>
+                        <m:t>𝐸𝑢𝑐𝑙𝑖𝑑𝑒𝑎𝑛</m:t>
+                      </m:r>
+                      <m:d>
+                        <m:dPr>
+                          <m:ctrlPr>
+                            <a:rPr lang="pl-PL" sz="2000" b="0" i="1" smtClean="0">
+                              <a:latin typeface="Cambria Math"/>
+                              <a:ea typeface="Cambria Math"/>
+                            </a:rPr>
+                          </m:ctrlPr>
+                        </m:dPr>
+                        <m:e>
+                          <m:r>
+                            <a:rPr lang="pl-PL" sz="2000" b="0" i="1" smtClean="0">
+                              <a:latin typeface="Cambria Math"/>
+                              <a:ea typeface="Cambria Math"/>
+                            </a:rPr>
+                            <m:t>𝑝</m:t>
+                          </m:r>
+                          <m:r>
+                            <a:rPr lang="pl-PL" sz="2000" b="0" i="1" smtClean="0">
+                              <a:latin typeface="Cambria Math"/>
+                              <a:ea typeface="Cambria Math"/>
+                            </a:rPr>
+                            <m:t>,</m:t>
+                          </m:r>
+                          <m:r>
+                            <a:rPr lang="pl-PL" sz="2000" b="0" i="1" smtClean="0">
+                              <a:latin typeface="Cambria Math"/>
+                              <a:ea typeface="Cambria Math"/>
+                            </a:rPr>
+                            <m:t>𝑞</m:t>
+                          </m:r>
+                        </m:e>
+                      </m:d>
+                      <m:r>
+                        <a:rPr lang="pl-PL" sz="2000" b="0" i="1" smtClean="0">
+                          <a:latin typeface="Cambria Math"/>
+                          <a:ea typeface="Cambria Math"/>
+                        </a:rPr>
+                        <m:t>&gt;</m:t>
+                      </m:r>
+                      <m:r>
+                        <a:rPr lang="pl-PL" sz="2000" b="0" i="1" smtClean="0">
+                          <a:latin typeface="Cambria Math"/>
+                          <a:ea typeface="Cambria Math"/>
+                        </a:rPr>
+                        <m:t>𝐸𝑝𝑠</m:t>
+                      </m:r>
+                      <m:r>
+                        <a:rPr lang="pl-PL" sz="2000" b="0" i="1" smtClean="0">
+                          <a:latin typeface="Cambria Math"/>
+                          <a:ea typeface="Cambria Math"/>
+                        </a:rPr>
+                        <m:t>⇒</m:t>
+                      </m:r>
+                      <m:r>
+                        <a:rPr lang="pl-PL" sz="2000" b="0" i="1" smtClean="0">
+                          <a:latin typeface="Cambria Math"/>
+                          <a:ea typeface="Cambria Math"/>
+                        </a:rPr>
+                        <m:t>𝑝</m:t>
+                      </m:r>
+                      <m:r>
+                        <a:rPr lang="pl-PL" sz="2000" b="0" i="1" smtClean="0">
+                          <a:latin typeface="Cambria Math"/>
+                          <a:ea typeface="Cambria Math"/>
+                        </a:rPr>
+                        <m:t>∉</m:t>
+                      </m:r>
+                      <m:sSub>
+                        <m:sSubPr>
+                          <m:ctrlPr>
+                            <a:rPr lang="pl-PL" sz="2000" b="0" i="1" smtClean="0">
+                              <a:latin typeface="Cambria Math"/>
+                              <a:ea typeface="Cambria Math"/>
+                            </a:rPr>
+                          </m:ctrlPr>
+                        </m:sSubPr>
+                        <m:e>
+                          <m:r>
+                            <a:rPr lang="pl-PL" sz="2000" b="0" i="1" smtClean="0">
+                              <a:latin typeface="Cambria Math"/>
+                              <a:ea typeface="Cambria Math"/>
+                            </a:rPr>
+                            <m:t>𝑁</m:t>
+                          </m:r>
+                        </m:e>
+                        <m:sub>
+                          <m:r>
+                            <a:rPr lang="pl-PL" sz="2000" b="0" i="1" smtClean="0">
+                              <a:latin typeface="Cambria Math"/>
+                              <a:ea typeface="Cambria Math"/>
+                            </a:rPr>
+                            <m:t>𝐸𝑝𝑠</m:t>
+                          </m:r>
+                        </m:sub>
+                      </m:sSub>
+                      <m:r>
+                        <a:rPr lang="pl-PL" sz="2000" b="0" i="1" smtClean="0">
+                          <a:latin typeface="Cambria Math"/>
+                          <a:ea typeface="Cambria Math"/>
+                        </a:rPr>
+                        <m:t>(</m:t>
+                      </m:r>
+                      <m:r>
+                        <a:rPr lang="pl-PL" sz="2000" b="0" i="1" smtClean="0">
+                          <a:latin typeface="Cambria Math"/>
+                          <a:ea typeface="Cambria Math"/>
+                        </a:rPr>
+                        <m:t>𝑞</m:t>
+                      </m:r>
+                      <m:r>
+                        <a:rPr lang="pl-PL" sz="2000" b="0" i="1" smtClean="0">
+                          <a:latin typeface="Cambria Math"/>
+                          <a:ea typeface="Cambria Math"/>
+                        </a:rPr>
+                        <m:t>)∧</m:t>
+                      </m:r>
+                      <m:r>
+                        <a:rPr lang="pl-PL" sz="2000" b="0" i="1" smtClean="0">
+                          <a:latin typeface="Cambria Math"/>
+                          <a:ea typeface="Cambria Math"/>
+                        </a:rPr>
+                        <m:t>𝑞</m:t>
+                      </m:r>
+                      <m:r>
+                        <a:rPr lang="pl-PL" sz="2000" i="1">
+                          <a:latin typeface="Cambria Math"/>
+                          <a:ea typeface="Cambria Math"/>
+                        </a:rPr>
+                        <m:t>∉</m:t>
+                      </m:r>
+                      <m:sSub>
+                        <m:sSubPr>
+                          <m:ctrlPr>
+                            <a:rPr lang="pl-PL" sz="2000" i="1">
+                              <a:latin typeface="Cambria Math"/>
+                              <a:ea typeface="Cambria Math"/>
+                            </a:rPr>
+                          </m:ctrlPr>
+                        </m:sSubPr>
+                        <m:e>
+                          <m:r>
+                            <a:rPr lang="pl-PL" sz="2000" i="1">
+                              <a:latin typeface="Cambria Math"/>
+                              <a:ea typeface="Cambria Math"/>
+                            </a:rPr>
+                            <m:t>𝑁</m:t>
+                          </m:r>
+                        </m:e>
+                        <m:sub>
+                          <m:r>
+                            <a:rPr lang="pl-PL" sz="2000" i="1">
+                              <a:latin typeface="Cambria Math"/>
+                              <a:ea typeface="Cambria Math"/>
+                            </a:rPr>
+                            <m:t>𝐸𝑝𝑠</m:t>
+                          </m:r>
+                        </m:sub>
+                      </m:sSub>
+                      <m:r>
+                        <a:rPr lang="pl-PL" sz="2000" i="1">
+                          <a:latin typeface="Cambria Math"/>
+                          <a:ea typeface="Cambria Math"/>
+                        </a:rPr>
+                        <m:t>(</m:t>
+                      </m:r>
+                      <m:r>
+                        <a:rPr lang="pl-PL" sz="2000" b="0" i="1" smtClean="0">
+                          <a:latin typeface="Cambria Math"/>
+                          <a:ea typeface="Cambria Math"/>
+                        </a:rPr>
+                        <m:t>𝑝</m:t>
+                      </m:r>
+                      <m:r>
+                        <a:rPr lang="pl-PL" sz="2000" i="1">
+                          <a:latin typeface="Cambria Math"/>
+                          <a:ea typeface="Cambria Math"/>
+                        </a:rPr>
+                        <m:t>)</m:t>
+                      </m:r>
+                    </m:oMath>
+                  </m:oMathPara>
+                </a14:m>
+                <a:endParaRPr lang="pl-PL" sz="2000" dirty="0"/>
+              </a:p>
+            </p:txBody>
+          </p:sp>
+        </mc:Choice>
+        <mc:Fallback xmlns="">
+          <p:sp>
+            <p:nvSpPr>
+              <p:cNvPr id="9" name="Symbol zastępczy zawartości 2"/>
+              <p:cNvSpPr>
+                <a:spLocks noGrp="1" noRot="1" noChangeAspect="1" noMove="1" noResize="1" noEditPoints="1" noAdjustHandles="1" noChangeArrowheads="1" noChangeShapeType="1" noTextEdit="1"/>
+              </p:cNvSpPr>
+              <p:nvPr>
+                <p:ph idx="1"/>
+              </p:nvPr>
+            </p:nvSpPr>
+            <p:spPr>
+              <a:xfrm>
+                <a:off x="458788" y="1700808"/>
+                <a:ext cx="8229600" cy="4525963"/>
+              </a:xfrm>
+              <a:blipFill rotWithShape="1">
+                <a:blip r:embed="rId3"/>
+                <a:stretch>
+                  <a:fillRect l="-1481" t="-1213"/>
+                </a:stretch>
+              </a:blipFill>
+            </p:spPr>
+            <p:txBody>
+              <a:bodyPr/>
+              <a:lstStyle/>
+              <a:p>
+                <a:r>
+                  <a:rPr lang="pl-PL">
+                    <a:noFill/>
+                  </a:rPr>
+                  <a:t> </a:t>
+                </a:r>
+              </a:p>
+            </p:txBody>
+          </p:sp>
+        </mc:Fallback>
+      </mc:AlternateContent>
     </p:spTree>
   </p:cSld>
   <p:clrMapOvr>
@@ -28367,7 +30455,7 @@
             <a:pPr algn="l" eaLnBrk="1" hangingPunct="1"/>
             <a:r>
               <a:rPr lang="pl-PL" sz="3200" b="1" dirty="0" smtClean="0"/>
-              <a:t>Wykorzystanie drzewa metrycznego VP-</a:t>
+              <a:t>Wykorzystanie indeksu metrycznego VP-</a:t>
             </a:r>
             <a:r>
               <a:rPr lang="pl-PL" sz="3200" b="1" dirty="0" err="1" smtClean="0"/>
@@ -28377,6 +30465,1736 @@
           </a:p>
         </p:txBody>
       </p:sp>
+      <mc:AlternateContent xmlns:mc="http://schemas.openxmlformats.org/markup-compatibility/2006" xmlns:a14="http://schemas.microsoft.com/office/drawing/2010/main">
+        <mc:Choice Requires="a14">
+          <p:sp>
+            <p:nvSpPr>
+              <p:cNvPr id="8" name="Symbol zastępczy zawartości 2"/>
+              <p:cNvSpPr txBox="1">
+                <a:spLocks/>
+              </p:cNvSpPr>
+              <p:nvPr/>
+            </p:nvSpPr>
+            <p:spPr bwMode="auto">
+              <a:xfrm>
+                <a:off x="395536" y="1556792"/>
+                <a:ext cx="8208912" cy="1728192"/>
+              </a:xfrm>
+              <a:prstGeom prst="rect">
+                <a:avLst/>
+              </a:prstGeom>
+              <a:noFill/>
+              <a:ln>
+                <a:noFill/>
+              </a:ln>
+              <a:extLst>
+                <a:ext uri="{909E8E84-426E-40DD-AFC4-6F175D3DCCD1}">
+                  <a14:hiddenFill>
+                    <a:solidFill>
+                      <a:srgbClr val="FFFFFF"/>
+                    </a:solidFill>
+                  </a14:hiddenFill>
+                </a:ext>
+                <a:ext uri="{91240B29-F687-4F45-9708-019B960494DF}">
+                  <a14:hiddenLine w="9525">
+                    <a:solidFill>
+                      <a:srgbClr val="000000"/>
+                    </a:solidFill>
+                    <a:miter lim="800000"/>
+                    <a:headEnd/>
+                    <a:tailEnd/>
+                  </a14:hiddenLine>
+                </a:ext>
+              </a:extLst>
+            </p:spPr>
+            <p:txBody>
+              <a:bodyPr vert="horz" wrap="square" lIns="91440" tIns="45720" rIns="91440" bIns="45720" numCol="1" anchor="t" anchorCtr="0" compatLnSpc="1">
+                <a:prstTxWarp prst="textNoShape">
+                  <a:avLst/>
+                </a:prstTxWarp>
+              </a:bodyPr>
+              <a:lstStyle>
+                <a:lvl1pPr marL="342900" indent="-342900" algn="l" rtl="0" eaLnBrk="0" fontAlgn="base" hangingPunct="0">
+                  <a:spcBef>
+                    <a:spcPct val="20000"/>
+                  </a:spcBef>
+                  <a:spcAft>
+                    <a:spcPct val="0"/>
+                  </a:spcAft>
+                  <a:buFont typeface="Arial" charset="0"/>
+                  <a:buChar char="•"/>
+                  <a:defRPr sz="3200" kern="1200">
+                    <a:solidFill>
+                      <a:schemeClr val="tx1"/>
+                    </a:solidFill>
+                    <a:latin typeface="+mn-lt"/>
+                    <a:ea typeface="+mn-ea"/>
+                    <a:cs typeface="+mn-cs"/>
+                  </a:defRPr>
+                </a:lvl1pPr>
+                <a:lvl2pPr marL="742950" indent="-285750" algn="l" rtl="0" eaLnBrk="0" fontAlgn="base" hangingPunct="0">
+                  <a:spcBef>
+                    <a:spcPct val="20000"/>
+                  </a:spcBef>
+                  <a:spcAft>
+                    <a:spcPct val="0"/>
+                  </a:spcAft>
+                  <a:buFont typeface="Arial" charset="0"/>
+                  <a:buChar char="–"/>
+                  <a:defRPr sz="2800" kern="1200">
+                    <a:solidFill>
+                      <a:schemeClr val="tx1"/>
+                    </a:solidFill>
+                    <a:latin typeface="+mn-lt"/>
+                    <a:ea typeface="+mn-ea"/>
+                    <a:cs typeface="+mn-cs"/>
+                  </a:defRPr>
+                </a:lvl2pPr>
+                <a:lvl3pPr marL="1143000" indent="-228600" algn="l" rtl="0" eaLnBrk="0" fontAlgn="base" hangingPunct="0">
+                  <a:spcBef>
+                    <a:spcPct val="20000"/>
+                  </a:spcBef>
+                  <a:spcAft>
+                    <a:spcPct val="0"/>
+                  </a:spcAft>
+                  <a:buFont typeface="Arial" charset="0"/>
+                  <a:buChar char="•"/>
+                  <a:defRPr sz="2400" kern="1200">
+                    <a:solidFill>
+                      <a:schemeClr val="tx1"/>
+                    </a:solidFill>
+                    <a:latin typeface="+mn-lt"/>
+                    <a:ea typeface="+mn-ea"/>
+                    <a:cs typeface="+mn-cs"/>
+                  </a:defRPr>
+                </a:lvl3pPr>
+                <a:lvl4pPr marL="1600200" indent="-228600" algn="l" rtl="0" eaLnBrk="0" fontAlgn="base" hangingPunct="0">
+                  <a:spcBef>
+                    <a:spcPct val="20000"/>
+                  </a:spcBef>
+                  <a:spcAft>
+                    <a:spcPct val="0"/>
+                  </a:spcAft>
+                  <a:buFont typeface="Arial" charset="0"/>
+                  <a:buChar char="–"/>
+                  <a:defRPr sz="2000" kern="1200">
+                    <a:solidFill>
+                      <a:schemeClr val="tx1"/>
+                    </a:solidFill>
+                    <a:latin typeface="+mn-lt"/>
+                    <a:ea typeface="+mn-ea"/>
+                    <a:cs typeface="+mn-cs"/>
+                  </a:defRPr>
+                </a:lvl4pPr>
+                <a:lvl5pPr marL="2057400" indent="-228600" algn="l" rtl="0" eaLnBrk="0" fontAlgn="base" hangingPunct="0">
+                  <a:spcBef>
+                    <a:spcPct val="20000"/>
+                  </a:spcBef>
+                  <a:spcAft>
+                    <a:spcPct val="0"/>
+                  </a:spcAft>
+                  <a:buFont typeface="Arial" charset="0"/>
+                  <a:buChar char="»"/>
+                  <a:defRPr sz="2000" kern="1200">
+                    <a:solidFill>
+                      <a:schemeClr val="tx1"/>
+                    </a:solidFill>
+                    <a:latin typeface="+mn-lt"/>
+                    <a:ea typeface="+mn-ea"/>
+                    <a:cs typeface="+mn-cs"/>
+                  </a:defRPr>
+                </a:lvl5pPr>
+                <a:lvl6pPr marL="2514600" indent="-228600" algn="l" defTabSz="914400" rtl="0" eaLnBrk="1" latinLnBrk="0" hangingPunct="1">
+                  <a:spcBef>
+                    <a:spcPct val="20000"/>
+                  </a:spcBef>
+                  <a:buFont typeface="Arial" pitchFamily="34" charset="0"/>
+                  <a:buChar char="•"/>
+                  <a:defRPr sz="2000" kern="1200">
+                    <a:solidFill>
+                      <a:schemeClr val="tx1"/>
+                    </a:solidFill>
+                    <a:latin typeface="+mn-lt"/>
+                    <a:ea typeface="+mn-ea"/>
+                    <a:cs typeface="+mn-cs"/>
+                  </a:defRPr>
+                </a:lvl6pPr>
+                <a:lvl7pPr marL="2971800" indent="-228600" algn="l" defTabSz="914400" rtl="0" eaLnBrk="1" latinLnBrk="0" hangingPunct="1">
+                  <a:spcBef>
+                    <a:spcPct val="20000"/>
+                  </a:spcBef>
+                  <a:buFont typeface="Arial" pitchFamily="34" charset="0"/>
+                  <a:buChar char="•"/>
+                  <a:defRPr sz="2000" kern="1200">
+                    <a:solidFill>
+                      <a:schemeClr val="tx1"/>
+                    </a:solidFill>
+                    <a:latin typeface="+mn-lt"/>
+                    <a:ea typeface="+mn-ea"/>
+                    <a:cs typeface="+mn-cs"/>
+                  </a:defRPr>
+                </a:lvl7pPr>
+                <a:lvl8pPr marL="3429000" indent="-228600" algn="l" defTabSz="914400" rtl="0" eaLnBrk="1" latinLnBrk="0" hangingPunct="1">
+                  <a:spcBef>
+                    <a:spcPct val="20000"/>
+                  </a:spcBef>
+                  <a:buFont typeface="Arial" pitchFamily="34" charset="0"/>
+                  <a:buChar char="•"/>
+                  <a:defRPr sz="2000" kern="1200">
+                    <a:solidFill>
+                      <a:schemeClr val="tx1"/>
+                    </a:solidFill>
+                    <a:latin typeface="+mn-lt"/>
+                    <a:ea typeface="+mn-ea"/>
+                    <a:cs typeface="+mn-cs"/>
+                  </a:defRPr>
+                </a:lvl8pPr>
+                <a:lvl9pPr marL="3886200" indent="-228600" algn="l" defTabSz="914400" rtl="0" eaLnBrk="1" latinLnBrk="0" hangingPunct="1">
+                  <a:spcBef>
+                    <a:spcPct val="20000"/>
+                  </a:spcBef>
+                  <a:buFont typeface="Arial" pitchFamily="34" charset="0"/>
+                  <a:buChar char="•"/>
+                  <a:defRPr sz="2000" kern="1200">
+                    <a:solidFill>
+                      <a:schemeClr val="tx1"/>
+                    </a:solidFill>
+                    <a:latin typeface="+mn-lt"/>
+                    <a:ea typeface="+mn-ea"/>
+                    <a:cs typeface="+mn-cs"/>
+                  </a:defRPr>
+                </a:lvl9pPr>
+              </a:lstStyle>
+              <a:p>
+                <a:r>
+                  <a:rPr lang="pl-PL" sz="1800" b="1" dirty="0" smtClean="0"/>
+                  <a:t>Węzeł VP-</a:t>
+                </a:r>
+                <a:r>
+                  <a:rPr lang="pl-PL" sz="1800" b="1" dirty="0" err="1" smtClean="0"/>
+                  <a:t>Tree</a:t>
+                </a:r>
+                <a:r>
+                  <a:rPr lang="pl-PL" sz="1800" b="1" dirty="0" smtClean="0"/>
+                  <a:t> zawiera</a:t>
+                </a:r>
+                <a:r>
+                  <a:rPr lang="pl-PL" sz="1800" dirty="0" smtClean="0"/>
+                  <a:t>:</a:t>
+                </a:r>
+                <a:br>
+                  <a:rPr lang="pl-PL" sz="1800" dirty="0" smtClean="0"/>
+                </a:br>
+                <a:r>
+                  <a:rPr lang="pl-PL" sz="1800" dirty="0" smtClean="0"/>
+                  <a:t>- </a:t>
+                </a:r>
+                <a14:m>
+                  <m:oMath xmlns:m="http://schemas.openxmlformats.org/officeDocument/2006/math">
+                    <m:r>
+                      <a:rPr lang="pl-PL" sz="1800" i="1" dirty="0" smtClean="0">
+                        <a:latin typeface="Cambria Math"/>
+                      </a:rPr>
+                      <m:t>𝑣</m:t>
+                    </m:r>
+                    <m:r>
+                      <a:rPr lang="pl-PL" sz="1800" i="1" dirty="0" smtClean="0">
+                        <a:latin typeface="Cambria Math"/>
+                        <a:ea typeface="Cambria Math"/>
+                      </a:rPr>
+                      <m:t>∈</m:t>
+                    </m:r>
+                    <m:r>
+                      <a:rPr lang="pl-PL" sz="1800" b="0" i="1" dirty="0" smtClean="0">
+                        <a:latin typeface="Cambria Math"/>
+                        <a:ea typeface="Cambria Math"/>
+                      </a:rPr>
+                      <m:t>𝐷</m:t>
+                    </m:r>
+                  </m:oMath>
+                </a14:m>
+                <a:r>
+                  <a:rPr lang="pl-PL" sz="1800" dirty="0" smtClean="0"/>
+                  <a:t>,</a:t>
+                </a:r>
+                <a:br>
+                  <a:rPr lang="pl-PL" sz="1800" dirty="0" smtClean="0"/>
+                </a:br>
+                <a:r>
+                  <a:rPr lang="pl-PL" sz="1800" dirty="0" smtClean="0"/>
+                  <a:t>- </a:t>
+                </a:r>
+                <a14:m>
+                  <m:oMath xmlns:m="http://schemas.openxmlformats.org/officeDocument/2006/math">
+                    <m:r>
+                      <a:rPr lang="pl-PL" sz="1800" i="1" smtClean="0">
+                        <a:latin typeface="Cambria Math"/>
+                        <a:ea typeface="Cambria Math"/>
+                      </a:rPr>
+                      <m:t>𝜇</m:t>
+                    </m:r>
+                    <m:r>
+                      <a:rPr lang="pl-PL" sz="1800" b="0" i="1" smtClean="0">
+                        <a:latin typeface="Cambria Math"/>
+                        <a:ea typeface="Cambria Math"/>
+                      </a:rPr>
+                      <m:t>=</m:t>
+                    </m:r>
+                    <m:r>
+                      <a:rPr lang="pl-PL" sz="1800" b="0" i="1" smtClean="0">
+                        <a:latin typeface="Cambria Math"/>
+                        <a:ea typeface="Cambria Math"/>
+                      </a:rPr>
+                      <m:t>𝑚𝑒𝑑𝑖𝑎𝑛𝑎</m:t>
+                    </m:r>
+                    <m:r>
+                      <a:rPr lang="pl-PL" sz="1800" b="0" i="1" smtClean="0">
+                        <a:latin typeface="Cambria Math"/>
+                        <a:ea typeface="Cambria Math"/>
+                      </a:rPr>
+                      <m:t>({</m:t>
+                    </m:r>
+                    <m:r>
+                      <a:rPr lang="pl-PL" sz="1800" i="1" dirty="0">
+                        <a:latin typeface="Cambria Math"/>
+                      </a:rPr>
+                      <m:t>𝑢</m:t>
+                    </m:r>
+                    <m:r>
+                      <a:rPr lang="pl-PL" sz="1800" i="1" dirty="0">
+                        <a:latin typeface="Cambria Math"/>
+                        <a:ea typeface="Cambria Math"/>
+                      </a:rPr>
+                      <m:t>∈</m:t>
+                    </m:r>
+                    <m:r>
+                      <a:rPr lang="pl-PL" sz="1800" i="1" dirty="0">
+                        <a:latin typeface="Cambria Math"/>
+                        <a:ea typeface="Cambria Math"/>
+                      </a:rPr>
+                      <m:t>𝑆</m:t>
+                    </m:r>
+                    <m:r>
+                      <a:rPr lang="pl-PL" sz="1800" i="1" dirty="0">
+                        <a:latin typeface="Cambria Math"/>
+                        <a:ea typeface="Cambria Math"/>
+                      </a:rPr>
+                      <m:t>(</m:t>
+                    </m:r>
+                    <m:r>
+                      <a:rPr lang="pl-PL" sz="1800" i="1" dirty="0">
+                        <a:latin typeface="Cambria Math"/>
+                        <a:ea typeface="Cambria Math"/>
+                      </a:rPr>
+                      <m:t>𝑣</m:t>
+                    </m:r>
+                    <m:r>
+                      <a:rPr lang="pl-PL" sz="1800" i="1" dirty="0">
+                        <a:latin typeface="Cambria Math"/>
+                        <a:ea typeface="Cambria Math"/>
+                      </a:rPr>
+                      <m:t>)|</m:t>
+                    </m:r>
+                    <m:r>
+                      <a:rPr lang="pl-PL" sz="1800" i="1" dirty="0">
+                        <a:latin typeface="Cambria Math"/>
+                        <a:ea typeface="Cambria Math"/>
+                      </a:rPr>
+                      <m:t>𝑑𝑖𝑠𝑡𝑎𝑛𝑐𝑒</m:t>
+                    </m:r>
+                    <m:d>
+                      <m:dPr>
+                        <m:ctrlPr>
+                          <a:rPr lang="pl-PL" sz="1800" i="1" dirty="0">
+                            <a:latin typeface="Cambria Math"/>
+                            <a:ea typeface="Cambria Math"/>
+                          </a:rPr>
+                        </m:ctrlPr>
+                      </m:dPr>
+                      <m:e>
+                        <m:r>
+                          <a:rPr lang="pl-PL" sz="1800" i="1" dirty="0">
+                            <a:latin typeface="Cambria Math"/>
+                            <a:ea typeface="Cambria Math"/>
+                          </a:rPr>
+                          <m:t>𝑢</m:t>
+                        </m:r>
+                        <m:r>
+                          <a:rPr lang="pl-PL" sz="1800" i="1" dirty="0">
+                            <a:latin typeface="Cambria Math"/>
+                            <a:ea typeface="Cambria Math"/>
+                          </a:rPr>
+                          <m:t>,</m:t>
+                        </m:r>
+                        <m:r>
+                          <a:rPr lang="pl-PL" sz="1800" i="1" dirty="0">
+                            <a:latin typeface="Cambria Math"/>
+                            <a:ea typeface="Cambria Math"/>
+                          </a:rPr>
+                          <m:t>𝑣</m:t>
+                        </m:r>
+                      </m:e>
+                    </m:d>
+                    <m:r>
+                      <a:rPr lang="pl-PL" sz="1800" b="0" i="1" dirty="0" smtClean="0">
+                        <a:latin typeface="Cambria Math"/>
+                        <a:ea typeface="Cambria Math"/>
+                      </a:rPr>
+                      <m:t>}</m:t>
+                    </m:r>
+                    <m:r>
+                      <a:rPr lang="pl-PL" sz="1800" b="0" i="1" smtClean="0">
+                        <a:latin typeface="Cambria Math"/>
+                        <a:ea typeface="Cambria Math"/>
+                      </a:rPr>
+                      <m:t>)</m:t>
+                    </m:r>
+                  </m:oMath>
+                </a14:m>
+                <a:r>
+                  <a:rPr lang="pl-PL" sz="1800" dirty="0" smtClean="0"/>
+                  <a:t/>
+                </a:r>
+                <a:br>
+                  <a:rPr lang="pl-PL" sz="1800" dirty="0" smtClean="0"/>
+                </a:br>
+                <a:r>
+                  <a:rPr lang="pl-PL" sz="1800" dirty="0" smtClean="0"/>
+                  <a:t>- </a:t>
+                </a:r>
+                <a14:m>
+                  <m:oMath xmlns:m="http://schemas.openxmlformats.org/officeDocument/2006/math">
+                    <m:r>
+                      <a:rPr lang="pl-PL" sz="1800" i="1" dirty="0" smtClean="0">
+                        <a:latin typeface="Cambria Math"/>
+                      </a:rPr>
+                      <m:t>𝐿𝑆</m:t>
+                    </m:r>
+                    <m:d>
+                      <m:dPr>
+                        <m:ctrlPr>
+                          <a:rPr lang="pl-PL" sz="1800" i="1" dirty="0" smtClean="0">
+                            <a:latin typeface="Cambria Math"/>
+                          </a:rPr>
+                        </m:ctrlPr>
+                      </m:dPr>
+                      <m:e>
+                        <m:r>
+                          <a:rPr lang="pl-PL" sz="1800" i="1" dirty="0" smtClean="0">
+                            <a:latin typeface="Cambria Math"/>
+                          </a:rPr>
+                          <m:t>𝑣</m:t>
+                        </m:r>
+                      </m:e>
+                    </m:d>
+                    <m:r>
+                      <a:rPr lang="pl-PL" sz="1800" i="1" dirty="0" smtClean="0">
+                        <a:latin typeface="Cambria Math"/>
+                      </a:rPr>
+                      <m:t>=</m:t>
+                    </m:r>
+                    <m:r>
+                      <a:rPr lang="pl-PL" sz="1800" b="0" i="1" dirty="0" smtClean="0">
+                        <a:latin typeface="Cambria Math"/>
+                      </a:rPr>
+                      <m:t>{</m:t>
+                    </m:r>
+                    <m:r>
+                      <a:rPr lang="pl-PL" sz="1800" b="0" i="1" dirty="0" smtClean="0">
+                        <a:latin typeface="Cambria Math"/>
+                      </a:rPr>
+                      <m:t>𝑢</m:t>
+                    </m:r>
+                    <m:r>
+                      <a:rPr lang="pl-PL" sz="1800" b="0" i="1" dirty="0" smtClean="0">
+                        <a:latin typeface="Cambria Math"/>
+                        <a:ea typeface="Cambria Math"/>
+                      </a:rPr>
+                      <m:t>∈</m:t>
+                    </m:r>
+                    <m:r>
+                      <a:rPr lang="pl-PL" sz="1800" b="0" i="1" dirty="0" smtClean="0">
+                        <a:latin typeface="Cambria Math"/>
+                        <a:ea typeface="Cambria Math"/>
+                      </a:rPr>
+                      <m:t>𝑆</m:t>
+                    </m:r>
+                    <m:r>
+                      <a:rPr lang="pl-PL" sz="1800" b="0" i="1" dirty="0" smtClean="0">
+                        <a:latin typeface="Cambria Math"/>
+                        <a:ea typeface="Cambria Math"/>
+                      </a:rPr>
+                      <m:t>(</m:t>
+                    </m:r>
+                    <m:r>
+                      <a:rPr lang="pl-PL" sz="1800" b="0" i="1" dirty="0" smtClean="0">
+                        <a:latin typeface="Cambria Math"/>
+                        <a:ea typeface="Cambria Math"/>
+                      </a:rPr>
+                      <m:t>𝑣</m:t>
+                    </m:r>
+                    <m:r>
+                      <a:rPr lang="pl-PL" sz="1800" b="0" i="1" dirty="0" smtClean="0">
+                        <a:latin typeface="Cambria Math"/>
+                        <a:ea typeface="Cambria Math"/>
+                      </a:rPr>
+                      <m:t>)|</m:t>
+                    </m:r>
+                    <m:r>
+                      <a:rPr lang="pl-PL" sz="1800" b="0" i="1" dirty="0" smtClean="0">
+                        <a:latin typeface="Cambria Math"/>
+                        <a:ea typeface="Cambria Math"/>
+                      </a:rPr>
+                      <m:t>𝑑𝑖𝑠𝑡𝑎𝑛𝑐𝑒</m:t>
+                    </m:r>
+                    <m:d>
+                      <m:dPr>
+                        <m:ctrlPr>
+                          <a:rPr lang="pl-PL" sz="1800" b="0" i="1" dirty="0" smtClean="0">
+                            <a:latin typeface="Cambria Math"/>
+                            <a:ea typeface="Cambria Math"/>
+                          </a:rPr>
+                        </m:ctrlPr>
+                      </m:dPr>
+                      <m:e>
+                        <m:r>
+                          <a:rPr lang="pl-PL" sz="1800" b="0" i="1" dirty="0" smtClean="0">
+                            <a:latin typeface="Cambria Math"/>
+                            <a:ea typeface="Cambria Math"/>
+                          </a:rPr>
+                          <m:t>𝑢</m:t>
+                        </m:r>
+                        <m:r>
+                          <a:rPr lang="pl-PL" sz="1800" b="0" i="1" dirty="0" smtClean="0">
+                            <a:latin typeface="Cambria Math"/>
+                            <a:ea typeface="Cambria Math"/>
+                          </a:rPr>
+                          <m:t>,</m:t>
+                        </m:r>
+                        <m:r>
+                          <a:rPr lang="pl-PL" sz="1800" b="0" i="1" dirty="0" smtClean="0">
+                            <a:latin typeface="Cambria Math"/>
+                            <a:ea typeface="Cambria Math"/>
+                          </a:rPr>
+                          <m:t>𝑣</m:t>
+                        </m:r>
+                      </m:e>
+                    </m:d>
+                    <m:r>
+                      <a:rPr lang="pl-PL" sz="1800" b="0" i="1" dirty="0" smtClean="0">
+                        <a:latin typeface="Cambria Math"/>
+                        <a:ea typeface="Cambria Math"/>
+                      </a:rPr>
+                      <m:t>&lt;</m:t>
+                    </m:r>
+                    <m:r>
+                      <a:rPr lang="pl-PL" sz="1800" b="0" i="1" dirty="0" smtClean="0">
+                        <a:latin typeface="Cambria Math"/>
+                        <a:ea typeface="Cambria Math"/>
+                      </a:rPr>
+                      <m:t>𝜇</m:t>
+                    </m:r>
+                    <m:r>
+                      <a:rPr lang="pl-PL" sz="1800" b="0" i="1" dirty="0" smtClean="0">
+                        <a:latin typeface="Cambria Math"/>
+                      </a:rPr>
+                      <m:t>}</m:t>
+                    </m:r>
+                  </m:oMath>
+                </a14:m>
+                <a:r>
+                  <a:rPr lang="pl-PL" sz="1800" dirty="0" smtClean="0"/>
+                  <a:t/>
+                </a:r>
+                <a:br>
+                  <a:rPr lang="pl-PL" sz="1800" dirty="0" smtClean="0"/>
+                </a:br>
+                <a:r>
+                  <a:rPr lang="pl-PL" sz="1800" dirty="0" smtClean="0"/>
+                  <a:t>- </a:t>
+                </a:r>
+                <a14:m>
+                  <m:oMath xmlns:m="http://schemas.openxmlformats.org/officeDocument/2006/math">
+                    <m:r>
+                      <a:rPr lang="pl-PL" sz="1800" b="0" i="1" dirty="0" smtClean="0">
+                        <a:latin typeface="Cambria Math"/>
+                      </a:rPr>
+                      <m:t>𝑅𝑆</m:t>
+                    </m:r>
+                    <m:d>
+                      <m:dPr>
+                        <m:ctrlPr>
+                          <a:rPr lang="pl-PL" sz="1800" i="1" dirty="0">
+                            <a:latin typeface="Cambria Math"/>
+                          </a:rPr>
+                        </m:ctrlPr>
+                      </m:dPr>
+                      <m:e>
+                        <m:r>
+                          <a:rPr lang="pl-PL" sz="1800" i="1" dirty="0">
+                            <a:latin typeface="Cambria Math"/>
+                          </a:rPr>
+                          <m:t>𝑣</m:t>
+                        </m:r>
+                      </m:e>
+                    </m:d>
+                    <m:r>
+                      <a:rPr lang="pl-PL" sz="1800" i="1" dirty="0">
+                        <a:latin typeface="Cambria Math"/>
+                      </a:rPr>
+                      <m:t>={</m:t>
+                    </m:r>
+                    <m:r>
+                      <a:rPr lang="pl-PL" sz="1800" i="1" dirty="0">
+                        <a:latin typeface="Cambria Math"/>
+                      </a:rPr>
+                      <m:t>𝑢</m:t>
+                    </m:r>
+                    <m:r>
+                      <a:rPr lang="pl-PL" sz="1800" i="1" dirty="0">
+                        <a:latin typeface="Cambria Math"/>
+                        <a:ea typeface="Cambria Math"/>
+                      </a:rPr>
+                      <m:t>∈</m:t>
+                    </m:r>
+                    <m:r>
+                      <a:rPr lang="pl-PL" sz="1800" b="0" i="1" dirty="0" smtClean="0">
+                        <a:latin typeface="Cambria Math"/>
+                        <a:ea typeface="Cambria Math"/>
+                      </a:rPr>
+                      <m:t>𝑆</m:t>
+                    </m:r>
+                    <m:r>
+                      <a:rPr lang="pl-PL" sz="1800" b="0" i="1" dirty="0" smtClean="0">
+                        <a:latin typeface="Cambria Math"/>
+                        <a:ea typeface="Cambria Math"/>
+                      </a:rPr>
+                      <m:t>(</m:t>
+                    </m:r>
+                    <m:r>
+                      <a:rPr lang="pl-PL" sz="1800" b="0" i="1" dirty="0" smtClean="0">
+                        <a:latin typeface="Cambria Math"/>
+                        <a:ea typeface="Cambria Math"/>
+                      </a:rPr>
+                      <m:t>𝑣</m:t>
+                    </m:r>
+                    <m:r>
+                      <a:rPr lang="pl-PL" sz="1800" b="0" i="1" dirty="0" smtClean="0">
+                        <a:latin typeface="Cambria Math"/>
+                        <a:ea typeface="Cambria Math"/>
+                      </a:rPr>
+                      <m:t>)|</m:t>
+                    </m:r>
+                    <m:r>
+                      <a:rPr lang="pl-PL" sz="1800" i="1" dirty="0">
+                        <a:latin typeface="Cambria Math"/>
+                        <a:ea typeface="Cambria Math"/>
+                      </a:rPr>
+                      <m:t>𝑑𝑖𝑠𝑡𝑎𝑛𝑐𝑒</m:t>
+                    </m:r>
+                    <m:d>
+                      <m:dPr>
+                        <m:ctrlPr>
+                          <a:rPr lang="pl-PL" sz="1800" i="1" dirty="0">
+                            <a:latin typeface="Cambria Math"/>
+                            <a:ea typeface="Cambria Math"/>
+                          </a:rPr>
+                        </m:ctrlPr>
+                      </m:dPr>
+                      <m:e>
+                        <m:r>
+                          <a:rPr lang="pl-PL" sz="1800" i="1" dirty="0">
+                            <a:latin typeface="Cambria Math"/>
+                            <a:ea typeface="Cambria Math"/>
+                          </a:rPr>
+                          <m:t>𝑢</m:t>
+                        </m:r>
+                        <m:r>
+                          <a:rPr lang="pl-PL" sz="1800" i="1" dirty="0">
+                            <a:latin typeface="Cambria Math"/>
+                            <a:ea typeface="Cambria Math"/>
+                          </a:rPr>
+                          <m:t>,</m:t>
+                        </m:r>
+                        <m:r>
+                          <a:rPr lang="pl-PL" sz="1800" i="1" dirty="0">
+                            <a:latin typeface="Cambria Math"/>
+                            <a:ea typeface="Cambria Math"/>
+                          </a:rPr>
+                          <m:t>𝑣</m:t>
+                        </m:r>
+                      </m:e>
+                    </m:d>
+                    <m:r>
+                      <a:rPr lang="pl-PL" sz="1800" i="1" dirty="0" smtClean="0">
+                        <a:latin typeface="Cambria Math"/>
+                        <a:ea typeface="Cambria Math"/>
+                      </a:rPr>
+                      <m:t>≥</m:t>
+                    </m:r>
+                    <m:r>
+                      <a:rPr lang="pl-PL" sz="1800" i="1" dirty="0">
+                        <a:latin typeface="Cambria Math"/>
+                        <a:ea typeface="Cambria Math"/>
+                      </a:rPr>
+                      <m:t>𝜇</m:t>
+                    </m:r>
+                    <m:r>
+                      <a:rPr lang="pl-PL" sz="1800" i="1" dirty="0">
+                        <a:latin typeface="Cambria Math"/>
+                      </a:rPr>
+                      <m:t>}</m:t>
+                    </m:r>
+                  </m:oMath>
+                </a14:m>
+                <a:endParaRPr lang="pl-PL" sz="1800" dirty="0"/>
+              </a:p>
+              <a:p>
+                <a:pPr marL="0" indent="0">
+                  <a:buFont typeface="Arial" charset="0"/>
+                  <a:buNone/>
+                </a:pPr>
+                <a:endParaRPr lang="pl-PL" dirty="0"/>
+              </a:p>
+            </p:txBody>
+          </p:sp>
+        </mc:Choice>
+        <mc:Fallback xmlns="">
+          <p:sp>
+            <p:nvSpPr>
+              <p:cNvPr id="8" name="Symbol zastępczy zawartości 2"/>
+              <p:cNvSpPr txBox="1">
+                <a:spLocks noRot="1" noChangeAspect="1" noMove="1" noResize="1" noEditPoints="1" noAdjustHandles="1" noChangeArrowheads="1" noChangeShapeType="1" noTextEdit="1"/>
+              </p:cNvSpPr>
+              <p:nvPr/>
+            </p:nvSpPr>
+            <p:spPr bwMode="auto">
+              <a:xfrm>
+                <a:off x="395536" y="1556792"/>
+                <a:ext cx="8208912" cy="1728192"/>
+              </a:xfrm>
+              <a:prstGeom prst="rect">
+                <a:avLst/>
+              </a:prstGeom>
+              <a:blipFill rotWithShape="1">
+                <a:blip r:embed="rId3"/>
+                <a:stretch>
+                  <a:fillRect l="-520" t="-1761"/>
+                </a:stretch>
+              </a:blipFill>
+              <a:ln>
+                <a:noFill/>
+              </a:ln>
+              <a:extLst>
+                <a:ext uri="{909E8E84-426E-40DD-AFC4-6F175D3DCCD1}">
+                  <a14:hiddenFill xmlns:a14="http://schemas.microsoft.com/office/drawing/2010/main">
+                    <a:solidFill>
+                      <a:srgbClr val="FFFFFF"/>
+                    </a:solidFill>
+                  </a14:hiddenFill>
+                </a:ext>
+                <a:ext uri="{91240B29-F687-4F45-9708-019B960494DF}">
+                  <a14:hiddenLine xmlns:a14="http://schemas.microsoft.com/office/drawing/2010/main" w="9525">
+                    <a:solidFill>
+                      <a:srgbClr val="000000"/>
+                    </a:solidFill>
+                    <a:miter lim="800000"/>
+                    <a:headEnd/>
+                    <a:tailEnd/>
+                  </a14:hiddenLine>
+                </a:ext>
+              </a:extLst>
+            </p:spPr>
+            <p:txBody>
+              <a:bodyPr/>
+              <a:lstStyle/>
+              <a:p>
+                <a:r>
+                  <a:rPr lang="pl-PL">
+                    <a:noFill/>
+                  </a:rPr>
+                  <a:t> </a:t>
+                </a:r>
+              </a:p>
+            </p:txBody>
+          </p:sp>
+        </mc:Fallback>
+      </mc:AlternateContent>
+      <mc:AlternateContent xmlns:mc="http://schemas.openxmlformats.org/markup-compatibility/2006" xmlns:a14="http://schemas.microsoft.com/office/drawing/2010/main">
+        <mc:Choice Requires="a14">
+          <p:sp>
+            <p:nvSpPr>
+              <p:cNvPr id="9" name="Symbol zastępczy zawartości 2"/>
+              <p:cNvSpPr txBox="1">
+                <a:spLocks/>
+              </p:cNvSpPr>
+              <p:nvPr/>
+            </p:nvSpPr>
+            <p:spPr bwMode="auto">
+              <a:xfrm>
+                <a:off x="395536" y="3284984"/>
+                <a:ext cx="8208912" cy="2880320"/>
+              </a:xfrm>
+              <a:prstGeom prst="rect">
+                <a:avLst/>
+              </a:prstGeom>
+              <a:noFill/>
+              <a:ln>
+                <a:noFill/>
+              </a:ln>
+              <a:extLst>
+                <a:ext uri="{909E8E84-426E-40DD-AFC4-6F175D3DCCD1}">
+                  <a14:hiddenFill>
+                    <a:solidFill>
+                      <a:srgbClr val="FFFFFF"/>
+                    </a:solidFill>
+                  </a14:hiddenFill>
+                </a:ext>
+                <a:ext uri="{91240B29-F687-4F45-9708-019B960494DF}">
+                  <a14:hiddenLine w="9525">
+                    <a:solidFill>
+                      <a:srgbClr val="000000"/>
+                    </a:solidFill>
+                    <a:miter lim="800000"/>
+                    <a:headEnd/>
+                    <a:tailEnd/>
+                  </a14:hiddenLine>
+                </a:ext>
+              </a:extLst>
+            </p:spPr>
+            <p:txBody>
+              <a:bodyPr vert="horz" wrap="square" lIns="91440" tIns="45720" rIns="91440" bIns="45720" numCol="1" anchor="t" anchorCtr="0" compatLnSpc="1">
+                <a:prstTxWarp prst="textNoShape">
+                  <a:avLst/>
+                </a:prstTxWarp>
+              </a:bodyPr>
+              <a:lstStyle>
+                <a:lvl1pPr marL="342900" indent="-342900" algn="l" rtl="0" eaLnBrk="0" fontAlgn="base" hangingPunct="0">
+                  <a:spcBef>
+                    <a:spcPct val="20000"/>
+                  </a:spcBef>
+                  <a:spcAft>
+                    <a:spcPct val="0"/>
+                  </a:spcAft>
+                  <a:buFont typeface="Arial" charset="0"/>
+                  <a:buChar char="•"/>
+                  <a:defRPr sz="3200" kern="1200">
+                    <a:solidFill>
+                      <a:schemeClr val="tx1"/>
+                    </a:solidFill>
+                    <a:latin typeface="+mn-lt"/>
+                    <a:ea typeface="+mn-ea"/>
+                    <a:cs typeface="+mn-cs"/>
+                  </a:defRPr>
+                </a:lvl1pPr>
+                <a:lvl2pPr marL="742950" indent="-285750" algn="l" rtl="0" eaLnBrk="0" fontAlgn="base" hangingPunct="0">
+                  <a:spcBef>
+                    <a:spcPct val="20000"/>
+                  </a:spcBef>
+                  <a:spcAft>
+                    <a:spcPct val="0"/>
+                  </a:spcAft>
+                  <a:buFont typeface="Arial" charset="0"/>
+                  <a:buChar char="–"/>
+                  <a:defRPr sz="2800" kern="1200">
+                    <a:solidFill>
+                      <a:schemeClr val="tx1"/>
+                    </a:solidFill>
+                    <a:latin typeface="+mn-lt"/>
+                    <a:ea typeface="+mn-ea"/>
+                    <a:cs typeface="+mn-cs"/>
+                  </a:defRPr>
+                </a:lvl2pPr>
+                <a:lvl3pPr marL="1143000" indent="-228600" algn="l" rtl="0" eaLnBrk="0" fontAlgn="base" hangingPunct="0">
+                  <a:spcBef>
+                    <a:spcPct val="20000"/>
+                  </a:spcBef>
+                  <a:spcAft>
+                    <a:spcPct val="0"/>
+                  </a:spcAft>
+                  <a:buFont typeface="Arial" charset="0"/>
+                  <a:buChar char="•"/>
+                  <a:defRPr sz="2400" kern="1200">
+                    <a:solidFill>
+                      <a:schemeClr val="tx1"/>
+                    </a:solidFill>
+                    <a:latin typeface="+mn-lt"/>
+                    <a:ea typeface="+mn-ea"/>
+                    <a:cs typeface="+mn-cs"/>
+                  </a:defRPr>
+                </a:lvl3pPr>
+                <a:lvl4pPr marL="1600200" indent="-228600" algn="l" rtl="0" eaLnBrk="0" fontAlgn="base" hangingPunct="0">
+                  <a:spcBef>
+                    <a:spcPct val="20000"/>
+                  </a:spcBef>
+                  <a:spcAft>
+                    <a:spcPct val="0"/>
+                  </a:spcAft>
+                  <a:buFont typeface="Arial" charset="0"/>
+                  <a:buChar char="–"/>
+                  <a:defRPr sz="2000" kern="1200">
+                    <a:solidFill>
+                      <a:schemeClr val="tx1"/>
+                    </a:solidFill>
+                    <a:latin typeface="+mn-lt"/>
+                    <a:ea typeface="+mn-ea"/>
+                    <a:cs typeface="+mn-cs"/>
+                  </a:defRPr>
+                </a:lvl4pPr>
+                <a:lvl5pPr marL="2057400" indent="-228600" algn="l" rtl="0" eaLnBrk="0" fontAlgn="base" hangingPunct="0">
+                  <a:spcBef>
+                    <a:spcPct val="20000"/>
+                  </a:spcBef>
+                  <a:spcAft>
+                    <a:spcPct val="0"/>
+                  </a:spcAft>
+                  <a:buFont typeface="Arial" charset="0"/>
+                  <a:buChar char="»"/>
+                  <a:defRPr sz="2000" kern="1200">
+                    <a:solidFill>
+                      <a:schemeClr val="tx1"/>
+                    </a:solidFill>
+                    <a:latin typeface="+mn-lt"/>
+                    <a:ea typeface="+mn-ea"/>
+                    <a:cs typeface="+mn-cs"/>
+                  </a:defRPr>
+                </a:lvl5pPr>
+                <a:lvl6pPr marL="2514600" indent="-228600" algn="l" defTabSz="914400" rtl="0" eaLnBrk="1" latinLnBrk="0" hangingPunct="1">
+                  <a:spcBef>
+                    <a:spcPct val="20000"/>
+                  </a:spcBef>
+                  <a:buFont typeface="Arial" pitchFamily="34" charset="0"/>
+                  <a:buChar char="•"/>
+                  <a:defRPr sz="2000" kern="1200">
+                    <a:solidFill>
+                      <a:schemeClr val="tx1"/>
+                    </a:solidFill>
+                    <a:latin typeface="+mn-lt"/>
+                    <a:ea typeface="+mn-ea"/>
+                    <a:cs typeface="+mn-cs"/>
+                  </a:defRPr>
+                </a:lvl6pPr>
+                <a:lvl7pPr marL="2971800" indent="-228600" algn="l" defTabSz="914400" rtl="0" eaLnBrk="1" latinLnBrk="0" hangingPunct="1">
+                  <a:spcBef>
+                    <a:spcPct val="20000"/>
+                  </a:spcBef>
+                  <a:buFont typeface="Arial" pitchFamily="34" charset="0"/>
+                  <a:buChar char="•"/>
+                  <a:defRPr sz="2000" kern="1200">
+                    <a:solidFill>
+                      <a:schemeClr val="tx1"/>
+                    </a:solidFill>
+                    <a:latin typeface="+mn-lt"/>
+                    <a:ea typeface="+mn-ea"/>
+                    <a:cs typeface="+mn-cs"/>
+                  </a:defRPr>
+                </a:lvl7pPr>
+                <a:lvl8pPr marL="3429000" indent="-228600" algn="l" defTabSz="914400" rtl="0" eaLnBrk="1" latinLnBrk="0" hangingPunct="1">
+                  <a:spcBef>
+                    <a:spcPct val="20000"/>
+                  </a:spcBef>
+                  <a:buFont typeface="Arial" pitchFamily="34" charset="0"/>
+                  <a:buChar char="•"/>
+                  <a:defRPr sz="2000" kern="1200">
+                    <a:solidFill>
+                      <a:schemeClr val="tx1"/>
+                    </a:solidFill>
+                    <a:latin typeface="+mn-lt"/>
+                    <a:ea typeface="+mn-ea"/>
+                    <a:cs typeface="+mn-cs"/>
+                  </a:defRPr>
+                </a:lvl8pPr>
+                <a:lvl9pPr marL="3886200" indent="-228600" algn="l" defTabSz="914400" rtl="0" eaLnBrk="1" latinLnBrk="0" hangingPunct="1">
+                  <a:spcBef>
+                    <a:spcPct val="20000"/>
+                  </a:spcBef>
+                  <a:buFont typeface="Arial" pitchFamily="34" charset="0"/>
+                  <a:buChar char="•"/>
+                  <a:defRPr sz="2000" kern="1200">
+                    <a:solidFill>
+                      <a:schemeClr val="tx1"/>
+                    </a:solidFill>
+                    <a:latin typeface="+mn-lt"/>
+                    <a:ea typeface="+mn-ea"/>
+                    <a:cs typeface="+mn-cs"/>
+                  </a:defRPr>
+                </a:lvl9pPr>
+              </a:lstStyle>
+              <a:p>
+                <a:r>
+                  <a:rPr lang="pl-PL" sz="1800" b="1" dirty="0" smtClean="0"/>
+                  <a:t>Wyszukiwanie sąsiedztwa punktu </a:t>
+                </a:r>
+                <a14:m>
+                  <m:oMath xmlns:m="http://schemas.openxmlformats.org/officeDocument/2006/math">
+                    <m:r>
+                      <a:rPr lang="pl-PL" sz="1800" b="0" i="1" dirty="0" smtClean="0">
+                        <a:latin typeface="Cambria Math"/>
+                      </a:rPr>
+                      <m:t>𝑢</m:t>
+                    </m:r>
+                  </m:oMath>
+                </a14:m>
+                <a:r>
+                  <a:rPr lang="pl-PL" sz="1800" b="1" dirty="0" smtClean="0"/>
+                  <a:t> o promieniu </a:t>
+                </a:r>
+                <a14:m>
+                  <m:oMath xmlns:m="http://schemas.openxmlformats.org/officeDocument/2006/math">
+                    <m:r>
+                      <a:rPr lang="pl-PL" sz="1800" b="0" i="1" dirty="0" smtClean="0">
+                        <a:latin typeface="Cambria Math"/>
+                        <a:ea typeface="Cambria Math"/>
+                      </a:rPr>
+                      <m:t>𝜀</m:t>
+                    </m:r>
+                  </m:oMath>
+                </a14:m>
+                <a:r>
+                  <a:rPr lang="pl-PL" sz="1800" b="1" dirty="0" smtClean="0"/>
+                  <a:t> w węźle </a:t>
+                </a:r>
+                <a14:m>
+                  <m:oMath xmlns:m="http://schemas.openxmlformats.org/officeDocument/2006/math">
+                    <m:r>
+                      <a:rPr lang="pl-PL" sz="1800" b="0" i="1" dirty="0" smtClean="0">
+                        <a:latin typeface="Cambria Math"/>
+                      </a:rPr>
+                      <m:t>𝑣</m:t>
+                    </m:r>
+                  </m:oMath>
+                </a14:m>
+                <a:r>
+                  <a:rPr lang="pl-PL" sz="1800" b="1" dirty="0" smtClean="0"/>
+                  <a:t> VP-</a:t>
+                </a:r>
+                <a:r>
+                  <a:rPr lang="pl-PL" sz="1800" b="1" dirty="0" err="1" smtClean="0"/>
+                  <a:t>Tree</a:t>
+                </a:r>
+                <a:r>
+                  <a:rPr lang="pl-PL" sz="1800" dirty="0" smtClean="0"/>
+                  <a:t>:</a:t>
+                </a:r>
+                <a:br>
+                  <a:rPr lang="pl-PL" sz="1800" dirty="0" smtClean="0"/>
+                </a:br>
+                <a:r>
+                  <a:rPr lang="pl-PL" sz="1800" dirty="0" smtClean="0"/>
+                  <a:t>- </a:t>
+                </a:r>
+                <a14:m>
+                  <m:oMath xmlns:m="http://schemas.openxmlformats.org/officeDocument/2006/math">
+                    <m:r>
+                      <a:rPr lang="pl-PL" sz="1800" b="0" i="1" dirty="0" smtClean="0">
+                        <a:latin typeface="Cambria Math"/>
+                      </a:rPr>
+                      <m:t>𝑑𝑖𝑠𝑡𝑎𝑛𝑐𝑒</m:t>
+                    </m:r>
+                    <m:r>
+                      <a:rPr lang="pl-PL" sz="1800" b="0" i="1" dirty="0" smtClean="0">
+                        <a:latin typeface="Cambria Math"/>
+                      </a:rPr>
+                      <m:t>(</m:t>
+                    </m:r>
+                    <m:r>
+                      <a:rPr lang="pl-PL" sz="1800" b="0" i="1" dirty="0" smtClean="0">
+                        <a:latin typeface="Cambria Math"/>
+                      </a:rPr>
+                      <m:t>𝑢</m:t>
+                    </m:r>
+                    <m:r>
+                      <a:rPr lang="pl-PL" sz="1800" b="0" i="1" dirty="0" smtClean="0">
+                        <a:latin typeface="Cambria Math"/>
+                      </a:rPr>
+                      <m:t>,</m:t>
+                    </m:r>
+                    <m:r>
+                      <a:rPr lang="pl-PL" sz="1800" b="0" i="1" dirty="0" smtClean="0">
+                        <a:latin typeface="Cambria Math"/>
+                      </a:rPr>
+                      <m:t>𝑣</m:t>
+                    </m:r>
+                    <m:r>
+                      <a:rPr lang="pl-PL" sz="1800" b="0" i="1" dirty="0" smtClean="0">
+                        <a:latin typeface="Cambria Math"/>
+                      </a:rPr>
+                      <m:t>)</m:t>
+                    </m:r>
+                  </m:oMath>
+                </a14:m>
+                <a:r>
+                  <a:rPr lang="pl-PL" sz="1800" dirty="0" smtClean="0"/>
+                  <a:t>,</a:t>
+                </a:r>
+                <a:br>
+                  <a:rPr lang="pl-PL" sz="1800" dirty="0" smtClean="0"/>
+                </a:br>
+                <a:r>
+                  <a:rPr lang="pl-PL" sz="1800" dirty="0" smtClean="0"/>
+                  <a:t>- W1: Jeśli </a:t>
+                </a:r>
+                <a14:m>
+                  <m:oMath xmlns:m="http://schemas.openxmlformats.org/officeDocument/2006/math">
+                    <m:r>
+                      <m:rPr>
+                        <m:sty m:val="p"/>
+                      </m:rPr>
+                      <a:rPr lang="pl-PL" sz="1800" b="0" i="0" smtClean="0">
+                        <a:latin typeface="Cambria Math"/>
+                        <a:ea typeface="Cambria Math"/>
+                      </a:rPr>
+                      <m:t>distance</m:t>
+                    </m:r>
+                    <m:d>
+                      <m:dPr>
+                        <m:ctrlPr>
+                          <a:rPr lang="pl-PL" sz="1800" b="0" i="1" smtClean="0">
+                            <a:latin typeface="Cambria Math"/>
+                            <a:ea typeface="Cambria Math"/>
+                          </a:rPr>
+                        </m:ctrlPr>
+                      </m:dPr>
+                      <m:e>
+                        <m:r>
+                          <m:rPr>
+                            <m:sty m:val="p"/>
+                          </m:rPr>
+                          <a:rPr lang="pl-PL" sz="1800" b="0" i="0" smtClean="0">
+                            <a:latin typeface="Cambria Math"/>
+                            <a:ea typeface="Cambria Math"/>
+                          </a:rPr>
+                          <m:t>u</m:t>
+                        </m:r>
+                        <m:r>
+                          <a:rPr lang="pl-PL" sz="1800" b="0" i="0" smtClean="0">
+                            <a:latin typeface="Cambria Math"/>
+                            <a:ea typeface="Cambria Math"/>
+                          </a:rPr>
+                          <m:t>,</m:t>
+                        </m:r>
+                        <m:r>
+                          <m:rPr>
+                            <m:sty m:val="p"/>
+                          </m:rPr>
+                          <a:rPr lang="pl-PL" sz="1800" b="0" i="0" smtClean="0">
+                            <a:latin typeface="Cambria Math"/>
+                            <a:ea typeface="Cambria Math"/>
+                          </a:rPr>
+                          <m:t>v</m:t>
+                        </m:r>
+                      </m:e>
+                    </m:d>
+                    <m:r>
+                      <a:rPr lang="pl-PL" sz="1800" b="0" i="0" smtClean="0">
+                        <a:latin typeface="Cambria Math"/>
+                        <a:ea typeface="Cambria Math"/>
+                      </a:rPr>
+                      <m:t>−</m:t>
+                    </m:r>
+                    <m:r>
+                      <a:rPr lang="pl-PL" sz="1800" i="1" smtClean="0">
+                        <a:latin typeface="Cambria Math"/>
+                        <a:ea typeface="Cambria Math"/>
+                      </a:rPr>
+                      <m:t>𝜇</m:t>
+                    </m:r>
+                    <m:r>
+                      <a:rPr lang="pl-PL" sz="1800" i="1" smtClean="0">
+                        <a:latin typeface="Cambria Math"/>
+                        <a:ea typeface="Cambria Math"/>
+                      </a:rPr>
+                      <m:t>≥</m:t>
+                    </m:r>
+                    <m:r>
+                      <a:rPr lang="pl-PL" sz="1800" i="1" smtClean="0">
+                        <a:latin typeface="Cambria Math"/>
+                        <a:ea typeface="Cambria Math"/>
+                      </a:rPr>
+                      <m:t>𝜀</m:t>
+                    </m:r>
+                  </m:oMath>
+                </a14:m>
+                <a:r>
+                  <a:rPr lang="pl-PL" sz="1800" dirty="0" smtClean="0"/>
+                  <a:t>, to </a:t>
+                </a:r>
+                <a14:m>
+                  <m:oMath xmlns:m="http://schemas.openxmlformats.org/officeDocument/2006/math">
+                    <m:r>
+                      <a:rPr lang="pl-PL" sz="1800" i="1" dirty="0" smtClean="0">
+                        <a:latin typeface="Cambria Math"/>
+                      </a:rPr>
+                      <m:t>𝐿𝑆</m:t>
+                    </m:r>
+                    <m:r>
+                      <a:rPr lang="pl-PL" sz="1800" i="1" dirty="0" smtClean="0">
+                        <a:latin typeface="Cambria Math"/>
+                      </a:rPr>
+                      <m:t>(</m:t>
+                    </m:r>
+                    <m:r>
+                      <a:rPr lang="pl-PL" sz="1800" b="0" i="1" dirty="0" smtClean="0">
+                        <a:latin typeface="Cambria Math"/>
+                      </a:rPr>
+                      <m:t>𝑣</m:t>
+                    </m:r>
+                    <m:r>
+                      <a:rPr lang="pl-PL" sz="1800" i="1" dirty="0" smtClean="0">
+                        <a:latin typeface="Cambria Math"/>
+                      </a:rPr>
+                      <m:t>) </m:t>
+                    </m:r>
+                  </m:oMath>
+                </a14:m>
+                <a:r>
+                  <a:rPr lang="pl-PL" sz="1800" dirty="0" smtClean="0"/>
+                  <a:t>nie zawiera sąsiedztwa punktu </a:t>
+                </a:r>
+                <a14:m>
+                  <m:oMath xmlns:m="http://schemas.openxmlformats.org/officeDocument/2006/math">
+                    <m:r>
+                      <a:rPr lang="pl-PL" sz="1800" i="1" dirty="0" smtClean="0">
+                        <a:latin typeface="Cambria Math"/>
+                      </a:rPr>
+                      <m:t>𝑢</m:t>
+                    </m:r>
+                  </m:oMath>
+                </a14:m>
+                <a:r>
+                  <a:rPr lang="pl-PL" sz="1800" dirty="0" smtClean="0"/>
+                  <a:t> o promieniu </a:t>
+                </a:r>
+                <a14:m>
+                  <m:oMath xmlns:m="http://schemas.openxmlformats.org/officeDocument/2006/math">
+                    <m:r>
+                      <a:rPr lang="pl-PL" sz="1800" i="1" dirty="0">
+                        <a:latin typeface="Cambria Math"/>
+                        <a:ea typeface="Cambria Math"/>
+                      </a:rPr>
+                      <m:t>𝜀</m:t>
+                    </m:r>
+                  </m:oMath>
+                </a14:m>
+                <a:r>
+                  <a:rPr lang="pl-PL" sz="1800" dirty="0"/>
+                  <a:t> </a:t>
+                </a:r>
+                <a:br>
+                  <a:rPr lang="pl-PL" sz="1800" dirty="0"/>
+                </a:br>
+                <a:r>
+                  <a:rPr lang="pl-PL" sz="1800" dirty="0"/>
+                  <a:t>- </a:t>
+                </a:r>
+                <a:r>
+                  <a:rPr lang="pl-PL" sz="1800" dirty="0" smtClean="0"/>
+                  <a:t>W2: </a:t>
+                </a:r>
+                <a:r>
+                  <a:rPr lang="pl-PL" sz="1800" dirty="0"/>
+                  <a:t>Jeśli </a:t>
+                </a:r>
+                <a14:m>
+                  <m:oMath xmlns:m="http://schemas.openxmlformats.org/officeDocument/2006/math">
+                    <m:r>
+                      <m:rPr>
+                        <m:sty m:val="p"/>
+                      </m:rPr>
+                      <a:rPr lang="pl-PL" sz="1800">
+                        <a:latin typeface="Cambria Math"/>
+                        <a:ea typeface="Cambria Math"/>
+                      </a:rPr>
+                      <m:t>distance</m:t>
+                    </m:r>
+                    <m:d>
+                      <m:dPr>
+                        <m:ctrlPr>
+                          <a:rPr lang="pl-PL" sz="1800" i="1">
+                            <a:latin typeface="Cambria Math"/>
+                            <a:ea typeface="Cambria Math"/>
+                          </a:rPr>
+                        </m:ctrlPr>
+                      </m:dPr>
+                      <m:e>
+                        <m:r>
+                          <m:rPr>
+                            <m:sty m:val="p"/>
+                          </m:rPr>
+                          <a:rPr lang="pl-PL" sz="1800">
+                            <a:latin typeface="Cambria Math"/>
+                            <a:ea typeface="Cambria Math"/>
+                          </a:rPr>
+                          <m:t>u</m:t>
+                        </m:r>
+                        <m:r>
+                          <a:rPr lang="pl-PL" sz="1800">
+                            <a:latin typeface="Cambria Math"/>
+                            <a:ea typeface="Cambria Math"/>
+                          </a:rPr>
+                          <m:t>,</m:t>
+                        </m:r>
+                        <m:r>
+                          <m:rPr>
+                            <m:sty m:val="p"/>
+                          </m:rPr>
+                          <a:rPr lang="pl-PL" sz="1800">
+                            <a:latin typeface="Cambria Math"/>
+                            <a:ea typeface="Cambria Math"/>
+                          </a:rPr>
+                          <m:t>v</m:t>
+                        </m:r>
+                      </m:e>
+                    </m:d>
+                    <m:r>
+                      <a:rPr lang="pl-PL" sz="1800">
+                        <a:latin typeface="Cambria Math"/>
+                        <a:ea typeface="Cambria Math"/>
+                      </a:rPr>
+                      <m:t>−</m:t>
+                    </m:r>
+                    <m:r>
+                      <a:rPr lang="pl-PL" sz="1800" i="1">
+                        <a:latin typeface="Cambria Math"/>
+                        <a:ea typeface="Cambria Math"/>
+                      </a:rPr>
+                      <m:t>𝜇</m:t>
+                    </m:r>
+                    <m:r>
+                      <a:rPr lang="pl-PL" sz="1800" i="1" smtClean="0">
+                        <a:latin typeface="Cambria Math"/>
+                        <a:ea typeface="Cambria Math"/>
+                      </a:rPr>
+                      <m:t>&lt;</m:t>
+                    </m:r>
+                    <m:r>
+                      <a:rPr lang="pl-PL" sz="1800" i="1">
+                        <a:latin typeface="Cambria Math"/>
+                        <a:ea typeface="Cambria Math"/>
+                      </a:rPr>
+                      <m:t>𝜀</m:t>
+                    </m:r>
+                  </m:oMath>
+                </a14:m>
+                <a:r>
+                  <a:rPr lang="pl-PL" sz="1800" dirty="0"/>
+                  <a:t>, to </a:t>
+                </a:r>
+                <a:r>
+                  <a:rPr lang="pl-PL" sz="1800" dirty="0" smtClean="0"/>
+                  <a:t>R</a:t>
+                </a:r>
+                <a14:m>
+                  <m:oMath xmlns:m="http://schemas.openxmlformats.org/officeDocument/2006/math">
+                    <m:r>
+                      <a:rPr lang="pl-PL" sz="1800" i="1" dirty="0">
+                        <a:latin typeface="Cambria Math"/>
+                      </a:rPr>
+                      <m:t>𝑆</m:t>
+                    </m:r>
+                    <m:r>
+                      <a:rPr lang="pl-PL" sz="1800" i="1" dirty="0">
+                        <a:latin typeface="Cambria Math"/>
+                      </a:rPr>
+                      <m:t>(</m:t>
+                    </m:r>
+                    <m:r>
+                      <a:rPr lang="pl-PL" sz="1800" i="1" dirty="0">
+                        <a:latin typeface="Cambria Math"/>
+                      </a:rPr>
+                      <m:t>𝑣</m:t>
+                    </m:r>
+                    <m:r>
+                      <a:rPr lang="pl-PL" sz="1800" i="1" dirty="0">
+                        <a:latin typeface="Cambria Math"/>
+                      </a:rPr>
+                      <m:t>) </m:t>
+                    </m:r>
+                  </m:oMath>
+                </a14:m>
+                <a:r>
+                  <a:rPr lang="pl-PL" sz="1800" dirty="0"/>
+                  <a:t>nie zawiera sąsiedztwa punktu </a:t>
+                </a:r>
+                <a14:m>
+                  <m:oMath xmlns:m="http://schemas.openxmlformats.org/officeDocument/2006/math">
+                    <m:r>
+                      <a:rPr lang="pl-PL" sz="1800" i="1" dirty="0">
+                        <a:latin typeface="Cambria Math"/>
+                      </a:rPr>
+                      <m:t>𝑢</m:t>
+                    </m:r>
+                  </m:oMath>
+                </a14:m>
+                <a:r>
+                  <a:rPr lang="pl-PL" sz="1800" dirty="0"/>
+                  <a:t> o promieniu </a:t>
+                </a:r>
+                <a14:m>
+                  <m:oMath xmlns:m="http://schemas.openxmlformats.org/officeDocument/2006/math">
+                    <m:r>
+                      <a:rPr lang="pl-PL" sz="1800" i="1" dirty="0">
+                        <a:latin typeface="Cambria Math"/>
+                        <a:ea typeface="Cambria Math"/>
+                      </a:rPr>
+                      <m:t>𝜀</m:t>
+                    </m:r>
+                  </m:oMath>
+                </a14:m>
+                <a:r>
+                  <a:rPr lang="pl-PL" sz="1800" dirty="0" smtClean="0"/>
+                  <a:t> </a:t>
+                </a:r>
+                <a:br>
+                  <a:rPr lang="pl-PL" sz="1800" dirty="0" smtClean="0"/>
+                </a:br>
+                <a:endParaRPr lang="pl-PL" sz="1800" dirty="0" smtClean="0"/>
+              </a:p>
+              <a:p>
+                <a:r>
+                  <a:rPr lang="pl-PL" sz="1800" b="1" dirty="0" smtClean="0"/>
+                  <a:t>Ulepszenie wyszukiwanie </a:t>
+                </a:r>
+                <a:r>
+                  <a:rPr lang="pl-PL" sz="1800" b="1" dirty="0"/>
+                  <a:t>sąsiedztwa punktu </a:t>
+                </a:r>
+                <a14:m>
+                  <m:oMath xmlns:m="http://schemas.openxmlformats.org/officeDocument/2006/math">
+                    <m:r>
+                      <a:rPr lang="pl-PL" sz="1800" i="1" dirty="0">
+                        <a:latin typeface="Cambria Math"/>
+                      </a:rPr>
+                      <m:t>𝑢</m:t>
+                    </m:r>
+                  </m:oMath>
+                </a14:m>
+                <a:r>
+                  <a:rPr lang="pl-PL" sz="1800" b="1" dirty="0"/>
+                  <a:t> o promieniu </a:t>
+                </a:r>
+                <a14:m>
+                  <m:oMath xmlns:m="http://schemas.openxmlformats.org/officeDocument/2006/math">
+                    <m:r>
+                      <a:rPr lang="pl-PL" sz="1800" i="1" dirty="0">
+                        <a:latin typeface="Cambria Math"/>
+                        <a:ea typeface="Cambria Math"/>
+                      </a:rPr>
+                      <m:t>𝜀</m:t>
+                    </m:r>
+                  </m:oMath>
+                </a14:m>
+                <a:r>
+                  <a:rPr lang="pl-PL" sz="1800" b="1" dirty="0"/>
+                  <a:t> w węźle </a:t>
+                </a:r>
+                <a14:m>
+                  <m:oMath xmlns:m="http://schemas.openxmlformats.org/officeDocument/2006/math">
+                    <m:r>
+                      <a:rPr lang="pl-PL" sz="1800" i="1" dirty="0">
+                        <a:latin typeface="Cambria Math"/>
+                      </a:rPr>
+                      <m:t>𝑣</m:t>
+                    </m:r>
+                  </m:oMath>
+                </a14:m>
+                <a:r>
+                  <a:rPr lang="pl-PL" sz="1800" b="1" dirty="0"/>
+                  <a:t> VP-</a:t>
+                </a:r>
+                <a:r>
+                  <a:rPr lang="pl-PL" sz="1800" b="1" dirty="0" err="1"/>
+                  <a:t>Tree</a:t>
+                </a:r>
+                <a:r>
+                  <a:rPr lang="pl-PL" sz="1800" dirty="0"/>
+                  <a:t>:</a:t>
+                </a:r>
+                <a:br>
+                  <a:rPr lang="pl-PL" sz="1800" dirty="0"/>
+                </a:br>
+                <a:r>
+                  <a:rPr lang="pl-PL" sz="1800" dirty="0" smtClean="0"/>
+                  <a:t>- W1’: </a:t>
+                </a:r>
+                <a14:m>
+                  <m:oMath xmlns:m="http://schemas.openxmlformats.org/officeDocument/2006/math">
+                    <m:r>
+                      <m:rPr>
+                        <m:sty m:val="p"/>
+                      </m:rPr>
+                      <a:rPr lang="pl-PL" sz="1800">
+                        <a:latin typeface="Cambria Math"/>
+                        <a:ea typeface="Cambria Math"/>
+                      </a:rPr>
+                      <m:t>distance</m:t>
+                    </m:r>
+                    <m:d>
+                      <m:dPr>
+                        <m:ctrlPr>
+                          <a:rPr lang="pl-PL" sz="1800" i="1">
+                            <a:latin typeface="Cambria Math"/>
+                            <a:ea typeface="Cambria Math"/>
+                          </a:rPr>
+                        </m:ctrlPr>
+                      </m:dPr>
+                      <m:e>
+                        <m:r>
+                          <m:rPr>
+                            <m:sty m:val="p"/>
+                          </m:rPr>
+                          <a:rPr lang="pl-PL" sz="1800">
+                            <a:latin typeface="Cambria Math"/>
+                            <a:ea typeface="Cambria Math"/>
+                          </a:rPr>
+                          <m:t>u</m:t>
+                        </m:r>
+                        <m:r>
+                          <a:rPr lang="pl-PL" sz="1800">
+                            <a:latin typeface="Cambria Math"/>
+                            <a:ea typeface="Cambria Math"/>
+                          </a:rPr>
+                          <m:t>,</m:t>
+                        </m:r>
+                        <m:r>
+                          <m:rPr>
+                            <m:sty m:val="p"/>
+                          </m:rPr>
+                          <a:rPr lang="pl-PL" sz="1800">
+                            <a:latin typeface="Cambria Math"/>
+                            <a:ea typeface="Cambria Math"/>
+                          </a:rPr>
+                          <m:t>v</m:t>
+                        </m:r>
+                      </m:e>
+                    </m:d>
+                    <m:r>
+                      <a:rPr lang="pl-PL" sz="1800">
+                        <a:latin typeface="Cambria Math"/>
+                        <a:ea typeface="Cambria Math"/>
+                      </a:rPr>
+                      <m:t>−</m:t>
+                    </m:r>
+                    <m:r>
+                      <a:rPr lang="pl-PL" sz="1800" b="0" i="1" smtClean="0">
+                        <a:latin typeface="Cambria Math"/>
+                        <a:ea typeface="Cambria Math"/>
+                      </a:rPr>
+                      <m:t>𝑙𝑒𝑓𝑡</m:t>
+                    </m:r>
+                    <m:r>
+                      <a:rPr lang="pl-PL" sz="1800" b="0" i="1" smtClean="0">
+                        <a:latin typeface="Cambria Math"/>
+                        <a:ea typeface="Cambria Math"/>
+                      </a:rPr>
+                      <m:t>_</m:t>
+                    </m:r>
+                    <m:r>
+                      <a:rPr lang="pl-PL" sz="1800" b="0" i="1" smtClean="0">
+                        <a:latin typeface="Cambria Math"/>
+                        <a:ea typeface="Cambria Math"/>
+                      </a:rPr>
+                      <m:t>𝑏𝑜𝑢𝑛𝑑𝑎𝑟𝑦</m:t>
+                    </m:r>
+                    <m:r>
+                      <a:rPr lang="pl-PL" sz="1800" i="1">
+                        <a:latin typeface="Cambria Math"/>
+                        <a:ea typeface="Cambria Math"/>
+                      </a:rPr>
+                      <m:t>≥</m:t>
+                    </m:r>
+                    <m:r>
+                      <a:rPr lang="pl-PL" sz="1800" i="1">
+                        <a:latin typeface="Cambria Math"/>
+                        <a:ea typeface="Cambria Math"/>
+                      </a:rPr>
+                      <m:t>𝜀</m:t>
+                    </m:r>
+                  </m:oMath>
+                </a14:m>
+                <a:r>
+                  <a:rPr lang="pl-PL" sz="1800" dirty="0"/>
+                  <a:t>, </a:t>
+                </a:r>
+                <a:br>
+                  <a:rPr lang="pl-PL" sz="1800" dirty="0"/>
+                </a:br>
+                <a:r>
+                  <a:rPr lang="pl-PL" sz="1800" dirty="0"/>
+                  <a:t>- </a:t>
+                </a:r>
+                <a:r>
+                  <a:rPr lang="pl-PL" sz="1800" dirty="0" smtClean="0"/>
+                  <a:t>W2’: </a:t>
+                </a:r>
+                <a:r>
+                  <a:rPr lang="pl-PL" sz="1800" dirty="0"/>
+                  <a:t>Jeśli </a:t>
+                </a:r>
+                <a14:m>
+                  <m:oMath xmlns:m="http://schemas.openxmlformats.org/officeDocument/2006/math">
+                    <m:r>
+                      <m:rPr>
+                        <m:sty m:val="p"/>
+                      </m:rPr>
+                      <a:rPr lang="pl-PL" sz="1800">
+                        <a:latin typeface="Cambria Math"/>
+                        <a:ea typeface="Cambria Math"/>
+                      </a:rPr>
+                      <m:t>distance</m:t>
+                    </m:r>
+                    <m:d>
+                      <m:dPr>
+                        <m:ctrlPr>
+                          <a:rPr lang="pl-PL" sz="1800" i="1">
+                            <a:latin typeface="Cambria Math"/>
+                            <a:ea typeface="Cambria Math"/>
+                          </a:rPr>
+                        </m:ctrlPr>
+                      </m:dPr>
+                      <m:e>
+                        <m:r>
+                          <m:rPr>
+                            <m:sty m:val="p"/>
+                          </m:rPr>
+                          <a:rPr lang="pl-PL" sz="1800">
+                            <a:latin typeface="Cambria Math"/>
+                            <a:ea typeface="Cambria Math"/>
+                          </a:rPr>
+                          <m:t>u</m:t>
+                        </m:r>
+                        <m:r>
+                          <a:rPr lang="pl-PL" sz="1800">
+                            <a:latin typeface="Cambria Math"/>
+                            <a:ea typeface="Cambria Math"/>
+                          </a:rPr>
+                          <m:t>,</m:t>
+                        </m:r>
+                        <m:r>
+                          <m:rPr>
+                            <m:sty m:val="p"/>
+                          </m:rPr>
+                          <a:rPr lang="pl-PL" sz="1800">
+                            <a:latin typeface="Cambria Math"/>
+                            <a:ea typeface="Cambria Math"/>
+                          </a:rPr>
+                          <m:t>v</m:t>
+                        </m:r>
+                      </m:e>
+                    </m:d>
+                    <m:r>
+                      <a:rPr lang="pl-PL" sz="1800">
+                        <a:latin typeface="Cambria Math"/>
+                        <a:ea typeface="Cambria Math"/>
+                      </a:rPr>
+                      <m:t>−</m:t>
+                    </m:r>
+                    <m:r>
+                      <a:rPr lang="pl-PL" sz="1800" b="0" i="1" smtClean="0">
+                        <a:latin typeface="Cambria Math"/>
+                        <a:ea typeface="Cambria Math"/>
+                      </a:rPr>
+                      <m:t>𝑟𝑖𝑔h𝑡</m:t>
+                    </m:r>
+                    <m:r>
+                      <a:rPr lang="pl-PL" sz="1800" b="0" i="1" smtClean="0">
+                        <a:latin typeface="Cambria Math"/>
+                        <a:ea typeface="Cambria Math"/>
+                      </a:rPr>
+                      <m:t>_</m:t>
+                    </m:r>
+                    <m:r>
+                      <a:rPr lang="pl-PL" sz="1800" b="0" i="1" smtClean="0">
+                        <a:latin typeface="Cambria Math"/>
+                        <a:ea typeface="Cambria Math"/>
+                      </a:rPr>
+                      <m:t>𝑏𝑜𝑢𝑛𝑑𝑎𝑟𝑦</m:t>
+                    </m:r>
+                    <m:r>
+                      <a:rPr lang="pl-PL" sz="1800" i="1">
+                        <a:latin typeface="Cambria Math"/>
+                        <a:ea typeface="Cambria Math"/>
+                      </a:rPr>
+                      <m:t>&lt;</m:t>
+                    </m:r>
+                    <m:r>
+                      <a:rPr lang="pl-PL" sz="1800" i="1">
+                        <a:latin typeface="Cambria Math"/>
+                        <a:ea typeface="Cambria Math"/>
+                      </a:rPr>
+                      <m:t>𝜀</m:t>
+                    </m:r>
+                  </m:oMath>
+                </a14:m>
+                <a:r>
+                  <a:rPr lang="pl-PL" sz="1800" dirty="0"/>
+                  <a:t>, </a:t>
+                </a:r>
+              </a:p>
+            </p:txBody>
+          </p:sp>
+        </mc:Choice>
+        <mc:Fallback xmlns="">
+          <p:sp>
+            <p:nvSpPr>
+              <p:cNvPr id="9" name="Symbol zastępczy zawartości 2"/>
+              <p:cNvSpPr txBox="1">
+                <a:spLocks noRot="1" noChangeAspect="1" noMove="1" noResize="1" noEditPoints="1" noAdjustHandles="1" noChangeArrowheads="1" noChangeShapeType="1" noTextEdit="1"/>
+              </p:cNvSpPr>
+              <p:nvPr/>
+            </p:nvSpPr>
+            <p:spPr bwMode="auto">
+              <a:xfrm>
+                <a:off x="395536" y="3284984"/>
+                <a:ext cx="8208912" cy="2880320"/>
+              </a:xfrm>
+              <a:prstGeom prst="rect">
+                <a:avLst/>
+              </a:prstGeom>
+              <a:blipFill rotWithShape="1">
+                <a:blip r:embed="rId4"/>
+                <a:stretch>
+                  <a:fillRect l="-520" t="-1059" b="-3814"/>
+                </a:stretch>
+              </a:blipFill>
+              <a:ln>
+                <a:noFill/>
+              </a:ln>
+              <a:extLst>
+                <a:ext uri="{909E8E84-426E-40DD-AFC4-6F175D3DCCD1}">
+                  <a14:hiddenFill xmlns:a14="http://schemas.microsoft.com/office/drawing/2010/main">
+                    <a:solidFill>
+                      <a:srgbClr val="FFFFFF"/>
+                    </a:solidFill>
+                  </a14:hiddenFill>
+                </a:ext>
+                <a:ext uri="{91240B29-F687-4F45-9708-019B960494DF}">
+                  <a14:hiddenLine xmlns:a14="http://schemas.microsoft.com/office/drawing/2010/main" w="9525">
+                    <a:solidFill>
+                      <a:srgbClr val="000000"/>
+                    </a:solidFill>
+                    <a:miter lim="800000"/>
+                    <a:headEnd/>
+                    <a:tailEnd/>
+                  </a14:hiddenLine>
+                </a:ext>
+              </a:extLst>
+            </p:spPr>
+            <p:txBody>
+              <a:bodyPr/>
+              <a:lstStyle/>
+              <a:p>
+                <a:r>
+                  <a:rPr lang="pl-PL">
+                    <a:noFill/>
+                  </a:rPr>
+                  <a:t> </a:t>
+                </a:r>
+              </a:p>
+            </p:txBody>
+          </p:sp>
+        </mc:Fallback>
+      </mc:AlternateContent>
     </p:spTree>
   </p:cSld>
   <p:clrMapOvr>

--- a/documents/prezentacja/Bartlomiej_Janczak_22_06_2013.pptx
+++ b/documents/prezentacja/Bartlomiej_Janczak_22_06_2013.pptx
@@ -189,11 +189,11 @@
           <c:showPercent val="0"/>
           <c:showBubbleSize val="0"/>
         </c:dLbls>
-        <c:axId val="86489344"/>
-        <c:axId val="86855680"/>
+        <c:axId val="85180416"/>
+        <c:axId val="85182336"/>
       </c:scatterChart>
       <c:valAx>
-        <c:axId val="86489344"/>
+        <c:axId val="85180416"/>
         <c:scaling>
           <c:orientation val="minMax"/>
         </c:scaling>
@@ -202,12 +202,12 @@
         <c:majorTickMark val="none"/>
         <c:minorTickMark val="none"/>
         <c:tickLblPos val="nextTo"/>
-        <c:crossAx val="86855680"/>
+        <c:crossAx val="85182336"/>
         <c:crosses val="autoZero"/>
         <c:crossBetween val="midCat"/>
       </c:valAx>
       <c:valAx>
-        <c:axId val="86855680"/>
+        <c:axId val="85182336"/>
         <c:scaling>
           <c:orientation val="minMax"/>
         </c:scaling>
@@ -216,14 +216,13 @@
         <c:majorTickMark val="none"/>
         <c:minorTickMark val="none"/>
         <c:tickLblPos val="nextTo"/>
-        <c:crossAx val="86489344"/>
+        <c:crossAx val="85180416"/>
         <c:crosses val="autoZero"/>
         <c:crossBetween val="midCat"/>
       </c:valAx>
     </c:plotArea>
     <c:legend>
       <c:legendPos val="b"/>
-      <c:layout/>
       <c:overlay val="0"/>
     </c:legend>
     <c:plotVisOnly val="1"/>
@@ -270,7 +269,6 @@
           </a:p>
         </c:rich>
       </c:tx>
-      <c:layout/>
       <c:overlay val="0"/>
     </c:title>
     <c:autoTitleDeleted val="0"/>
@@ -509,11 +507,11 @@
           <c:showPercent val="0"/>
           <c:showBubbleSize val="0"/>
         </c:dLbls>
-        <c:axId val="113073536"/>
-        <c:axId val="113079808"/>
+        <c:axId val="91198976"/>
+        <c:axId val="91200896"/>
       </c:scatterChart>
       <c:valAx>
-        <c:axId val="113073536"/>
+        <c:axId val="91198976"/>
         <c:scaling>
           <c:orientation val="minMax"/>
           <c:max val="600000"/>
@@ -537,20 +535,19 @@
               </a:p>
             </c:rich>
           </c:tx>
-          <c:layout/>
           <c:overlay val="0"/>
         </c:title>
         <c:numFmt formatCode="General" sourceLinked="1"/>
         <c:majorTickMark val="none"/>
         <c:minorTickMark val="none"/>
         <c:tickLblPos val="nextTo"/>
-        <c:crossAx val="113079808"/>
+        <c:crossAx val="91200896"/>
         <c:crosses val="autoZero"/>
         <c:crossBetween val="midCat"/>
         <c:majorUnit val="150000"/>
       </c:valAx>
       <c:valAx>
-        <c:axId val="113079808"/>
+        <c:axId val="91200896"/>
         <c:scaling>
           <c:logBase val="10"/>
           <c:orientation val="minMax"/>
@@ -574,14 +571,13 @@
               </a:p>
             </c:rich>
           </c:tx>
-          <c:layout/>
           <c:overlay val="0"/>
         </c:title>
         <c:numFmt formatCode="0.000" sourceLinked="1"/>
         <c:majorTickMark val="none"/>
         <c:minorTickMark val="none"/>
         <c:tickLblPos val="nextTo"/>
-        <c:crossAx val="113073536"/>
+        <c:crossAx val="91198976"/>
         <c:crosses val="autoZero"/>
         <c:crossBetween val="midCat"/>
       </c:valAx>
@@ -629,11 +625,11 @@
           <c:showPercent val="0"/>
           <c:showBubbleSize val="0"/>
         </c:dLbls>
-        <c:axId val="87897216"/>
-        <c:axId val="87898752"/>
+        <c:axId val="91233664"/>
+        <c:axId val="91260032"/>
       </c:scatterChart>
       <c:valAx>
-        <c:axId val="87897216"/>
+        <c:axId val="91233664"/>
         <c:scaling>
           <c:orientation val="minMax"/>
         </c:scaling>
@@ -642,12 +638,12 @@
         <c:majorTickMark val="none"/>
         <c:minorTickMark val="none"/>
         <c:tickLblPos val="nextTo"/>
-        <c:crossAx val="87898752"/>
+        <c:crossAx val="91260032"/>
         <c:crosses val="autoZero"/>
         <c:crossBetween val="midCat"/>
       </c:valAx>
       <c:valAx>
-        <c:axId val="87898752"/>
+        <c:axId val="91260032"/>
         <c:scaling>
           <c:orientation val="minMax"/>
         </c:scaling>
@@ -656,14 +652,13 @@
         <c:majorTickMark val="none"/>
         <c:minorTickMark val="none"/>
         <c:tickLblPos val="nextTo"/>
-        <c:crossAx val="87897216"/>
+        <c:crossAx val="91233664"/>
         <c:crosses val="autoZero"/>
         <c:crossBetween val="midCat"/>
       </c:valAx>
     </c:plotArea>
     <c:legend>
       <c:legendPos val="b"/>
-      <c:layout/>
       <c:overlay val="0"/>
     </c:legend>
     <c:plotVisOnly val="1"/>
@@ -710,7 +705,6 @@
           </a:p>
         </c:rich>
       </c:tx>
-      <c:layout/>
       <c:overlay val="0"/>
     </c:title>
     <c:autoTitleDeleted val="0"/>
@@ -849,11 +843,11 @@
           <c:showPercent val="0"/>
           <c:showBubbleSize val="0"/>
         </c:dLbls>
-        <c:axId val="87964672"/>
-        <c:axId val="87966848"/>
+        <c:axId val="91284992"/>
+        <c:axId val="91286912"/>
       </c:scatterChart>
       <c:valAx>
-        <c:axId val="87964672"/>
+        <c:axId val="91284992"/>
         <c:scaling>
           <c:orientation val="minMax"/>
           <c:max val="5000"/>
@@ -877,20 +871,19 @@
               </a:p>
             </c:rich>
           </c:tx>
-          <c:layout/>
           <c:overlay val="0"/>
         </c:title>
         <c:numFmt formatCode="General" sourceLinked="1"/>
         <c:majorTickMark val="none"/>
         <c:minorTickMark val="none"/>
         <c:tickLblPos val="nextTo"/>
-        <c:crossAx val="87966848"/>
+        <c:crossAx val="91286912"/>
         <c:crosses val="autoZero"/>
         <c:crossBetween val="midCat"/>
         <c:majorUnit val="1000"/>
       </c:valAx>
       <c:valAx>
-        <c:axId val="87966848"/>
+        <c:axId val="91286912"/>
         <c:scaling>
           <c:orientation val="minMax"/>
           <c:max val="7"/>
@@ -914,14 +907,13 @@
               </a:p>
             </c:rich>
           </c:tx>
-          <c:layout/>
           <c:overlay val="0"/>
         </c:title>
         <c:numFmt formatCode="#,##0.000_ ;\-#,##0.000\ " sourceLinked="1"/>
         <c:majorTickMark val="none"/>
         <c:minorTickMark val="none"/>
         <c:tickLblPos val="nextTo"/>
-        <c:crossAx val="87964672"/>
+        <c:crossAx val="91284992"/>
         <c:crosses val="autoZero"/>
         <c:crossBetween val="midCat"/>
         <c:majorUnit val="1.4"/>
@@ -972,7 +964,6 @@
           </a:p>
         </c:rich>
       </c:tx>
-      <c:layout/>
       <c:overlay val="0"/>
     </c:title>
     <c:autoTitleDeleted val="0"/>
@@ -1111,11 +1102,11 @@
           <c:showPercent val="0"/>
           <c:showBubbleSize val="0"/>
         </c:dLbls>
-        <c:axId val="87992192"/>
-        <c:axId val="87998464"/>
+        <c:axId val="97616256"/>
+        <c:axId val="97618176"/>
       </c:scatterChart>
       <c:valAx>
-        <c:axId val="87992192"/>
+        <c:axId val="97616256"/>
         <c:scaling>
           <c:orientation val="minMax"/>
           <c:max val="10000"/>
@@ -1139,20 +1130,19 @@
               </a:p>
             </c:rich>
           </c:tx>
-          <c:layout/>
           <c:overlay val="0"/>
         </c:title>
         <c:numFmt formatCode="General" sourceLinked="1"/>
         <c:majorTickMark val="none"/>
         <c:minorTickMark val="none"/>
         <c:tickLblPos val="nextTo"/>
-        <c:crossAx val="87998464"/>
+        <c:crossAx val="97618176"/>
         <c:crosses val="autoZero"/>
         <c:crossBetween val="midCat"/>
         <c:majorUnit val="2000"/>
       </c:valAx>
       <c:valAx>
-        <c:axId val="87998464"/>
+        <c:axId val="97618176"/>
         <c:scaling>
           <c:orientation val="minMax"/>
           <c:max val="20"/>
@@ -1176,14 +1166,13 @@
               </a:p>
             </c:rich>
           </c:tx>
-          <c:layout/>
           <c:overlay val="0"/>
         </c:title>
         <c:numFmt formatCode="#,##0.000_ ;\-#,##0.000\ " sourceLinked="1"/>
         <c:majorTickMark val="none"/>
         <c:minorTickMark val="none"/>
         <c:tickLblPos val="nextTo"/>
-        <c:crossAx val="87992192"/>
+        <c:crossAx val="97616256"/>
         <c:crosses val="autoZero"/>
         <c:crossBetween val="midCat"/>
         <c:majorUnit val="4"/>
@@ -1234,7 +1223,6 @@
           </a:p>
         </c:rich>
       </c:tx>
-      <c:layout/>
       <c:overlay val="0"/>
     </c:title>
     <c:autoTitleDeleted val="0"/>
@@ -1373,11 +1361,11 @@
           <c:showPercent val="0"/>
           <c:showBubbleSize val="0"/>
         </c:dLbls>
-        <c:axId val="88015616"/>
-        <c:axId val="88017536"/>
+        <c:axId val="97643520"/>
+        <c:axId val="97662080"/>
       </c:scatterChart>
       <c:valAx>
-        <c:axId val="88015616"/>
+        <c:axId val="97643520"/>
         <c:scaling>
           <c:orientation val="minMax"/>
           <c:max val="100000"/>
@@ -1401,20 +1389,19 @@
               </a:p>
             </c:rich>
           </c:tx>
-          <c:layout/>
           <c:overlay val="0"/>
         </c:title>
         <c:numFmt formatCode="General" sourceLinked="1"/>
         <c:majorTickMark val="none"/>
         <c:minorTickMark val="none"/>
         <c:tickLblPos val="nextTo"/>
-        <c:crossAx val="88017536"/>
+        <c:crossAx val="97662080"/>
         <c:crosses val="autoZero"/>
         <c:crossBetween val="midCat"/>
         <c:majorUnit val="25000"/>
       </c:valAx>
       <c:valAx>
-        <c:axId val="88017536"/>
+        <c:axId val="97662080"/>
         <c:scaling>
           <c:orientation val="minMax"/>
           <c:max val="50"/>
@@ -1438,14 +1425,13 @@
               </a:p>
             </c:rich>
           </c:tx>
-          <c:layout/>
           <c:overlay val="0"/>
         </c:title>
         <c:numFmt formatCode="#,##0.000_ ;\-#,##0.000\ " sourceLinked="1"/>
         <c:majorTickMark val="none"/>
         <c:minorTickMark val="none"/>
         <c:tickLblPos val="nextTo"/>
-        <c:crossAx val="88015616"/>
+        <c:crossAx val="97643520"/>
         <c:crosses val="autoZero"/>
         <c:crossBetween val="midCat"/>
         <c:majorUnit val="10"/>
@@ -1496,7 +1482,6 @@
           </a:p>
         </c:rich>
       </c:tx>
-      <c:layout/>
       <c:overlay val="0"/>
     </c:title>
     <c:autoTitleDeleted val="0"/>
@@ -1635,11 +1620,11 @@
           <c:showPercent val="0"/>
           <c:showBubbleSize val="0"/>
         </c:dLbls>
-        <c:axId val="88059264"/>
-        <c:axId val="88065536"/>
+        <c:axId val="97683328"/>
+        <c:axId val="97685504"/>
       </c:scatterChart>
       <c:valAx>
-        <c:axId val="88059264"/>
+        <c:axId val="97683328"/>
         <c:scaling>
           <c:orientation val="minMax"/>
           <c:max val="600000"/>
@@ -1663,20 +1648,19 @@
               </a:p>
             </c:rich>
           </c:tx>
-          <c:layout/>
           <c:overlay val="0"/>
         </c:title>
         <c:numFmt formatCode="General" sourceLinked="1"/>
         <c:majorTickMark val="none"/>
         <c:minorTickMark val="none"/>
         <c:tickLblPos val="nextTo"/>
-        <c:crossAx val="88065536"/>
+        <c:crossAx val="97685504"/>
         <c:crosses val="autoZero"/>
         <c:crossBetween val="midCat"/>
         <c:majorUnit val="150000"/>
       </c:valAx>
       <c:valAx>
-        <c:axId val="88065536"/>
+        <c:axId val="97685504"/>
         <c:scaling>
           <c:orientation val="minMax"/>
           <c:max val="300"/>
@@ -1700,14 +1684,13 @@
               </a:p>
             </c:rich>
           </c:tx>
-          <c:layout/>
           <c:overlay val="0"/>
         </c:title>
         <c:numFmt formatCode="#,##0.000_ ;\-#,##0.000\ " sourceLinked="1"/>
         <c:majorTickMark val="none"/>
         <c:minorTickMark val="none"/>
         <c:tickLblPos val="nextTo"/>
-        <c:crossAx val="88059264"/>
+        <c:crossAx val="97683328"/>
         <c:crosses val="autoZero"/>
         <c:crossBetween val="midCat"/>
         <c:majorUnit val="60"/>
@@ -1758,11 +1741,11 @@
           <c:showBubbleSize val="0"/>
         </c:dLbls>
         <c:gapWidth val="150"/>
-        <c:axId val="74845568"/>
-        <c:axId val="74863744"/>
+        <c:axId val="87637376"/>
+        <c:axId val="87655552"/>
       </c:barChart>
       <c:catAx>
-        <c:axId val="74845568"/>
+        <c:axId val="87637376"/>
         <c:scaling>
           <c:orientation val="minMax"/>
         </c:scaling>
@@ -1771,7 +1754,7 @@
         <c:majorTickMark val="out"/>
         <c:minorTickMark val="none"/>
         <c:tickLblPos val="nextTo"/>
-        <c:crossAx val="74863744"/>
+        <c:crossAx val="87655552"/>
         <c:crosses val="autoZero"/>
         <c:auto val="1"/>
         <c:lblAlgn val="ctr"/>
@@ -1779,7 +1762,7 @@
         <c:noMultiLvlLbl val="0"/>
       </c:catAx>
       <c:valAx>
-        <c:axId val="74863744"/>
+        <c:axId val="87655552"/>
         <c:scaling>
           <c:orientation val="minMax"/>
         </c:scaling>
@@ -1789,14 +1772,13 @@
         <c:majorTickMark val="out"/>
         <c:minorTickMark val="none"/>
         <c:tickLblPos val="nextTo"/>
-        <c:crossAx val="74845568"/>
+        <c:crossAx val="87637376"/>
         <c:crosses val="autoZero"/>
         <c:crossBetween val="between"/>
       </c:valAx>
     </c:plotArea>
     <c:legend>
       <c:legendPos val="r"/>
-      <c:layout/>
       <c:overlay val="0"/>
     </c:legend>
     <c:plotVisOnly val="1"/>
@@ -1840,7 +1822,6 @@
           </a:p>
         </c:rich>
       </c:tx>
-      <c:layout/>
       <c:overlay val="0"/>
     </c:title>
     <c:autoTitleDeleted val="0"/>
@@ -2091,11 +2072,11 @@
           <c:showPercent val="0"/>
           <c:showBubbleSize val="0"/>
         </c:dLbls>
-        <c:axId val="87491328"/>
-        <c:axId val="87494016"/>
+        <c:axId val="87686144"/>
+        <c:axId val="87688320"/>
       </c:scatterChart>
       <c:valAx>
-        <c:axId val="87491328"/>
+        <c:axId val="87686144"/>
         <c:scaling>
           <c:orientation val="minMax"/>
           <c:max val="5000"/>
@@ -2119,20 +2100,19 @@
               </a:p>
             </c:rich>
           </c:tx>
-          <c:layout/>
           <c:overlay val="0"/>
         </c:title>
         <c:numFmt formatCode="General" sourceLinked="1"/>
         <c:majorTickMark val="none"/>
         <c:minorTickMark val="none"/>
         <c:tickLblPos val="nextTo"/>
-        <c:crossAx val="87494016"/>
+        <c:crossAx val="87688320"/>
         <c:crosses val="autoZero"/>
         <c:crossBetween val="midCat"/>
         <c:majorUnit val="1000"/>
       </c:valAx>
       <c:valAx>
-        <c:axId val="87494016"/>
+        <c:axId val="87688320"/>
         <c:scaling>
           <c:orientation val="minMax"/>
           <c:max val="40"/>
@@ -2161,14 +2141,13 @@
               </a:p>
             </c:rich>
           </c:tx>
-          <c:layout/>
           <c:overlay val="0"/>
         </c:title>
         <c:numFmt formatCode="0.000" sourceLinked="1"/>
         <c:majorTickMark val="none"/>
         <c:minorTickMark val="none"/>
         <c:tickLblPos val="nextTo"/>
-        <c:crossAx val="87491328"/>
+        <c:crossAx val="87686144"/>
         <c:crosses val="autoZero"/>
         <c:crossBetween val="midCat"/>
         <c:majorUnit val="8"/>
@@ -2219,7 +2198,6 @@
           </a:p>
         </c:rich>
       </c:tx>
-      <c:layout/>
       <c:overlay val="0"/>
     </c:title>
     <c:autoTitleDeleted val="0"/>
@@ -2470,11 +2448,11 @@
           <c:showPercent val="0"/>
           <c:showBubbleSize val="0"/>
         </c:dLbls>
-        <c:axId val="89170304"/>
-        <c:axId val="93788416"/>
+        <c:axId val="87735680"/>
+        <c:axId val="87737856"/>
       </c:scatterChart>
       <c:valAx>
-        <c:axId val="89170304"/>
+        <c:axId val="87735680"/>
         <c:scaling>
           <c:orientation val="minMax"/>
           <c:max val="10000"/>
@@ -2498,20 +2476,19 @@
               </a:p>
             </c:rich>
           </c:tx>
-          <c:layout/>
           <c:overlay val="0"/>
         </c:title>
         <c:numFmt formatCode="General" sourceLinked="1"/>
         <c:majorTickMark val="none"/>
         <c:minorTickMark val="none"/>
         <c:tickLblPos val="nextTo"/>
-        <c:crossAx val="93788416"/>
+        <c:crossAx val="87737856"/>
         <c:crosses val="autoZero"/>
         <c:crossBetween val="midCat"/>
         <c:majorUnit val="2000"/>
       </c:valAx>
       <c:valAx>
-        <c:axId val="93788416"/>
+        <c:axId val="87737856"/>
         <c:scaling>
           <c:orientation val="minMax"/>
           <c:max val="120"/>
@@ -2540,14 +2517,13 @@
               </a:p>
             </c:rich>
           </c:tx>
-          <c:layout/>
           <c:overlay val="0"/>
         </c:title>
         <c:numFmt formatCode="0.000" sourceLinked="1"/>
         <c:majorTickMark val="none"/>
         <c:minorTickMark val="none"/>
         <c:tickLblPos val="nextTo"/>
-        <c:crossAx val="89170304"/>
+        <c:crossAx val="87735680"/>
         <c:crosses val="autoZero"/>
         <c:crossBetween val="midCat"/>
         <c:majorUnit val="24"/>
@@ -2598,7 +2574,6 @@
           </a:p>
         </c:rich>
       </c:tx>
-      <c:layout/>
       <c:overlay val="0"/>
     </c:title>
     <c:autoTitleDeleted val="0"/>
@@ -2837,11 +2812,11 @@
           <c:showPercent val="0"/>
           <c:showBubbleSize val="0"/>
         </c:dLbls>
-        <c:axId val="125580800"/>
-        <c:axId val="125624704"/>
+        <c:axId val="87769088"/>
+        <c:axId val="87771008"/>
       </c:scatterChart>
       <c:valAx>
-        <c:axId val="125580800"/>
+        <c:axId val="87769088"/>
         <c:scaling>
           <c:orientation val="minMax"/>
           <c:max val="100000"/>
@@ -2865,20 +2840,19 @@
               </a:p>
             </c:rich>
           </c:tx>
-          <c:layout/>
           <c:overlay val="0"/>
         </c:title>
         <c:numFmt formatCode="General" sourceLinked="1"/>
         <c:majorTickMark val="none"/>
         <c:minorTickMark val="none"/>
         <c:tickLblPos val="nextTo"/>
-        <c:crossAx val="125624704"/>
+        <c:crossAx val="87771008"/>
         <c:crosses val="autoZero"/>
         <c:crossBetween val="midCat"/>
         <c:majorUnit val="25000"/>
       </c:valAx>
       <c:valAx>
-        <c:axId val="125624704"/>
+        <c:axId val="87771008"/>
         <c:scaling>
           <c:logBase val="10"/>
           <c:orientation val="minMax"/>
@@ -2907,14 +2881,13 @@
               </a:p>
             </c:rich>
           </c:tx>
-          <c:layout/>
           <c:overlay val="0"/>
         </c:title>
         <c:numFmt formatCode="0.000" sourceLinked="1"/>
         <c:majorTickMark val="none"/>
         <c:minorTickMark val="none"/>
         <c:tickLblPos val="nextTo"/>
-        <c:crossAx val="125580800"/>
+        <c:crossAx val="87769088"/>
         <c:crosses val="autoZero"/>
         <c:crossBetween val="midCat"/>
       </c:valAx>
@@ -2964,7 +2937,6 @@
           </a:p>
         </c:rich>
       </c:tx>
-      <c:layout/>
       <c:overlay val="0"/>
     </c:title>
     <c:autoTitleDeleted val="0"/>
@@ -3103,11 +3075,11 @@
           <c:showPercent val="0"/>
           <c:showBubbleSize val="0"/>
         </c:dLbls>
-        <c:axId val="87228800"/>
-        <c:axId val="87230720"/>
+        <c:axId val="88021248"/>
+        <c:axId val="88031616"/>
       </c:scatterChart>
       <c:valAx>
-        <c:axId val="87228800"/>
+        <c:axId val="88021248"/>
         <c:scaling>
           <c:orientation val="minMax"/>
           <c:max val="5000"/>
@@ -3131,20 +3103,19 @@
               </a:p>
             </c:rich>
           </c:tx>
-          <c:layout/>
           <c:overlay val="0"/>
         </c:title>
         <c:numFmt formatCode="General" sourceLinked="1"/>
         <c:majorTickMark val="none"/>
         <c:minorTickMark val="none"/>
         <c:tickLblPos val="nextTo"/>
-        <c:crossAx val="87230720"/>
+        <c:crossAx val="88031616"/>
         <c:crosses val="autoZero"/>
         <c:crossBetween val="midCat"/>
         <c:majorUnit val="1000"/>
       </c:valAx>
       <c:valAx>
-        <c:axId val="87230720"/>
+        <c:axId val="88031616"/>
         <c:scaling>
           <c:orientation val="minMax"/>
           <c:max val="8"/>
@@ -3168,14 +3139,13 @@
               </a:p>
             </c:rich>
           </c:tx>
-          <c:layout/>
           <c:overlay val="0"/>
         </c:title>
         <c:numFmt formatCode="#,##0.000_ ;\-#,##0.000\ " sourceLinked="1"/>
         <c:majorTickMark val="none"/>
         <c:minorTickMark val="none"/>
         <c:tickLblPos val="nextTo"/>
-        <c:crossAx val="87228800"/>
+        <c:crossAx val="88021248"/>
         <c:crosses val="autoZero"/>
         <c:crossBetween val="midCat"/>
         <c:majorUnit val="1.6"/>
@@ -3226,7 +3196,6 @@
           </a:p>
         </c:rich>
       </c:tx>
-      <c:layout/>
       <c:overlay val="0"/>
     </c:title>
     <c:autoTitleDeleted val="0"/>
@@ -3459,11 +3428,11 @@
           <c:showPercent val="0"/>
           <c:showBubbleSize val="0"/>
         </c:dLbls>
-        <c:axId val="74902528"/>
-        <c:axId val="74904704"/>
+        <c:axId val="87806336"/>
+        <c:axId val="87808256"/>
       </c:scatterChart>
       <c:valAx>
-        <c:axId val="74902528"/>
+        <c:axId val="87806336"/>
         <c:scaling>
           <c:orientation val="minMax"/>
           <c:max val="600000"/>
@@ -3487,20 +3456,19 @@
               </a:p>
             </c:rich>
           </c:tx>
-          <c:layout/>
           <c:overlay val="0"/>
         </c:title>
         <c:numFmt formatCode="General" sourceLinked="1"/>
         <c:majorTickMark val="none"/>
         <c:minorTickMark val="none"/>
         <c:tickLblPos val="nextTo"/>
-        <c:crossAx val="74904704"/>
+        <c:crossAx val="87808256"/>
         <c:crosses val="autoZero"/>
         <c:crossBetween val="midCat"/>
         <c:majorUnit val="150000"/>
       </c:valAx>
       <c:valAx>
-        <c:axId val="74904704"/>
+        <c:axId val="87808256"/>
         <c:scaling>
           <c:logBase val="10"/>
           <c:orientation val="minMax"/>
@@ -3529,14 +3497,13 @@
               </a:p>
             </c:rich>
           </c:tx>
-          <c:layout/>
           <c:overlay val="0"/>
         </c:title>
         <c:numFmt formatCode="0.000" sourceLinked="1"/>
         <c:majorTickMark val="none"/>
         <c:minorTickMark val="none"/>
         <c:tickLblPos val="nextTo"/>
-        <c:crossAx val="74902528"/>
+        <c:crossAx val="87806336"/>
         <c:crosses val="autoZero"/>
         <c:crossBetween val="midCat"/>
       </c:valAx>
@@ -3586,11 +3553,11 @@
           <c:showBubbleSize val="0"/>
         </c:dLbls>
         <c:gapWidth val="150"/>
-        <c:axId val="112915968"/>
-        <c:axId val="43476864"/>
+        <c:axId val="87872256"/>
+        <c:axId val="87873792"/>
       </c:barChart>
       <c:catAx>
-        <c:axId val="112915968"/>
+        <c:axId val="87872256"/>
         <c:scaling>
           <c:orientation val="minMax"/>
         </c:scaling>
@@ -3599,7 +3566,7 @@
         <c:majorTickMark val="out"/>
         <c:minorTickMark val="none"/>
         <c:tickLblPos val="nextTo"/>
-        <c:crossAx val="43476864"/>
+        <c:crossAx val="87873792"/>
         <c:crosses val="autoZero"/>
         <c:auto val="1"/>
         <c:lblAlgn val="ctr"/>
@@ -3607,7 +3574,7 @@
         <c:noMultiLvlLbl val="0"/>
       </c:catAx>
       <c:valAx>
-        <c:axId val="43476864"/>
+        <c:axId val="87873792"/>
         <c:scaling>
           <c:orientation val="minMax"/>
         </c:scaling>
@@ -3617,14 +3584,13 @@
         <c:majorTickMark val="out"/>
         <c:minorTickMark val="none"/>
         <c:tickLblPos val="nextTo"/>
-        <c:crossAx val="112915968"/>
+        <c:crossAx val="87872256"/>
         <c:crosses val="autoZero"/>
         <c:crossBetween val="between"/>
       </c:valAx>
     </c:plotArea>
     <c:legend>
       <c:legendPos val="r"/>
-      <c:layout/>
       <c:overlay val="0"/>
     </c:legend>
     <c:plotVisOnly val="1"/>
@@ -3668,7 +3634,6 @@
           </a:p>
         </c:rich>
       </c:tx>
-      <c:layout/>
       <c:overlay val="0"/>
     </c:title>
     <c:autoTitleDeleted val="0"/>
@@ -3807,11 +3772,11 @@
           <c:showPercent val="0"/>
           <c:showBubbleSize val="0"/>
         </c:dLbls>
-        <c:axId val="74942336"/>
-        <c:axId val="74945664"/>
+        <c:axId val="106171008"/>
+        <c:axId val="106205952"/>
       </c:scatterChart>
       <c:valAx>
-        <c:axId val="74942336"/>
+        <c:axId val="106171008"/>
         <c:scaling>
           <c:orientation val="minMax"/>
           <c:max val="5000"/>
@@ -3835,20 +3800,19 @@
               </a:p>
             </c:rich>
           </c:tx>
-          <c:layout/>
           <c:overlay val="0"/>
         </c:title>
         <c:numFmt formatCode="General" sourceLinked="1"/>
         <c:majorTickMark val="none"/>
         <c:minorTickMark val="none"/>
         <c:tickLblPos val="nextTo"/>
-        <c:crossAx val="74945664"/>
+        <c:crossAx val="106205952"/>
         <c:crosses val="autoZero"/>
         <c:crossBetween val="midCat"/>
         <c:majorUnit val="1000"/>
       </c:valAx>
       <c:valAx>
-        <c:axId val="74945664"/>
+        <c:axId val="106205952"/>
         <c:scaling>
           <c:orientation val="minMax"/>
           <c:max val="30"/>
@@ -3872,14 +3836,13 @@
               </a:p>
             </c:rich>
           </c:tx>
-          <c:layout/>
           <c:overlay val="0"/>
         </c:title>
         <c:numFmt formatCode="0.000" sourceLinked="1"/>
         <c:majorTickMark val="none"/>
         <c:minorTickMark val="none"/>
         <c:tickLblPos val="nextTo"/>
-        <c:crossAx val="74942336"/>
+        <c:crossAx val="106171008"/>
         <c:crosses val="autoZero"/>
         <c:crossBetween val="midCat"/>
         <c:majorUnit val="6"/>
@@ -3931,7 +3894,6 @@
           </a:p>
         </c:rich>
       </c:tx>
-      <c:layout/>
       <c:overlay val="0"/>
     </c:title>
     <c:autoTitleDeleted val="0"/>
@@ -4070,11 +4032,11 @@
           <c:showPercent val="0"/>
           <c:showBubbleSize val="0"/>
         </c:dLbls>
-        <c:axId val="87500672"/>
-        <c:axId val="87515136"/>
+        <c:axId val="106223104"/>
+        <c:axId val="106225024"/>
       </c:scatterChart>
       <c:valAx>
-        <c:axId val="87500672"/>
+        <c:axId val="106223104"/>
         <c:scaling>
           <c:orientation val="minMax"/>
           <c:max val="10000"/>
@@ -4098,20 +4060,19 @@
               </a:p>
             </c:rich>
           </c:tx>
-          <c:layout/>
           <c:overlay val="0"/>
         </c:title>
         <c:numFmt formatCode="General" sourceLinked="1"/>
         <c:majorTickMark val="none"/>
         <c:minorTickMark val="none"/>
         <c:tickLblPos val="nextTo"/>
-        <c:crossAx val="87515136"/>
+        <c:crossAx val="106225024"/>
         <c:crosses val="autoZero"/>
         <c:crossBetween val="midCat"/>
         <c:majorUnit val="2000"/>
       </c:valAx>
       <c:valAx>
-        <c:axId val="87515136"/>
+        <c:axId val="106225024"/>
         <c:scaling>
           <c:orientation val="minMax"/>
           <c:max val="80"/>
@@ -4135,14 +4096,13 @@
               </a:p>
             </c:rich>
           </c:tx>
-          <c:layout/>
           <c:overlay val="0"/>
         </c:title>
         <c:numFmt formatCode="0.000" sourceLinked="1"/>
         <c:majorTickMark val="none"/>
         <c:minorTickMark val="none"/>
         <c:tickLblPos val="nextTo"/>
-        <c:crossAx val="87500672"/>
+        <c:crossAx val="106223104"/>
         <c:crosses val="autoZero"/>
         <c:crossBetween val="midCat"/>
         <c:majorUnit val="16"/>
@@ -4194,7 +4154,6 @@
           </a:p>
         </c:rich>
       </c:tx>
-      <c:layout/>
       <c:overlay val="0"/>
     </c:title>
     <c:autoTitleDeleted val="0"/>
@@ -4333,11 +4292,11 @@
           <c:showPercent val="0"/>
           <c:showBubbleSize val="0"/>
         </c:dLbls>
-        <c:axId val="112869760"/>
-        <c:axId val="112871680"/>
+        <c:axId val="106598784"/>
+        <c:axId val="106600704"/>
       </c:scatterChart>
       <c:valAx>
-        <c:axId val="112869760"/>
+        <c:axId val="106598784"/>
         <c:scaling>
           <c:orientation val="minMax"/>
           <c:max val="100000"/>
@@ -4361,20 +4320,19 @@
               </a:p>
             </c:rich>
           </c:tx>
-          <c:layout/>
           <c:overlay val="0"/>
         </c:title>
         <c:numFmt formatCode="General" sourceLinked="1"/>
         <c:majorTickMark val="none"/>
         <c:minorTickMark val="none"/>
         <c:tickLblPos val="nextTo"/>
-        <c:crossAx val="112871680"/>
+        <c:crossAx val="106600704"/>
         <c:crosses val="autoZero"/>
         <c:crossBetween val="midCat"/>
         <c:majorUnit val="25000"/>
       </c:valAx>
       <c:valAx>
-        <c:axId val="112871680"/>
+        <c:axId val="106600704"/>
         <c:scaling>
           <c:orientation val="minMax"/>
           <c:max val="250"/>
@@ -4398,14 +4356,13 @@
               </a:p>
             </c:rich>
           </c:tx>
-          <c:layout/>
           <c:overlay val="0"/>
         </c:title>
         <c:numFmt formatCode="0.000" sourceLinked="1"/>
         <c:majorTickMark val="none"/>
         <c:minorTickMark val="none"/>
         <c:tickLblPos val="nextTo"/>
-        <c:crossAx val="112869760"/>
+        <c:crossAx val="106598784"/>
         <c:crosses val="autoZero"/>
         <c:crossBetween val="midCat"/>
         <c:majorUnit val="50"/>
@@ -4457,7 +4414,6 @@
           </a:p>
         </c:rich>
       </c:tx>
-      <c:layout/>
       <c:overlay val="0"/>
     </c:title>
     <c:autoTitleDeleted val="0"/>
@@ -4596,11 +4552,11 @@
           <c:showPercent val="0"/>
           <c:showBubbleSize val="0"/>
         </c:dLbls>
-        <c:axId val="125358848"/>
-        <c:axId val="125360768"/>
+        <c:axId val="106613760"/>
+        <c:axId val="106624128"/>
       </c:scatterChart>
       <c:valAx>
-        <c:axId val="125358848"/>
+        <c:axId val="106613760"/>
         <c:scaling>
           <c:orientation val="minMax"/>
           <c:max val="600000"/>
@@ -4624,20 +4580,19 @@
               </a:p>
             </c:rich>
           </c:tx>
-          <c:layout/>
           <c:overlay val="0"/>
         </c:title>
         <c:numFmt formatCode="General" sourceLinked="1"/>
         <c:majorTickMark val="none"/>
         <c:minorTickMark val="none"/>
         <c:tickLblPos val="nextTo"/>
-        <c:crossAx val="125360768"/>
+        <c:crossAx val="106624128"/>
         <c:crosses val="autoZero"/>
         <c:crossBetween val="midCat"/>
         <c:majorUnit val="150000"/>
       </c:valAx>
       <c:valAx>
-        <c:axId val="125360768"/>
+        <c:axId val="106624128"/>
         <c:scaling>
           <c:orientation val="minMax"/>
           <c:max val="3500"/>
@@ -4661,14 +4616,13 @@
               </a:p>
             </c:rich>
           </c:tx>
-          <c:layout/>
           <c:overlay val="0"/>
         </c:title>
         <c:numFmt formatCode="0.000" sourceLinked="1"/>
         <c:majorTickMark val="none"/>
         <c:minorTickMark val="none"/>
         <c:tickLblPos val="nextTo"/>
-        <c:crossAx val="125358848"/>
+        <c:crossAx val="106613760"/>
         <c:crosses val="autoZero"/>
         <c:crossBetween val="midCat"/>
         <c:majorUnit val="700"/>
@@ -4720,7 +4674,6 @@
           </a:p>
         </c:rich>
       </c:tx>
-      <c:layout/>
       <c:overlay val="0"/>
     </c:title>
     <c:autoTitleDeleted val="0"/>
@@ -4859,11 +4812,11 @@
           <c:showPercent val="0"/>
           <c:showBubbleSize val="0"/>
         </c:dLbls>
-        <c:axId val="87251968"/>
-        <c:axId val="87278720"/>
+        <c:axId val="88052864"/>
+        <c:axId val="88054784"/>
       </c:scatterChart>
       <c:valAx>
-        <c:axId val="87251968"/>
+        <c:axId val="88052864"/>
         <c:scaling>
           <c:orientation val="minMax"/>
           <c:max val="10000"/>
@@ -4887,20 +4840,19 @@
               </a:p>
             </c:rich>
           </c:tx>
-          <c:layout/>
           <c:overlay val="0"/>
         </c:title>
         <c:numFmt formatCode="General" sourceLinked="1"/>
         <c:majorTickMark val="none"/>
         <c:minorTickMark val="none"/>
         <c:tickLblPos val="nextTo"/>
-        <c:crossAx val="87278720"/>
+        <c:crossAx val="88054784"/>
         <c:crosses val="autoZero"/>
         <c:crossBetween val="midCat"/>
         <c:majorUnit val="2000"/>
       </c:valAx>
       <c:valAx>
-        <c:axId val="87278720"/>
+        <c:axId val="88054784"/>
         <c:scaling>
           <c:orientation val="minMax"/>
           <c:max val="20"/>
@@ -4924,14 +4876,13 @@
               </a:p>
             </c:rich>
           </c:tx>
-          <c:layout/>
           <c:overlay val="0"/>
         </c:title>
         <c:numFmt formatCode="#,##0.000_ ;\-#,##0.000\ " sourceLinked="1"/>
         <c:majorTickMark val="none"/>
         <c:minorTickMark val="none"/>
         <c:tickLblPos val="nextTo"/>
-        <c:crossAx val="87251968"/>
+        <c:crossAx val="88052864"/>
         <c:crosses val="autoZero"/>
         <c:crossBetween val="midCat"/>
         <c:majorUnit val="4"/>
@@ -4982,7 +4933,6 @@
           </a:p>
         </c:rich>
       </c:tx>
-      <c:layout/>
       <c:overlay val="0"/>
     </c:title>
     <c:autoTitleDeleted val="0"/>
@@ -5121,11 +5071,11 @@
           <c:showPercent val="0"/>
           <c:showBubbleSize val="0"/>
         </c:dLbls>
-        <c:axId val="93722496"/>
-        <c:axId val="93724672"/>
+        <c:axId val="88354816"/>
+        <c:axId val="88356736"/>
       </c:scatterChart>
       <c:valAx>
-        <c:axId val="93722496"/>
+        <c:axId val="88354816"/>
         <c:scaling>
           <c:orientation val="minMax"/>
           <c:max val="100000"/>
@@ -5149,20 +5099,19 @@
               </a:p>
             </c:rich>
           </c:tx>
-          <c:layout/>
           <c:overlay val="0"/>
         </c:title>
         <c:numFmt formatCode="General" sourceLinked="1"/>
         <c:majorTickMark val="none"/>
         <c:minorTickMark val="none"/>
         <c:tickLblPos val="nextTo"/>
-        <c:crossAx val="93724672"/>
+        <c:crossAx val="88356736"/>
         <c:crosses val="autoZero"/>
         <c:crossBetween val="midCat"/>
         <c:majorUnit val="25000"/>
       </c:valAx>
       <c:valAx>
-        <c:axId val="93724672"/>
+        <c:axId val="88356736"/>
         <c:scaling>
           <c:orientation val="minMax"/>
           <c:max val="50"/>
@@ -5186,14 +5135,13 @@
               </a:p>
             </c:rich>
           </c:tx>
-          <c:layout/>
           <c:overlay val="0"/>
         </c:title>
         <c:numFmt formatCode="#,##0.000_ ;\-#,##0.000\ " sourceLinked="1"/>
         <c:majorTickMark val="none"/>
         <c:minorTickMark val="none"/>
         <c:tickLblPos val="nextTo"/>
-        <c:crossAx val="93722496"/>
+        <c:crossAx val="88354816"/>
         <c:crosses val="autoZero"/>
         <c:crossBetween val="midCat"/>
         <c:majorUnit val="10"/>
@@ -5244,7 +5192,6 @@
           </a:p>
         </c:rich>
       </c:tx>
-      <c:layout/>
       <c:overlay val="0"/>
     </c:title>
     <c:autoTitleDeleted val="0"/>
@@ -5383,11 +5330,11 @@
           <c:showPercent val="0"/>
           <c:showBubbleSize val="0"/>
         </c:dLbls>
-        <c:axId val="93766400"/>
-        <c:axId val="93768320"/>
+        <c:axId val="88390272"/>
+        <c:axId val="88404736"/>
       </c:scatterChart>
       <c:valAx>
-        <c:axId val="93766400"/>
+        <c:axId val="88390272"/>
         <c:scaling>
           <c:orientation val="minMax"/>
           <c:max val="600000"/>
@@ -5411,20 +5358,19 @@
               </a:p>
             </c:rich>
           </c:tx>
-          <c:layout/>
           <c:overlay val="0"/>
         </c:title>
         <c:numFmt formatCode="General" sourceLinked="1"/>
         <c:majorTickMark val="none"/>
         <c:minorTickMark val="none"/>
         <c:tickLblPos val="nextTo"/>
-        <c:crossAx val="93768320"/>
+        <c:crossAx val="88404736"/>
         <c:crosses val="autoZero"/>
         <c:crossBetween val="midCat"/>
         <c:majorUnit val="150000"/>
       </c:valAx>
       <c:valAx>
-        <c:axId val="93768320"/>
+        <c:axId val="88404736"/>
         <c:scaling>
           <c:orientation val="minMax"/>
           <c:max val="400"/>
@@ -5448,14 +5394,13 @@
               </a:p>
             </c:rich>
           </c:tx>
-          <c:layout/>
           <c:overlay val="0"/>
         </c:title>
         <c:numFmt formatCode="#,##0.000_ ;\-#,##0.000\ " sourceLinked="1"/>
         <c:majorTickMark val="none"/>
         <c:minorTickMark val="none"/>
         <c:tickLblPos val="nextTo"/>
-        <c:crossAx val="93766400"/>
+        <c:crossAx val="88390272"/>
         <c:crosses val="autoZero"/>
         <c:crossBetween val="midCat"/>
         <c:majorUnit val="100"/>
@@ -5504,11 +5449,11 @@
           <c:showPercent val="0"/>
           <c:showBubbleSize val="0"/>
         </c:dLbls>
-        <c:axId val="95402624"/>
-        <c:axId val="95408512"/>
+        <c:axId val="89314048"/>
+        <c:axId val="89315584"/>
       </c:scatterChart>
       <c:valAx>
-        <c:axId val="95402624"/>
+        <c:axId val="89314048"/>
         <c:scaling>
           <c:orientation val="minMax"/>
         </c:scaling>
@@ -5517,12 +5462,12 @@
         <c:majorTickMark val="none"/>
         <c:minorTickMark val="none"/>
         <c:tickLblPos val="nextTo"/>
-        <c:crossAx val="95408512"/>
+        <c:crossAx val="89315584"/>
         <c:crosses val="autoZero"/>
         <c:crossBetween val="midCat"/>
       </c:valAx>
       <c:valAx>
-        <c:axId val="95408512"/>
+        <c:axId val="89315584"/>
         <c:scaling>
           <c:orientation val="minMax"/>
         </c:scaling>
@@ -5531,14 +5476,13 @@
         <c:majorTickMark val="none"/>
         <c:minorTickMark val="none"/>
         <c:tickLblPos val="nextTo"/>
-        <c:crossAx val="95402624"/>
+        <c:crossAx val="89314048"/>
         <c:crosses val="autoZero"/>
         <c:crossBetween val="midCat"/>
       </c:valAx>
     </c:plotArea>
     <c:legend>
       <c:legendPos val="b"/>
-      <c:layout/>
       <c:overlay val="0"/>
     </c:legend>
     <c:plotVisOnly val="1"/>
@@ -5585,7 +5529,6 @@
           </a:p>
         </c:rich>
       </c:tx>
-      <c:layout/>
       <c:overlay val="0"/>
     </c:title>
     <c:autoTitleDeleted val="0"/>
@@ -5836,11 +5779,11 @@
           <c:showPercent val="0"/>
           <c:showBubbleSize val="0"/>
         </c:dLbls>
-        <c:axId val="96844032"/>
-        <c:axId val="96858496"/>
+        <c:axId val="90747264"/>
+        <c:axId val="90749184"/>
       </c:scatterChart>
       <c:valAx>
-        <c:axId val="96844032"/>
+        <c:axId val="90747264"/>
         <c:scaling>
           <c:orientation val="minMax"/>
           <c:max val="5000"/>
@@ -5864,20 +5807,19 @@
               </a:p>
             </c:rich>
           </c:tx>
-          <c:layout/>
           <c:overlay val="0"/>
         </c:title>
         <c:numFmt formatCode="General" sourceLinked="1"/>
         <c:majorTickMark val="none"/>
         <c:minorTickMark val="none"/>
         <c:tickLblPos val="nextTo"/>
-        <c:crossAx val="96858496"/>
+        <c:crossAx val="90749184"/>
         <c:crosses val="autoZero"/>
         <c:crossBetween val="midCat"/>
         <c:majorUnit val="1000"/>
       </c:valAx>
       <c:valAx>
-        <c:axId val="96858496"/>
+        <c:axId val="90749184"/>
         <c:scaling>
           <c:orientation val="minMax"/>
           <c:max val="12"/>
@@ -5901,14 +5843,13 @@
               </a:p>
             </c:rich>
           </c:tx>
-          <c:layout/>
           <c:overlay val="0"/>
         </c:title>
         <c:numFmt formatCode="0.000" sourceLinked="1"/>
         <c:majorTickMark val="none"/>
         <c:minorTickMark val="none"/>
         <c:tickLblPos val="nextTo"/>
-        <c:crossAx val="96844032"/>
+        <c:crossAx val="90747264"/>
         <c:crosses val="autoZero"/>
         <c:crossBetween val="midCat"/>
         <c:majorUnit val="2.4"/>
@@ -5959,7 +5900,6 @@
           </a:p>
         </c:rich>
       </c:tx>
-      <c:layout/>
       <c:overlay val="0"/>
     </c:title>
     <c:autoTitleDeleted val="0"/>
@@ -6210,11 +6150,11 @@
           <c:showPercent val="0"/>
           <c:showBubbleSize val="0"/>
         </c:dLbls>
-        <c:axId val="107231872"/>
-        <c:axId val="107234048"/>
+        <c:axId val="90841856"/>
+        <c:axId val="90843776"/>
       </c:scatterChart>
       <c:valAx>
-        <c:axId val="107231872"/>
+        <c:axId val="90841856"/>
         <c:scaling>
           <c:orientation val="minMax"/>
           <c:max val="10000"/>
@@ -6238,20 +6178,19 @@
               </a:p>
             </c:rich>
           </c:tx>
-          <c:layout/>
           <c:overlay val="0"/>
         </c:title>
         <c:numFmt formatCode="General" sourceLinked="1"/>
         <c:majorTickMark val="none"/>
         <c:minorTickMark val="none"/>
         <c:tickLblPos val="nextTo"/>
-        <c:crossAx val="107234048"/>
+        <c:crossAx val="90843776"/>
         <c:crosses val="autoZero"/>
         <c:crossBetween val="midCat"/>
         <c:majorUnit val="2000"/>
       </c:valAx>
       <c:valAx>
-        <c:axId val="107234048"/>
+        <c:axId val="90843776"/>
         <c:scaling>
           <c:logBase val="10"/>
           <c:orientation val="minMax"/>
@@ -6289,7 +6228,7 @@
         <c:majorTickMark val="none"/>
         <c:minorTickMark val="none"/>
         <c:tickLblPos val="nextTo"/>
-        <c:crossAx val="107231872"/>
+        <c:crossAx val="90841856"/>
         <c:crosses val="autoZero"/>
         <c:crossBetween val="midCat"/>
       </c:valAx>
@@ -6339,7 +6278,6 @@
           </a:p>
         </c:rich>
       </c:tx>
-      <c:layout/>
       <c:overlay val="0"/>
     </c:title>
     <c:autoTitleDeleted val="0"/>
@@ -6590,11 +6528,11 @@
           <c:showPercent val="0"/>
           <c:showBubbleSize val="0"/>
         </c:dLbls>
-        <c:axId val="107269120"/>
-        <c:axId val="107275392"/>
+        <c:axId val="90891392"/>
+        <c:axId val="90893312"/>
       </c:scatterChart>
       <c:valAx>
-        <c:axId val="107269120"/>
+        <c:axId val="90891392"/>
         <c:scaling>
           <c:orientation val="minMax"/>
           <c:max val="100000"/>
@@ -6618,20 +6556,19 @@
               </a:p>
             </c:rich>
           </c:tx>
-          <c:layout/>
           <c:overlay val="0"/>
         </c:title>
         <c:numFmt formatCode="General" sourceLinked="1"/>
         <c:majorTickMark val="none"/>
         <c:minorTickMark val="none"/>
         <c:tickLblPos val="nextTo"/>
-        <c:crossAx val="107275392"/>
+        <c:crossAx val="90893312"/>
         <c:crosses val="autoZero"/>
         <c:crossBetween val="midCat"/>
         <c:majorUnit val="25000"/>
       </c:valAx>
       <c:valAx>
-        <c:axId val="107275392"/>
+        <c:axId val="90893312"/>
         <c:scaling>
           <c:logBase val="10"/>
           <c:orientation val="minMax"/>
@@ -6655,14 +6592,13 @@
               </a:p>
             </c:rich>
           </c:tx>
-          <c:layout/>
           <c:overlay val="0"/>
         </c:title>
         <c:numFmt formatCode="0.000" sourceLinked="1"/>
         <c:majorTickMark val="none"/>
         <c:minorTickMark val="none"/>
         <c:tickLblPos val="nextTo"/>
-        <c:crossAx val="107269120"/>
+        <c:crossAx val="90891392"/>
         <c:crosses val="autoZero"/>
         <c:crossBetween val="midCat"/>
       </c:valAx>
@@ -7481,7 +7417,7 @@
               <a:pPr>
                 <a:defRPr/>
               </a:pPr>
-              <a:t>2013-06-25</a:t>
+              <a:t>2013-06-26</a:t>
             </a:fld>
             <a:endParaRPr lang="pl-PL"/>
           </a:p>
@@ -9280,13 +9216,8 @@
             </a:r>
             <a:r>
               <a:rPr lang="pl-PL" dirty="0" smtClean="0"/>
-              <a:t>. Punkty rdzeniowy stanowi </a:t>
+              <a:t>. Punkty rdzeniowy stanowi generator grupy!</a:t>
             </a:r>
-            <a:r>
-              <a:rPr lang="pl-PL" dirty="0" smtClean="0"/>
-              <a:t>generator grupy!</a:t>
-            </a:r>
-            <a:endParaRPr lang="pl-PL" dirty="0" smtClean="0"/>
           </a:p>
         </p:txBody>
       </p:sp>
@@ -9457,11 +9388,7 @@
             </a:r>
             <a:r>
               <a:rPr lang="pl-PL" dirty="0" smtClean="0"/>
-              <a:t>Wszystkie </a:t>
-            </a:r>
-            <a:r>
-              <a:rPr lang="pl-PL" dirty="0" smtClean="0"/>
-              <a:t>punkty, które nie należą do żadnej z grup stanowią szum.</a:t>
+              <a:t>Wszystkie punkty, które nie należą do żadnej z grup stanowią szum.</a:t>
             </a:r>
           </a:p>
           <a:p>
@@ -9653,23 +9580,7 @@
           <a:p>
             <a:r>
               <a:rPr lang="pl-PL" dirty="0" smtClean="0"/>
-              <a:t>Dla </a:t>
-            </a:r>
-            <a:r>
-              <a:rPr lang="pl-PL" dirty="0" smtClean="0"/>
-              <a:t>dowolnych punktów p, q i r nierówność trójkąta przedstawia się następująco. </a:t>
-            </a:r>
-            <a:r>
-              <a:rPr lang="pl-PL" dirty="0" smtClean="0"/>
-              <a:t>Przenosząc </a:t>
-            </a:r>
-            <a:r>
-              <a:rPr lang="pl-PL" dirty="0" smtClean="0"/>
-              <a:t>składniki dotyczące tego samego punktu na jedną ze stron nierówności uzyskujemy nierówność, której prawą stronę nazwiemy pesymistycznym oszacowaniem. Jeżeli </a:t>
-            </a:r>
-            <a:r>
-              <a:rPr lang="pl-PL" dirty="0" smtClean="0"/>
-              <a:t>pesymistyczne oszacowanie odległości</a:t>
+              <a:t>Dla dowolnych punktów p, q i r nierówność trójkąta przedstawia się następująco. Przenosząc składniki dotyczące tego samego punktu na jedną ze stron nierówności uzyskujemy nierówność, której prawą stronę nazwiemy pesymistycznym oszacowaniem. Jeżeli pesymistyczne oszacowanie odległości</a:t>
             </a:r>
             <a:r>
               <a:rPr lang="pl-PL" baseline="0" dirty="0" smtClean="0"/>
@@ -9824,11 +9735,7 @@
           <a:p>
             <a:r>
               <a:rPr lang="pl-PL" dirty="0" smtClean="0"/>
-              <a:t>Rozpatrzmy </a:t>
-            </a:r>
-            <a:r>
-              <a:rPr lang="pl-PL" dirty="0" smtClean="0"/>
-              <a:t>przykładowy zbiór D przestrzeni dwuwymiarowej przedstawiony na wykresie; promień sąsiedztwa </a:t>
+              <a:t>Rozpatrzmy przykładowy zbiór D przestrzeni dwuwymiarowej przedstawiony na wykresie; promień sąsiedztwa </a:t>
             </a:r>
             <a:r>
               <a:rPr lang="pl-PL" dirty="0" err="1" smtClean="0"/>
@@ -10008,11 +9915,7 @@
           <a:p>
             <a:r>
               <a:rPr lang="pl-PL" dirty="0" smtClean="0"/>
-              <a:t>Alternatywnym sposobem usprawnienia algorytmów gęstościowego grupowania jest zastosowanie rzutowania na wymiar. Jeśli weźmiemy pod uwagę, </a:t>
-            </a:r>
-            <a:r>
-              <a:rPr lang="pl-PL" dirty="0" smtClean="0"/>
-              <a:t>różnica wartości wybranego</a:t>
+              <a:t>Alternatywnym sposobem usprawnienia algorytmów gęstościowego grupowania jest zastosowanie rzutowania na wymiar. Jeśli weźmiemy pod uwagę, różnica wartości wybranego</a:t>
             </a:r>
             <a:r>
               <a:rPr lang="pl-PL" baseline="0" dirty="0" smtClean="0"/>
@@ -10633,7 +10536,7 @@
               <a:pPr>
                 <a:defRPr/>
               </a:pPr>
-              <a:t>2013-06-25</a:t>
+              <a:t>2013-06-26</a:t>
             </a:fld>
             <a:endParaRPr lang="pl-PL"/>
           </a:p>
@@ -10830,7 +10733,7 @@
               <a:pPr>
                 <a:defRPr/>
               </a:pPr>
-              <a:t>2013-06-25</a:t>
+              <a:t>2013-06-26</a:t>
             </a:fld>
             <a:endParaRPr lang="pl-PL"/>
           </a:p>
@@ -11037,7 +10940,7 @@
               <a:pPr>
                 <a:defRPr/>
               </a:pPr>
-              <a:t>2013-06-25</a:t>
+              <a:t>2013-06-26</a:t>
             </a:fld>
             <a:endParaRPr lang="pl-PL"/>
           </a:p>
@@ -11234,7 +11137,7 @@
               <a:pPr>
                 <a:defRPr/>
               </a:pPr>
-              <a:t>2013-06-25</a:t>
+              <a:t>2013-06-26</a:t>
             </a:fld>
             <a:endParaRPr lang="pl-PL"/>
           </a:p>
@@ -11507,7 +11410,7 @@
               <a:pPr>
                 <a:defRPr/>
               </a:pPr>
-              <a:t>2013-06-25</a:t>
+              <a:t>2013-06-26</a:t>
             </a:fld>
             <a:endParaRPr lang="pl-PL"/>
           </a:p>
@@ -11822,7 +11725,7 @@
               <a:pPr>
                 <a:defRPr/>
               </a:pPr>
-              <a:t>2013-06-25</a:t>
+              <a:t>2013-06-26</a:t>
             </a:fld>
             <a:endParaRPr lang="pl-PL"/>
           </a:p>
@@ -12271,7 +12174,7 @@
               <a:pPr>
                 <a:defRPr/>
               </a:pPr>
-              <a:t>2013-06-25</a:t>
+              <a:t>2013-06-26</a:t>
             </a:fld>
             <a:endParaRPr lang="pl-PL"/>
           </a:p>
@@ -12416,7 +12319,7 @@
               <a:pPr>
                 <a:defRPr/>
               </a:pPr>
-              <a:t>2013-06-25</a:t>
+              <a:t>2013-06-26</a:t>
             </a:fld>
             <a:endParaRPr lang="pl-PL"/>
           </a:p>
@@ -12538,7 +12441,7 @@
               <a:pPr>
                 <a:defRPr/>
               </a:pPr>
-              <a:t>2013-06-25</a:t>
+              <a:t>2013-06-26</a:t>
             </a:fld>
             <a:endParaRPr lang="pl-PL"/>
           </a:p>
@@ -12842,7 +12745,7 @@
               <a:pPr>
                 <a:defRPr/>
               </a:pPr>
-              <a:t>2013-06-25</a:t>
+              <a:t>2013-06-26</a:t>
             </a:fld>
             <a:endParaRPr lang="pl-PL"/>
           </a:p>
@@ -13125,7 +13028,7 @@
               <a:pPr>
                 <a:defRPr/>
               </a:pPr>
-              <a:t>2013-06-25</a:t>
+              <a:t>2013-06-26</a:t>
             </a:fld>
             <a:endParaRPr lang="pl-PL"/>
           </a:p>
@@ -13418,7 +13321,7 @@
               <a:pPr>
                 <a:defRPr/>
               </a:pPr>
-              <a:t>2013-06-25</a:t>
+              <a:t>2013-06-26</a:t>
             </a:fld>
             <a:endParaRPr lang="pl-PL"/>
           </a:p>
@@ -15393,8 +15296,8 @@
           </a:p>
         </p:txBody>
       </p:sp>
-      <mc:AlternateContent xmlns:mc="http://schemas.openxmlformats.org/markup-compatibility/2006">
-        <mc:Choice xmlns:a14="http://schemas.microsoft.com/office/drawing/2010/main" Requires="a14">
+      <mc:AlternateContent xmlns:mc="http://schemas.openxmlformats.org/markup-compatibility/2006" xmlns:a14="http://schemas.microsoft.com/office/drawing/2010/main">
+        <mc:Choice Requires="a14">
           <p:sp>
             <p:nvSpPr>
               <p:cNvPr id="38" name="Symbol zastępczy zawartości 2"/>
@@ -16087,7 +15990,7 @@
             </p:txBody>
           </p:sp>
         </mc:Choice>
-        <mc:Fallback>
+        <mc:Fallback xmlns="">
           <p:sp>
             <p:nvSpPr>
               <p:cNvPr id="38" name="Symbol zastępczy zawartości 2"/>
@@ -16148,8 +16051,8 @@
           </p:sp>
         </mc:Fallback>
       </mc:AlternateContent>
-      <mc:AlternateContent xmlns:mc="http://schemas.openxmlformats.org/markup-compatibility/2006">
-        <mc:Choice xmlns:a14="http://schemas.microsoft.com/office/drawing/2010/main" Requires="a14">
+      <mc:AlternateContent xmlns:mc="http://schemas.openxmlformats.org/markup-compatibility/2006" xmlns:a14="http://schemas.microsoft.com/office/drawing/2010/main">
+        <mc:Choice Requires="a14">
           <p:sp>
             <p:nvSpPr>
               <p:cNvPr id="39" name="Symbol zastępczy zawartości 2"/>
@@ -17062,7 +16965,7 @@
             </p:txBody>
           </p:sp>
         </mc:Choice>
-        <mc:Fallback>
+        <mc:Fallback xmlns="">
           <p:sp>
             <p:nvSpPr>
               <p:cNvPr id="39" name="Symbol zastępczy zawartości 2"/>
@@ -17648,8 +17551,8 @@
             </p:txBody>
           </p:sp>
         </p:grpSp>
-        <mc:AlternateContent xmlns:mc="http://schemas.openxmlformats.org/markup-compatibility/2006">
-          <mc:Choice xmlns:a14="http://schemas.microsoft.com/office/drawing/2010/main" Requires="a14">
+        <mc:AlternateContent xmlns:mc="http://schemas.openxmlformats.org/markup-compatibility/2006" xmlns:a14="http://schemas.microsoft.com/office/drawing/2010/main">
+          <mc:Choice Requires="a14">
             <p:sp>
               <p:nvSpPr>
                 <p:cNvPr id="63" name="pole tekstowe 62"/>
@@ -17672,6 +17575,7 @@
                 </a:bodyPr>
                 <a:lstStyle/>
                 <a:p>
+                  <a:pPr/>
                   <a14:m>
                     <m:oMathPara xmlns:m="http://schemas.openxmlformats.org/officeDocument/2006/math">
                       <m:oMathParaPr>
@@ -17710,7 +17614,7 @@
               </p:txBody>
             </p:sp>
           </mc:Choice>
-          <mc:Fallback>
+          <mc:Fallback xmlns="">
             <p:sp>
               <p:nvSpPr>
                 <p:cNvPr id="63" name="pole tekstowe 62"/>
@@ -17749,8 +17653,8 @@
             </p:sp>
           </mc:Fallback>
         </mc:AlternateContent>
-        <mc:AlternateContent xmlns:mc="http://schemas.openxmlformats.org/markup-compatibility/2006">
-          <mc:Choice xmlns:a14="http://schemas.microsoft.com/office/drawing/2010/main" Requires="a14">
+        <mc:AlternateContent xmlns:mc="http://schemas.openxmlformats.org/markup-compatibility/2006" xmlns:a14="http://schemas.microsoft.com/office/drawing/2010/main">
+          <mc:Choice Requires="a14">
             <p:sp>
               <p:nvSpPr>
                 <p:cNvPr id="64" name="pole tekstowe 63"/>
@@ -17773,6 +17677,7 @@
                 </a:bodyPr>
                 <a:lstStyle/>
                 <a:p>
+                  <a:pPr/>
                   <a14:m>
                     <m:oMathPara xmlns:m="http://schemas.openxmlformats.org/officeDocument/2006/math">
                       <m:oMathParaPr>
@@ -17811,7 +17716,7 @@
               </p:txBody>
             </p:sp>
           </mc:Choice>
-          <mc:Fallback>
+          <mc:Fallback xmlns="">
             <p:sp>
               <p:nvSpPr>
                 <p:cNvPr id="64" name="pole tekstowe 63"/>
@@ -17850,8 +17755,8 @@
             </p:sp>
           </mc:Fallback>
         </mc:AlternateContent>
-        <mc:AlternateContent xmlns:mc="http://schemas.openxmlformats.org/markup-compatibility/2006">
-          <mc:Choice xmlns:a14="http://schemas.microsoft.com/office/drawing/2010/main" Requires="a14">
+        <mc:AlternateContent xmlns:mc="http://schemas.openxmlformats.org/markup-compatibility/2006" xmlns:a14="http://schemas.microsoft.com/office/drawing/2010/main">
+          <mc:Choice Requires="a14">
             <p:sp>
               <p:nvSpPr>
                 <p:cNvPr id="65" name="pole tekstowe 64"/>
@@ -17874,6 +17779,7 @@
                 </a:bodyPr>
                 <a:lstStyle/>
                 <a:p>
+                  <a:pPr/>
                   <a14:m>
                     <m:oMathPara xmlns:m="http://schemas.openxmlformats.org/officeDocument/2006/math">
                       <m:oMathParaPr>
@@ -17894,7 +17800,7 @@
               </p:txBody>
             </p:sp>
           </mc:Choice>
-          <mc:Fallback>
+          <mc:Fallback xmlns="">
             <p:sp>
               <p:nvSpPr>
                 <p:cNvPr id="65" name="pole tekstowe 64"/>
@@ -17933,8 +17839,8 @@
             </p:sp>
           </mc:Fallback>
         </mc:AlternateContent>
-        <mc:AlternateContent xmlns:mc="http://schemas.openxmlformats.org/markup-compatibility/2006">
-          <mc:Choice xmlns:a14="http://schemas.microsoft.com/office/drawing/2010/main" Requires="a14">
+        <mc:AlternateContent xmlns:mc="http://schemas.openxmlformats.org/markup-compatibility/2006" xmlns:a14="http://schemas.microsoft.com/office/drawing/2010/main">
+          <mc:Choice Requires="a14">
             <p:sp>
               <p:nvSpPr>
                 <p:cNvPr id="66" name="pole tekstowe 65"/>
@@ -17957,6 +17863,7 @@
                 </a:bodyPr>
                 <a:lstStyle/>
                 <a:p>
+                  <a:pPr/>
                   <a14:m>
                     <m:oMathPara xmlns:m="http://schemas.openxmlformats.org/officeDocument/2006/math">
                       <m:oMathParaPr>
@@ -17978,7 +17885,7 @@
               </p:txBody>
             </p:sp>
           </mc:Choice>
-          <mc:Fallback>
+          <mc:Fallback xmlns="">
             <p:sp>
               <p:nvSpPr>
                 <p:cNvPr id="66" name="pole tekstowe 65"/>
@@ -18017,8 +17924,8 @@
             </p:sp>
           </mc:Fallback>
         </mc:AlternateContent>
-        <mc:AlternateContent xmlns:mc="http://schemas.openxmlformats.org/markup-compatibility/2006">
-          <mc:Choice xmlns:a14="http://schemas.microsoft.com/office/drawing/2010/main" Requires="a14">
+        <mc:AlternateContent xmlns:mc="http://schemas.openxmlformats.org/markup-compatibility/2006" xmlns:a14="http://schemas.microsoft.com/office/drawing/2010/main">
+          <mc:Choice Requires="a14">
             <p:sp>
               <p:nvSpPr>
                 <p:cNvPr id="67" name="pole tekstowe 66"/>
@@ -18041,6 +17948,7 @@
                 </a:bodyPr>
                 <a:lstStyle/>
                 <a:p>
+                  <a:pPr/>
                   <a14:m>
                     <m:oMathPara xmlns:m="http://schemas.openxmlformats.org/officeDocument/2006/math">
                       <m:oMathParaPr>
@@ -18069,7 +17977,7 @@
               </p:txBody>
             </p:sp>
           </mc:Choice>
-          <mc:Fallback>
+          <mc:Fallback xmlns="">
             <p:sp>
               <p:nvSpPr>
                 <p:cNvPr id="67" name="pole tekstowe 66"/>
@@ -18108,8 +18016,8 @@
             </p:sp>
           </mc:Fallback>
         </mc:AlternateContent>
-        <mc:AlternateContent xmlns:mc="http://schemas.openxmlformats.org/markup-compatibility/2006">
-          <mc:Choice xmlns:a14="http://schemas.microsoft.com/office/drawing/2010/main" Requires="a14">
+        <mc:AlternateContent xmlns:mc="http://schemas.openxmlformats.org/markup-compatibility/2006" xmlns:a14="http://schemas.microsoft.com/office/drawing/2010/main">
+          <mc:Choice Requires="a14">
             <p:sp>
               <p:nvSpPr>
                 <p:cNvPr id="68" name="pole tekstowe 67"/>
@@ -18132,6 +18040,7 @@
                 </a:bodyPr>
                 <a:lstStyle/>
                 <a:p>
+                  <a:pPr/>
                   <a14:m>
                     <m:oMathPara xmlns:m="http://schemas.openxmlformats.org/officeDocument/2006/math">
                       <m:oMathParaPr>
@@ -18160,7 +18069,7 @@
               </p:txBody>
             </p:sp>
           </mc:Choice>
-          <mc:Fallback>
+          <mc:Fallback xmlns="">
             <p:sp>
               <p:nvSpPr>
                 <p:cNvPr id="68" name="pole tekstowe 67"/>
@@ -18200,8 +18109,8 @@
           </mc:Fallback>
         </mc:AlternateContent>
       </p:grpSp>
-      <mc:AlternateContent xmlns:mc="http://schemas.openxmlformats.org/markup-compatibility/2006">
-        <mc:Choice xmlns:a14="http://schemas.microsoft.com/office/drawing/2010/main" Requires="a14">
+      <mc:AlternateContent xmlns:mc="http://schemas.openxmlformats.org/markup-compatibility/2006" xmlns:a14="http://schemas.microsoft.com/office/drawing/2010/main">
+        <mc:Choice Requires="a14">
           <p:sp>
             <p:nvSpPr>
               <p:cNvPr id="81" name="pole tekstowe 80"/>
@@ -18224,6 +18133,7 @@
               </a:bodyPr>
               <a:lstStyle/>
               <a:p>
+                <a:pPr/>
                 <a14:m>
                   <m:oMathPara xmlns:m="http://schemas.openxmlformats.org/officeDocument/2006/math">
                     <m:oMathParaPr>
@@ -18244,7 +18154,7 @@
             </p:txBody>
           </p:sp>
         </mc:Choice>
-        <mc:Fallback>
+        <mc:Fallback xmlns="">
           <p:sp>
             <p:nvSpPr>
               <p:cNvPr id="81" name="pole tekstowe 80"/>
@@ -18836,8 +18746,8 @@
           </a:p>
         </p:txBody>
       </p:sp>
-      <mc:AlternateContent xmlns:mc="http://schemas.openxmlformats.org/markup-compatibility/2006">
-        <mc:Choice xmlns:a14="http://schemas.microsoft.com/office/drawing/2010/main" Requires="a14">
+      <mc:AlternateContent xmlns:mc="http://schemas.openxmlformats.org/markup-compatibility/2006" xmlns:a14="http://schemas.microsoft.com/office/drawing/2010/main">
+        <mc:Choice Requires="a14">
           <p:sp>
             <p:nvSpPr>
               <p:cNvPr id="10" name="Symbol zastępczy zawartości 2"/>
@@ -19530,7 +19440,7 @@
             </p:txBody>
           </p:sp>
         </mc:Choice>
-        <mc:Fallback>
+        <mc:Fallback xmlns="">
           <p:sp>
             <p:nvSpPr>
               <p:cNvPr id="10" name="Symbol zastępczy zawartości 2"/>
@@ -19591,8 +19501,8 @@
           </p:sp>
         </mc:Fallback>
       </mc:AlternateContent>
-      <mc:AlternateContent xmlns:mc="http://schemas.openxmlformats.org/markup-compatibility/2006">
-        <mc:Choice xmlns:a14="http://schemas.microsoft.com/office/drawing/2010/main" Requires="a14">
+      <mc:AlternateContent xmlns:mc="http://schemas.openxmlformats.org/markup-compatibility/2006" xmlns:a14="http://schemas.microsoft.com/office/drawing/2010/main">
+        <mc:Choice Requires="a14">
           <p:sp>
             <p:nvSpPr>
               <p:cNvPr id="11" name="Symbol zastępczy zawartości 2"/>
@@ -20505,7 +20415,7 @@
             </p:txBody>
           </p:sp>
         </mc:Choice>
-        <mc:Fallback>
+        <mc:Fallback xmlns="">
           <p:sp>
             <p:nvSpPr>
               <p:cNvPr id="11" name="Symbol zastępczy zawartości 2"/>
@@ -21051,8 +20961,8 @@
             </p:txBody>
           </p:sp>
         </p:grpSp>
-        <mc:AlternateContent xmlns:mc="http://schemas.openxmlformats.org/markup-compatibility/2006">
-          <mc:Choice xmlns:a14="http://schemas.microsoft.com/office/drawing/2010/main" Requires="a14">
+        <mc:AlternateContent xmlns:mc="http://schemas.openxmlformats.org/markup-compatibility/2006" xmlns:a14="http://schemas.microsoft.com/office/drawing/2010/main">
+          <mc:Choice Requires="a14">
             <p:sp>
               <p:nvSpPr>
                 <p:cNvPr id="15" name="pole tekstowe 14"/>
@@ -21075,6 +20985,7 @@
                 </a:bodyPr>
                 <a:lstStyle/>
                 <a:p>
+                  <a:pPr/>
                   <a14:m>
                     <m:oMathPara xmlns:m="http://schemas.openxmlformats.org/officeDocument/2006/math">
                       <m:oMathParaPr>
@@ -21113,7 +21024,7 @@
               </p:txBody>
             </p:sp>
           </mc:Choice>
-          <mc:Fallback>
+          <mc:Fallback xmlns="">
             <p:sp>
               <p:nvSpPr>
                 <p:cNvPr id="15" name="pole tekstowe 14"/>
@@ -21152,8 +21063,8 @@
             </p:sp>
           </mc:Fallback>
         </mc:AlternateContent>
-        <mc:AlternateContent xmlns:mc="http://schemas.openxmlformats.org/markup-compatibility/2006">
-          <mc:Choice xmlns:a14="http://schemas.microsoft.com/office/drawing/2010/main" Requires="a14">
+        <mc:AlternateContent xmlns:mc="http://schemas.openxmlformats.org/markup-compatibility/2006" xmlns:a14="http://schemas.microsoft.com/office/drawing/2010/main">
+          <mc:Choice Requires="a14">
             <p:sp>
               <p:nvSpPr>
                 <p:cNvPr id="16" name="pole tekstowe 15"/>
@@ -21176,6 +21087,7 @@
                 </a:bodyPr>
                 <a:lstStyle/>
                 <a:p>
+                  <a:pPr/>
                   <a14:m>
                     <m:oMathPara xmlns:m="http://schemas.openxmlformats.org/officeDocument/2006/math">
                       <m:oMathParaPr>
@@ -21214,7 +21126,7 @@
               </p:txBody>
             </p:sp>
           </mc:Choice>
-          <mc:Fallback>
+          <mc:Fallback xmlns="">
             <p:sp>
               <p:nvSpPr>
                 <p:cNvPr id="16" name="pole tekstowe 15"/>
@@ -21253,8 +21165,8 @@
             </p:sp>
           </mc:Fallback>
         </mc:AlternateContent>
-        <mc:AlternateContent xmlns:mc="http://schemas.openxmlformats.org/markup-compatibility/2006">
-          <mc:Choice xmlns:a14="http://schemas.microsoft.com/office/drawing/2010/main" Requires="a14">
+        <mc:AlternateContent xmlns:mc="http://schemas.openxmlformats.org/markup-compatibility/2006" xmlns:a14="http://schemas.microsoft.com/office/drawing/2010/main">
+          <mc:Choice Requires="a14">
             <p:sp>
               <p:nvSpPr>
                 <p:cNvPr id="17" name="pole tekstowe 16"/>
@@ -21277,6 +21189,7 @@
                 </a:bodyPr>
                 <a:lstStyle/>
                 <a:p>
+                  <a:pPr/>
                   <a14:m>
                     <m:oMathPara xmlns:m="http://schemas.openxmlformats.org/officeDocument/2006/math">
                       <m:oMathParaPr>
@@ -21297,7 +21210,7 @@
               </p:txBody>
             </p:sp>
           </mc:Choice>
-          <mc:Fallback>
+          <mc:Fallback xmlns="">
             <p:sp>
               <p:nvSpPr>
                 <p:cNvPr id="17" name="pole tekstowe 16"/>
@@ -21336,8 +21249,8 @@
             </p:sp>
           </mc:Fallback>
         </mc:AlternateContent>
-        <mc:AlternateContent xmlns:mc="http://schemas.openxmlformats.org/markup-compatibility/2006">
-          <mc:Choice xmlns:a14="http://schemas.microsoft.com/office/drawing/2010/main" Requires="a14">
+        <mc:AlternateContent xmlns:mc="http://schemas.openxmlformats.org/markup-compatibility/2006" xmlns:a14="http://schemas.microsoft.com/office/drawing/2010/main">
+          <mc:Choice Requires="a14">
             <p:sp>
               <p:nvSpPr>
                 <p:cNvPr id="18" name="pole tekstowe 17"/>
@@ -21360,6 +21273,7 @@
                 </a:bodyPr>
                 <a:lstStyle/>
                 <a:p>
+                  <a:pPr/>
                   <a14:m>
                     <m:oMathPara xmlns:m="http://schemas.openxmlformats.org/officeDocument/2006/math">
                       <m:oMathParaPr>
@@ -21381,7 +21295,7 @@
               </p:txBody>
             </p:sp>
           </mc:Choice>
-          <mc:Fallback>
+          <mc:Fallback xmlns="">
             <p:sp>
               <p:nvSpPr>
                 <p:cNvPr id="18" name="pole tekstowe 17"/>
@@ -21420,8 +21334,8 @@
             </p:sp>
           </mc:Fallback>
         </mc:AlternateContent>
-        <mc:AlternateContent xmlns:mc="http://schemas.openxmlformats.org/markup-compatibility/2006">
-          <mc:Choice xmlns:a14="http://schemas.microsoft.com/office/drawing/2010/main" Requires="a14">
+        <mc:AlternateContent xmlns:mc="http://schemas.openxmlformats.org/markup-compatibility/2006" xmlns:a14="http://schemas.microsoft.com/office/drawing/2010/main">
+          <mc:Choice Requires="a14">
             <p:sp>
               <p:nvSpPr>
                 <p:cNvPr id="19" name="pole tekstowe 18"/>
@@ -21444,6 +21358,7 @@
                 </a:bodyPr>
                 <a:lstStyle/>
                 <a:p>
+                  <a:pPr/>
                   <a14:m>
                     <m:oMathPara xmlns:m="http://schemas.openxmlformats.org/officeDocument/2006/math">
                       <m:oMathParaPr>
@@ -21472,7 +21387,7 @@
               </p:txBody>
             </p:sp>
           </mc:Choice>
-          <mc:Fallback>
+          <mc:Fallback xmlns="">
             <p:sp>
               <p:nvSpPr>
                 <p:cNvPr id="19" name="pole tekstowe 18"/>
@@ -21511,8 +21426,8 @@
             </p:sp>
           </mc:Fallback>
         </mc:AlternateContent>
-        <mc:AlternateContent xmlns:mc="http://schemas.openxmlformats.org/markup-compatibility/2006">
-          <mc:Choice xmlns:a14="http://schemas.microsoft.com/office/drawing/2010/main" Requires="a14">
+        <mc:AlternateContent xmlns:mc="http://schemas.openxmlformats.org/markup-compatibility/2006" xmlns:a14="http://schemas.microsoft.com/office/drawing/2010/main">
+          <mc:Choice Requires="a14">
             <p:sp>
               <p:nvSpPr>
                 <p:cNvPr id="20" name="pole tekstowe 19"/>
@@ -21535,6 +21450,7 @@
                 </a:bodyPr>
                 <a:lstStyle/>
                 <a:p>
+                  <a:pPr/>
                   <a14:m>
                     <m:oMathPara xmlns:m="http://schemas.openxmlformats.org/officeDocument/2006/math">
                       <m:oMathParaPr>
@@ -21563,7 +21479,7 @@
               </p:txBody>
             </p:sp>
           </mc:Choice>
-          <mc:Fallback>
+          <mc:Fallback xmlns="">
             <p:sp>
               <p:nvSpPr>
                 <p:cNvPr id="20" name="pole tekstowe 19"/>
@@ -21676,8 +21592,8 @@
           </a:p>
         </p:txBody>
       </p:sp>
-      <mc:AlternateContent xmlns:mc="http://schemas.openxmlformats.org/markup-compatibility/2006">
-        <mc:Choice xmlns:a14="http://schemas.microsoft.com/office/drawing/2010/main" Requires="a14">
+      <mc:AlternateContent xmlns:mc="http://schemas.openxmlformats.org/markup-compatibility/2006" xmlns:a14="http://schemas.microsoft.com/office/drawing/2010/main">
+        <mc:Choice Requires="a14">
           <p:sp>
             <p:nvSpPr>
               <p:cNvPr id="37" name="pole tekstowe 36"/>
@@ -21700,6 +21616,7 @@
               </a:bodyPr>
               <a:lstStyle/>
               <a:p>
+                <a:pPr/>
                 <a14:m>
                   <m:oMathPara xmlns:m="http://schemas.openxmlformats.org/officeDocument/2006/math">
                     <m:oMathParaPr>
@@ -21720,7 +21637,7 @@
             </p:txBody>
           </p:sp>
         </mc:Choice>
-        <mc:Fallback>
+        <mc:Fallback xmlns="">
           <p:sp>
             <p:nvSpPr>
               <p:cNvPr id="37" name="pole tekstowe 36"/>
@@ -21759,8 +21676,8 @@
           </p:sp>
         </mc:Fallback>
       </mc:AlternateContent>
-      <mc:AlternateContent xmlns:mc="http://schemas.openxmlformats.org/markup-compatibility/2006">
-        <mc:Choice xmlns:a14="http://schemas.microsoft.com/office/drawing/2010/main" Requires="a14">
+      <mc:AlternateContent xmlns:mc="http://schemas.openxmlformats.org/markup-compatibility/2006" xmlns:a14="http://schemas.microsoft.com/office/drawing/2010/main">
+        <mc:Choice Requires="a14">
           <p:sp>
             <p:nvSpPr>
               <p:cNvPr id="39" name="pole tekstowe 38"/>
@@ -21783,6 +21700,7 @@
               </a:bodyPr>
               <a:lstStyle/>
               <a:p>
+                <a:pPr/>
                 <a14:m>
                   <m:oMathPara xmlns:m="http://schemas.openxmlformats.org/officeDocument/2006/math">
                     <m:oMathParaPr>
@@ -21833,7 +21751,7 @@
             </p:txBody>
           </p:sp>
         </mc:Choice>
-        <mc:Fallback>
+        <mc:Fallback xmlns="">
           <p:sp>
             <p:nvSpPr>
               <p:cNvPr id="39" name="pole tekstowe 38"/>
@@ -22421,8 +22339,8 @@
           </a:p>
         </p:txBody>
       </p:sp>
-      <mc:AlternateContent xmlns:mc="http://schemas.openxmlformats.org/markup-compatibility/2006">
-        <mc:Choice xmlns:a14="http://schemas.microsoft.com/office/drawing/2010/main" Requires="a14">
+      <mc:AlternateContent xmlns:mc="http://schemas.openxmlformats.org/markup-compatibility/2006" xmlns:a14="http://schemas.microsoft.com/office/drawing/2010/main">
+        <mc:Choice Requires="a14">
           <p:sp>
             <p:nvSpPr>
               <p:cNvPr id="8" name="Symbol zastępczy zawartości 2"/>
@@ -22637,10 +22555,6 @@
                   <a:rPr lang="pl-PL" sz="2800" dirty="0" smtClean="0"/>
                   <a:t>.</a:t>
                 </a:r>
-                <a:r>
-                  <a:rPr lang="pl-PL" sz="2800" dirty="0" smtClean="0"/>
-                  <a:t/>
-                </a:r>
                 <a:br>
                   <a:rPr lang="pl-PL" sz="2800" dirty="0" smtClean="0"/>
                 </a:br>
@@ -22786,7 +22700,7 @@
             </p:txBody>
           </p:sp>
         </mc:Choice>
-        <mc:Fallback>
+        <mc:Fallback xmlns="">
           <p:sp>
             <p:nvSpPr>
               <p:cNvPr id="8" name="Symbol zastępczy zawartości 2"/>
@@ -29111,7 +29025,6 @@
               <a:rPr lang="pl-PL" sz="1600" dirty="0"/>
               <a:t>- przy zastosowaniu miary kosinusowej jako miary podobieństwa. Wykresy zawierają czasy wykonania poszukiwań k=5 sąsiedztwa w przykładowych zbiorach danych dla 50% losowo wybranych punktów zbioru danych</a:t>
             </a:r>
-            <a:endParaRPr lang="pl-PL" sz="1600" dirty="0"/>
           </a:p>
         </p:txBody>
       </p:sp>
@@ -29145,13 +29058,8 @@
             </a:br>
             <a:r>
               <a:rPr lang="pl-PL" sz="2400" b="1" dirty="0" smtClean="0"/>
-              <a:t>Porównanie metod przyspieszania wyznaczania </a:t>
+              <a:t>Porównanie metod przyspieszania wyznaczania sąsiedztwa –miara kosinusowa</a:t>
             </a:r>
-            <a:r>
-              <a:rPr lang="pl-PL" sz="2400" b="1" dirty="0" smtClean="0"/>
-              <a:t>sąsiedztwa –miara kosinusowa</a:t>
-            </a:r>
-            <a:endParaRPr lang="pl-PL" sz="2400" b="1" dirty="0" smtClean="0"/>
           </a:p>
         </p:txBody>
       </p:sp>
@@ -29739,11 +29647,7 @@
             </a:pPr>
             <a:r>
               <a:rPr lang="pl-PL" sz="2800" dirty="0" smtClean="0"/>
-              <a:t>Zarys </a:t>
-            </a:r>
-            <a:r>
-              <a:rPr lang="pl-PL" sz="2800" dirty="0" smtClean="0"/>
-              <a:t>teorii</a:t>
+              <a:t>Zarys teorii</a:t>
             </a:r>
           </a:p>
           <a:p>
@@ -29755,7 +29659,6 @@
               <a:rPr lang="pl-PL" sz="2800" dirty="0" smtClean="0"/>
               <a:t>Stworzone oprogramowanie</a:t>
             </a:r>
-            <a:endParaRPr lang="pl-PL" sz="2800" dirty="0" smtClean="0"/>
           </a:p>
           <a:p>
             <a:pPr marL="514350" indent="-514350" eaLnBrk="1" hangingPunct="1">
@@ -30344,13 +30247,8 @@
             </a:br>
             <a:r>
               <a:rPr lang="pl-PL" sz="2400" b="1" dirty="0" smtClean="0"/>
-              <a:t>Porównanie metod przyspieszania wyznaczania </a:t>
+              <a:t>Porównanie metod przyspieszania wyznaczania sąsiedztwa –miara kosinusowa</a:t>
             </a:r>
-            <a:r>
-              <a:rPr lang="pl-PL" sz="2400" b="1" dirty="0" smtClean="0"/>
-              <a:t>sąsiedztwa –miara kosinusowa</a:t>
-            </a:r>
-            <a:endParaRPr lang="pl-PL" sz="2400" b="1" dirty="0" smtClean="0"/>
           </a:p>
         </p:txBody>
       </p:sp>
@@ -30434,7 +30332,6 @@
               <a:rPr lang="pl-PL" sz="1600" dirty="0"/>
               <a:t>-Index przy zastosowaniu miary kosinusowej jako miary podobieństwa. Wykresy zawierają czasy wykonania poszukiwań k=5 i k=5 sąsiedztwa sąsiadów w przykładowych zbiorach danych dla 50% losowo wybranych punktów zbioru danych</a:t>
             </a:r>
-            <a:endParaRPr lang="pl-PL" sz="1600" dirty="0"/>
           </a:p>
         </p:txBody>
       </p:sp>
@@ -32144,7 +32041,7 @@
             <a:pPr lvl="1"/>
             <a:r>
               <a:rPr lang="pl-PL" sz="1800" dirty="0" smtClean="0"/>
-              <a:t>VP-</a:t>
+              <a:t>Indeksu VP-</a:t>
             </a:r>
             <a:r>
               <a:rPr lang="pl-PL" sz="1800" dirty="0" err="1" smtClean="0"/>
@@ -32768,12 +32665,12 @@
           <a:graphicData uri="http://schemas.openxmlformats.org/presentationml/2006/ole">
             <mc:AlternateContent xmlns:mc="http://schemas.openxmlformats.org/markup-compatibility/2006">
               <mc:Choice xmlns:v="urn:schemas-microsoft-com:vml" Requires="v">
-                <p:oleObj spid="_x0000_s4155" r:id="rId4" imgW="6096528" imgH="2133785" progId="Excel.Chart.8">
+                <p:oleObj spid="_x0000_s4156" r:id="rId5" imgW="6096528" imgH="2133785" progId="Excel.Chart.8">
                   <p:embed/>
                 </p:oleObj>
               </mc:Choice>
               <mc:Fallback>
-                <p:oleObj r:id="rId4" imgW="6096528" imgH="2133785" progId="Excel.Chart.8">
+                <p:oleObj r:id="rId5" imgW="6096528" imgH="2133785" progId="Excel.Chart.8">
                   <p:embed/>
                   <p:pic>
                     <p:nvPicPr>
@@ -32784,7 +32681,7 @@
                       <p:nvPr/>
                     </p:nvPicPr>
                     <p:blipFill>
-                      <a:blip r:embed="rId5">
+                      <a:blip r:embed="rId6">
                         <a:extLst>
                           <a:ext uri="{28A0092B-C50C-407E-A947-70E740481C1C}">
                             <a14:useLocalDpi xmlns:a14="http://schemas.microsoft.com/office/drawing/2010/main" val="0"/>
@@ -33943,7 +33840,7 @@
                 <a:ext cx="8229600" cy="4525963"/>
               </a:xfrm>
               <a:blipFill rotWithShape="1">
-                <a:blip r:embed="rId6"/>
+                <a:blip r:embed="rId7"/>
                 <a:stretch>
                   <a:fillRect l="-1259" t="-1213"/>
                 </a:stretch>
@@ -35102,8 +34999,8 @@
           <a:chExt cx="0" cy="0"/>
         </a:xfrm>
       </p:grpSpPr>
-      <mc:AlternateContent xmlns:mc="http://schemas.openxmlformats.org/markup-compatibility/2006">
-        <mc:Choice xmlns:a14="http://schemas.microsoft.com/office/drawing/2010/main" Requires="a14">
+      <mc:AlternateContent xmlns:mc="http://schemas.openxmlformats.org/markup-compatibility/2006" xmlns:a14="http://schemas.microsoft.com/office/drawing/2010/main">
+        <mc:Choice Requires="a14">
           <p:sp>
             <p:nvSpPr>
               <p:cNvPr id="19" name="Symbol zastępczy zawartości 2"/>
@@ -35724,7 +35621,7 @@
             </p:txBody>
           </p:sp>
         </mc:Choice>
-        <mc:Fallback>
+        <mc:Fallback xmlns="">
           <p:sp>
             <p:nvSpPr>
               <p:cNvPr id="19" name="Symbol zastępczy zawartości 2"/>
@@ -36535,7 +36432,7 @@
           <a:graphicData uri="http://schemas.openxmlformats.org/presentationml/2006/ole">
             <mc:AlternateContent xmlns:mc="http://schemas.openxmlformats.org/markup-compatibility/2006">
               <mc:Choice xmlns:v="urn:schemas-microsoft-com:vml" Requires="v">
-                <p:oleObj spid="_x0000_s7220" name="Bitmap Image" r:id="rId4" imgW="4172532" imgH="3038095" progId="PBrush">
+                <p:oleObj spid="_x0000_s7221" name="Bitmap Image" r:id="rId4" imgW="4172532" imgH="3038095" progId="PBrush">
                   <p:embed/>
                 </p:oleObj>
               </mc:Choice>
@@ -41983,8 +41880,8 @@
             </p:txBody>
           </p:sp>
         </p:grpSp>
-        <mc:AlternateContent xmlns:mc="http://schemas.openxmlformats.org/markup-compatibility/2006">
-          <mc:Choice xmlns:a14="http://schemas.microsoft.com/office/drawing/2010/main" Requires="a14">
+        <mc:AlternateContent xmlns:mc="http://schemas.openxmlformats.org/markup-compatibility/2006" xmlns:a14="http://schemas.microsoft.com/office/drawing/2010/main">
+          <mc:Choice Requires="a14">
             <p:sp>
               <p:nvSpPr>
                 <p:cNvPr id="18" name="pole tekstowe 17"/>
@@ -42007,6 +41904,7 @@
                 </a:bodyPr>
                 <a:lstStyle/>
                 <a:p>
+                  <a:pPr/>
                   <a14:m>
                     <m:oMathPara xmlns:m="http://schemas.openxmlformats.org/officeDocument/2006/math">
                       <m:oMathParaPr>
@@ -42045,7 +41943,7 @@
               </p:txBody>
             </p:sp>
           </mc:Choice>
-          <mc:Fallback>
+          <mc:Fallback xmlns="">
             <p:sp>
               <p:nvSpPr>
                 <p:cNvPr id="18" name="pole tekstowe 17"/>
@@ -42084,8 +41982,8 @@
             </p:sp>
           </mc:Fallback>
         </mc:AlternateContent>
-        <mc:AlternateContent xmlns:mc="http://schemas.openxmlformats.org/markup-compatibility/2006">
-          <mc:Choice xmlns:a14="http://schemas.microsoft.com/office/drawing/2010/main" Requires="a14">
+        <mc:AlternateContent xmlns:mc="http://schemas.openxmlformats.org/markup-compatibility/2006" xmlns:a14="http://schemas.microsoft.com/office/drawing/2010/main">
+          <mc:Choice Requires="a14">
             <p:sp>
               <p:nvSpPr>
                 <p:cNvPr id="28" name="pole tekstowe 27"/>
@@ -42108,6 +42006,7 @@
                 </a:bodyPr>
                 <a:lstStyle/>
                 <a:p>
+                  <a:pPr/>
                   <a14:m>
                     <m:oMathPara xmlns:m="http://schemas.openxmlformats.org/officeDocument/2006/math">
                       <m:oMathParaPr>
@@ -42146,7 +42045,7 @@
               </p:txBody>
             </p:sp>
           </mc:Choice>
-          <mc:Fallback>
+          <mc:Fallback xmlns="">
             <p:sp>
               <p:nvSpPr>
                 <p:cNvPr id="28" name="pole tekstowe 27"/>
@@ -42185,8 +42084,8 @@
             </p:sp>
           </mc:Fallback>
         </mc:AlternateContent>
-        <mc:AlternateContent xmlns:mc="http://schemas.openxmlformats.org/markup-compatibility/2006">
-          <mc:Choice xmlns:a14="http://schemas.microsoft.com/office/drawing/2010/main" Requires="a14">
+        <mc:AlternateContent xmlns:mc="http://schemas.openxmlformats.org/markup-compatibility/2006" xmlns:a14="http://schemas.microsoft.com/office/drawing/2010/main">
+          <mc:Choice Requires="a14">
             <p:sp>
               <p:nvSpPr>
                 <p:cNvPr id="29" name="pole tekstowe 28"/>
@@ -42209,6 +42108,7 @@
                 </a:bodyPr>
                 <a:lstStyle/>
                 <a:p>
+                  <a:pPr/>
                   <a14:m>
                     <m:oMathPara xmlns:m="http://schemas.openxmlformats.org/officeDocument/2006/math">
                       <m:oMathParaPr>
@@ -42229,7 +42129,7 @@
               </p:txBody>
             </p:sp>
           </mc:Choice>
-          <mc:Fallback>
+          <mc:Fallback xmlns="">
             <p:sp>
               <p:nvSpPr>
                 <p:cNvPr id="29" name="pole tekstowe 28"/>
@@ -42268,8 +42168,8 @@
             </p:sp>
           </mc:Fallback>
         </mc:AlternateContent>
-        <mc:AlternateContent xmlns:mc="http://schemas.openxmlformats.org/markup-compatibility/2006">
-          <mc:Choice xmlns:a14="http://schemas.microsoft.com/office/drawing/2010/main" Requires="a14">
+        <mc:AlternateContent xmlns:mc="http://schemas.openxmlformats.org/markup-compatibility/2006" xmlns:a14="http://schemas.microsoft.com/office/drawing/2010/main">
+          <mc:Choice Requires="a14">
             <p:sp>
               <p:nvSpPr>
                 <p:cNvPr id="30" name="pole tekstowe 29"/>
@@ -42292,6 +42192,7 @@
                 </a:bodyPr>
                 <a:lstStyle/>
                 <a:p>
+                  <a:pPr/>
                   <a14:m>
                     <m:oMathPara xmlns:m="http://schemas.openxmlformats.org/officeDocument/2006/math">
                       <m:oMathParaPr>
@@ -42313,7 +42214,7 @@
               </p:txBody>
             </p:sp>
           </mc:Choice>
-          <mc:Fallback>
+          <mc:Fallback xmlns="">
             <p:sp>
               <p:nvSpPr>
                 <p:cNvPr id="30" name="pole tekstowe 29"/>
@@ -42352,8 +42253,8 @@
             </p:sp>
           </mc:Fallback>
         </mc:AlternateContent>
-        <mc:AlternateContent xmlns:mc="http://schemas.openxmlformats.org/markup-compatibility/2006">
-          <mc:Choice xmlns:a14="http://schemas.microsoft.com/office/drawing/2010/main" Requires="a14">
+        <mc:AlternateContent xmlns:mc="http://schemas.openxmlformats.org/markup-compatibility/2006" xmlns:a14="http://schemas.microsoft.com/office/drawing/2010/main">
+          <mc:Choice Requires="a14">
             <p:sp>
               <p:nvSpPr>
                 <p:cNvPr id="31" name="pole tekstowe 30"/>
@@ -42376,6 +42277,7 @@
                 </a:bodyPr>
                 <a:lstStyle/>
                 <a:p>
+                  <a:pPr/>
                   <a14:m>
                     <m:oMathPara xmlns:m="http://schemas.openxmlformats.org/officeDocument/2006/math">
                       <m:oMathParaPr>
@@ -42404,7 +42306,7 @@
               </p:txBody>
             </p:sp>
           </mc:Choice>
-          <mc:Fallback>
+          <mc:Fallback xmlns="">
             <p:sp>
               <p:nvSpPr>
                 <p:cNvPr id="31" name="pole tekstowe 30"/>
@@ -42443,8 +42345,8 @@
             </p:sp>
           </mc:Fallback>
         </mc:AlternateContent>
-        <mc:AlternateContent xmlns:mc="http://schemas.openxmlformats.org/markup-compatibility/2006">
-          <mc:Choice xmlns:a14="http://schemas.microsoft.com/office/drawing/2010/main" Requires="a14">
+        <mc:AlternateContent xmlns:mc="http://schemas.openxmlformats.org/markup-compatibility/2006" xmlns:a14="http://schemas.microsoft.com/office/drawing/2010/main">
+          <mc:Choice Requires="a14">
             <p:sp>
               <p:nvSpPr>
                 <p:cNvPr id="32" name="pole tekstowe 31"/>
@@ -42467,6 +42369,7 @@
                 </a:bodyPr>
                 <a:lstStyle/>
                 <a:p>
+                  <a:pPr/>
                   <a14:m>
                     <m:oMathPara xmlns:m="http://schemas.openxmlformats.org/officeDocument/2006/math">
                       <m:oMathParaPr>
@@ -42495,7 +42398,7 @@
               </p:txBody>
             </p:sp>
           </mc:Choice>
-          <mc:Fallback>
+          <mc:Fallback xmlns="">
             <p:sp>
               <p:nvSpPr>
                 <p:cNvPr id="32" name="pole tekstowe 31"/>
